--- a/docs/jDMN.pptx
+++ b/docs/jDMN.pptx
@@ -5,27 +5,28 @@
     <p:sldMasterId id="2147483660" r:id="rId4"/>
   </p:sldMasterIdLst>
   <p:notesMasterIdLst>
-    <p:notesMasterId r:id="rId20"/>
+    <p:notesMasterId r:id="rId21"/>
   </p:notesMasterIdLst>
   <p:handoutMasterIdLst>
-    <p:handoutMasterId r:id="rId21"/>
+    <p:handoutMasterId r:id="rId22"/>
   </p:handoutMasterIdLst>
   <p:sldIdLst>
     <p:sldId id="256" r:id="rId5"/>
     <p:sldId id="278" r:id="rId6"/>
     <p:sldId id="283" r:id="rId7"/>
-    <p:sldId id="279" r:id="rId8"/>
-    <p:sldId id="284" r:id="rId9"/>
-    <p:sldId id="268" r:id="rId10"/>
-    <p:sldId id="269" r:id="rId11"/>
-    <p:sldId id="280" r:id="rId12"/>
-    <p:sldId id="281" r:id="rId13"/>
-    <p:sldId id="276" r:id="rId14"/>
+    <p:sldId id="284" r:id="rId8"/>
+    <p:sldId id="268" r:id="rId9"/>
+    <p:sldId id="269" r:id="rId10"/>
+    <p:sldId id="280" r:id="rId11"/>
+    <p:sldId id="281" r:id="rId12"/>
+    <p:sldId id="276" r:id="rId13"/>
+    <p:sldId id="282" r:id="rId14"/>
     <p:sldId id="270" r:id="rId15"/>
-    <p:sldId id="282" r:id="rId16"/>
-    <p:sldId id="285" r:id="rId17"/>
-    <p:sldId id="286" r:id="rId18"/>
-    <p:sldId id="266" r:id="rId19"/>
+    <p:sldId id="287" r:id="rId16"/>
+    <p:sldId id="289" r:id="rId17"/>
+    <p:sldId id="290" r:id="rId18"/>
+    <p:sldId id="288" r:id="rId19"/>
+    <p:sldId id="285" r:id="rId20"/>
   </p:sldIdLst>
   <p:sldSz cx="9144000" cy="6858000" type="screen4x3"/>
   <p:notesSz cx="6810375" cy="9942513"/>
@@ -226,7 +227,7 @@
             <a:fld id="{D770D6DE-83B5-4E6D-9928-ED5430640FAB}" type="datetimeFigureOut">
               <a:rPr lang="en-US" smtClean="0"/>
               <a:pPr/>
-              <a:t>9/18/2020</a:t>
+              <a:t>5/17/2024</a:t>
             </a:fld>
             <a:endParaRPr lang="en-US"/>
           </a:p>
@@ -394,7 +395,7 @@
             <a:fld id="{29C20780-3741-46C7-B869-E290D70C69A5}" type="datetimeFigureOut">
               <a:rPr lang="en-US" smtClean="0"/>
               <a:pPr/>
-              <a:t>9/18/2020</a:t>
+              <a:t>5/17/2024</a:t>
             </a:fld>
             <a:endParaRPr lang="en-US"/>
           </a:p>
@@ -726,7 +727,7 @@
             <a:fld id="{D0574DD8-F12C-4B39-86DC-1908BDDB7681}" type="slidenum">
               <a:rPr lang="en-US" smtClean="0"/>
               <a:pPr/>
-              <a:t>6</a:t>
+              <a:t>5</a:t>
             </a:fld>
             <a:endParaRPr lang="en-US"/>
           </a:p>
@@ -4481,7 +4482,7 @@
           <a:p>
             <a:r>
               <a:rPr lang="en-GB" sz="1400" dirty="0"/>
-              <a:t>September 2020</a:t>
+              <a:t>May 2024</a:t>
             </a:r>
           </a:p>
         </p:txBody>
@@ -4558,7 +4559,7 @@
           <a:p>
             <a:r>
               <a:rPr lang="en-GB" dirty="0"/>
-              <a:t>Translation</a:t>
+              <a:t>Performance</a:t>
             </a:r>
           </a:p>
         </p:txBody>
@@ -4582,285 +4583,6 @@
               <a:rPr kumimoji="0" lang="en-US" smtClean="0"/>
               <a:pPr/>
               <a:t>10</a:t>
-            </a:fld>
-            <a:endParaRPr kumimoji="0" lang="en-US" dirty="0"/>
-          </a:p>
-        </p:txBody>
-      </p:sp>
-      <p:sp>
-        <p:nvSpPr>
-          <p:cNvPr id="5" name="Content Placeholder 4"/>
-          <p:cNvSpPr>
-            <a:spLocks noGrp="1"/>
-          </p:cNvSpPr>
-          <p:nvPr>
-            <p:ph sz="quarter" idx="1"/>
-          </p:nvPr>
-        </p:nvSpPr>
-        <p:spPr/>
-        <p:txBody>
-          <a:bodyPr>
-            <a:normAutofit/>
-          </a:bodyPr>
-          <a:lstStyle/>
-          <a:p>
-            <a:endParaRPr lang="en-GB" dirty="0"/>
-          </a:p>
-          <a:p>
-            <a:r>
-              <a:rPr lang="en-GB" dirty="0"/>
-              <a:t>Advantages include</a:t>
-            </a:r>
-          </a:p>
-          <a:p>
-            <a:pPr lvl="1"/>
-            <a:r>
-              <a:rPr lang="en-GB" i="1" dirty="0"/>
-              <a:t>Performance</a:t>
-            </a:r>
-            <a:r>
-              <a:rPr lang="en-GB" dirty="0"/>
-              <a:t>: we have seen runtimes 4-10 times faster than previous engine execution in complex decision tests</a:t>
-            </a:r>
-          </a:p>
-          <a:p>
-            <a:pPr lvl="1"/>
-            <a:r>
-              <a:rPr lang="en-GB" i="1" dirty="0"/>
-              <a:t>Stability:</a:t>
-            </a:r>
-            <a:r>
-              <a:rPr lang="en-GB" dirty="0"/>
-              <a:t> given that we now control the code-generation, we are able to resolve issues in without relying on the vendor</a:t>
-            </a:r>
-          </a:p>
-          <a:p>
-            <a:pPr lvl="1"/>
-            <a:r>
-              <a:rPr lang="en-GB" i="1" dirty="0"/>
-              <a:t>Functionality:</a:t>
-            </a:r>
-            <a:r>
-              <a:rPr lang="en-GB" dirty="0"/>
-              <a:t> the fact that we control the code-generation means that we are also able to enable more advanced functionality for DMN/Java models</a:t>
-            </a:r>
-          </a:p>
-          <a:p>
-            <a:pPr lvl="1"/>
-            <a:endParaRPr lang="en-GB" dirty="0"/>
-          </a:p>
-        </p:txBody>
-      </p:sp>
-    </p:spTree>
-  </p:cSld>
-  <p:clrMapOvr>
-    <a:masterClrMapping/>
-  </p:clrMapOvr>
-</p:sld>
-</file>
-
-<file path=ppt/slides/slide11.xml><?xml version="1.0" encoding="utf-8"?>
-<p:sld xmlns:a="http://schemas.openxmlformats.org/drawingml/2006/main" xmlns:r="http://schemas.openxmlformats.org/officeDocument/2006/relationships" xmlns:p="http://schemas.openxmlformats.org/presentationml/2006/main">
-  <p:cSld>
-    <p:spTree>
-      <p:nvGrpSpPr>
-        <p:cNvPr id="1" name=""/>
-        <p:cNvGrpSpPr/>
-        <p:nvPr/>
-      </p:nvGrpSpPr>
-      <p:grpSpPr>
-        <a:xfrm>
-          <a:off x="0" y="0"/>
-          <a:ext cx="0" cy="0"/>
-          <a:chOff x="0" y="0"/>
-          <a:chExt cx="0" cy="0"/>
-        </a:xfrm>
-      </p:grpSpPr>
-      <p:sp>
-        <p:nvSpPr>
-          <p:cNvPr id="2" name="Title 1"/>
-          <p:cNvSpPr>
-            <a:spLocks noGrp="1"/>
-          </p:cNvSpPr>
-          <p:nvPr>
-            <p:ph type="title"/>
-          </p:nvPr>
-        </p:nvSpPr>
-        <p:spPr/>
-        <p:txBody>
-          <a:bodyPr>
-            <a:normAutofit/>
-          </a:bodyPr>
-          <a:lstStyle/>
-          <a:p>
-            <a:r>
-              <a:rPr lang="en-GB" dirty="0"/>
-              <a:t>Code Optimisation</a:t>
-            </a:r>
-          </a:p>
-        </p:txBody>
-      </p:sp>
-      <p:sp>
-        <p:nvSpPr>
-          <p:cNvPr id="4" name="Slide Number Placeholder 3"/>
-          <p:cNvSpPr>
-            <a:spLocks noGrp="1"/>
-          </p:cNvSpPr>
-          <p:nvPr>
-            <p:ph type="sldNum" sz="quarter" idx="12"/>
-          </p:nvPr>
-        </p:nvSpPr>
-        <p:spPr/>
-        <p:txBody>
-          <a:bodyPr/>
-          <a:lstStyle/>
-          <a:p>
-            <a:fld id="{EA7C8D44-3667-46F6-9772-CC52308E2A7F}" type="slidenum">
-              <a:rPr kumimoji="0" lang="en-US" smtClean="0"/>
-              <a:pPr/>
-              <a:t>11</a:t>
-            </a:fld>
-            <a:endParaRPr kumimoji="0" lang="en-US" dirty="0"/>
-          </a:p>
-        </p:txBody>
-      </p:sp>
-      <p:sp>
-        <p:nvSpPr>
-          <p:cNvPr id="5" name="Content Placeholder 4"/>
-          <p:cNvSpPr>
-            <a:spLocks noGrp="1"/>
-          </p:cNvSpPr>
-          <p:nvPr>
-            <p:ph sz="quarter" idx="1"/>
-          </p:nvPr>
-        </p:nvSpPr>
-        <p:spPr/>
-        <p:txBody>
-          <a:bodyPr>
-            <a:normAutofit/>
-          </a:bodyPr>
-          <a:lstStyle/>
-          <a:p>
-            <a:r>
-              <a:rPr lang="en-GB" dirty="0"/>
-              <a:t>Local optimisation</a:t>
-            </a:r>
-          </a:p>
-          <a:p>
-            <a:pPr lvl="1"/>
-            <a:r>
-              <a:rPr lang="en-GB" dirty="0"/>
-              <a:t>Types</a:t>
-            </a:r>
-          </a:p>
-          <a:p>
-            <a:pPr lvl="1"/>
-            <a:r>
-              <a:rPr lang="en-GB" dirty="0"/>
-              <a:t>Built-in functions</a:t>
-            </a:r>
-          </a:p>
-          <a:p>
-            <a:r>
-              <a:rPr lang="en-GB" dirty="0"/>
-              <a:t>Global optimisation</a:t>
-            </a:r>
-          </a:p>
-          <a:p>
-            <a:pPr lvl="1"/>
-            <a:r>
-              <a:rPr lang="en-GB" dirty="0"/>
-              <a:t>Lazy evaluation</a:t>
-            </a:r>
-          </a:p>
-          <a:p>
-            <a:pPr lvl="1"/>
-            <a:r>
-              <a:rPr lang="en-GB" dirty="0"/>
-              <a:t>Code layout – template providers</a:t>
-            </a:r>
-          </a:p>
-          <a:p>
-            <a:pPr lvl="1"/>
-            <a:r>
-              <a:rPr lang="en-GB" dirty="0"/>
-              <a:t>Caching</a:t>
-            </a:r>
-          </a:p>
-          <a:p>
-            <a:pPr marL="0" indent="0">
-              <a:buNone/>
-            </a:pPr>
-            <a:endParaRPr lang="en-GB" dirty="0"/>
-          </a:p>
-        </p:txBody>
-      </p:sp>
-    </p:spTree>
-  </p:cSld>
-  <p:clrMapOvr>
-    <a:masterClrMapping/>
-  </p:clrMapOvr>
-</p:sld>
-</file>
-
-<file path=ppt/slides/slide12.xml><?xml version="1.0" encoding="utf-8"?>
-<p:sld xmlns:a="http://schemas.openxmlformats.org/drawingml/2006/main" xmlns:r="http://schemas.openxmlformats.org/officeDocument/2006/relationships" xmlns:p="http://schemas.openxmlformats.org/presentationml/2006/main">
-  <p:cSld>
-    <p:spTree>
-      <p:nvGrpSpPr>
-        <p:cNvPr id="1" name=""/>
-        <p:cNvGrpSpPr/>
-        <p:nvPr/>
-      </p:nvGrpSpPr>
-      <p:grpSpPr>
-        <a:xfrm>
-          <a:off x="0" y="0"/>
-          <a:ext cx="0" cy="0"/>
-          <a:chOff x="0" y="0"/>
-          <a:chExt cx="0" cy="0"/>
-        </a:xfrm>
-      </p:grpSpPr>
-      <p:sp>
-        <p:nvSpPr>
-          <p:cNvPr id="2" name="Title 1"/>
-          <p:cNvSpPr>
-            <a:spLocks noGrp="1"/>
-          </p:cNvSpPr>
-          <p:nvPr>
-            <p:ph type="title"/>
-          </p:nvPr>
-        </p:nvSpPr>
-        <p:spPr/>
-        <p:txBody>
-          <a:bodyPr/>
-          <a:lstStyle/>
-          <a:p>
-            <a:r>
-              <a:rPr lang="en-GB" dirty="0"/>
-              <a:t>Performance</a:t>
-            </a:r>
-          </a:p>
-        </p:txBody>
-      </p:sp>
-      <p:sp>
-        <p:nvSpPr>
-          <p:cNvPr id="4" name="Slide Number Placeholder 3"/>
-          <p:cNvSpPr>
-            <a:spLocks noGrp="1"/>
-          </p:cNvSpPr>
-          <p:nvPr>
-            <p:ph type="sldNum" sz="quarter" idx="12"/>
-          </p:nvPr>
-        </p:nvSpPr>
-        <p:spPr/>
-        <p:txBody>
-          <a:bodyPr/>
-          <a:lstStyle/>
-          <a:p>
-            <a:fld id="{EA7C8D44-3667-46F6-9772-CC52308E2A7F}" type="slidenum">
-              <a:rPr kumimoji="0" lang="en-US" smtClean="0"/>
-              <a:pPr/>
-              <a:t>12</a:t>
             </a:fld>
             <a:endParaRPr kumimoji="0" lang="en-US" dirty="0"/>
           </a:p>
@@ -5046,6 +4768,1333 @@
 </p:sld>
 </file>
 
+<file path=ppt/slides/slide11.xml><?xml version="1.0" encoding="utf-8"?>
+<p:sld xmlns:a="http://schemas.openxmlformats.org/drawingml/2006/main" xmlns:r="http://schemas.openxmlformats.org/officeDocument/2006/relationships" xmlns:p="http://schemas.openxmlformats.org/presentationml/2006/main">
+  <p:cSld>
+    <p:spTree>
+      <p:nvGrpSpPr>
+        <p:cNvPr id="1" name=""/>
+        <p:cNvGrpSpPr/>
+        <p:nvPr/>
+      </p:nvGrpSpPr>
+      <p:grpSpPr>
+        <a:xfrm>
+          <a:off x="0" y="0"/>
+          <a:ext cx="0" cy="0"/>
+          <a:chOff x="0" y="0"/>
+          <a:chExt cx="0" cy="0"/>
+        </a:xfrm>
+      </p:grpSpPr>
+      <p:sp>
+        <p:nvSpPr>
+          <p:cNvPr id="2" name="Title 1"/>
+          <p:cNvSpPr>
+            <a:spLocks noGrp="1"/>
+          </p:cNvSpPr>
+          <p:nvPr>
+            <p:ph type="title"/>
+          </p:nvPr>
+        </p:nvSpPr>
+        <p:spPr/>
+        <p:txBody>
+          <a:bodyPr>
+            <a:normAutofit/>
+          </a:bodyPr>
+          <a:lstStyle/>
+          <a:p>
+            <a:r>
+              <a:rPr lang="en-GB" dirty="0"/>
+              <a:t>Code Optimisation – Model Level</a:t>
+            </a:r>
+          </a:p>
+        </p:txBody>
+      </p:sp>
+      <p:sp>
+        <p:nvSpPr>
+          <p:cNvPr id="4" name="Slide Number Placeholder 3"/>
+          <p:cNvSpPr>
+            <a:spLocks noGrp="1"/>
+          </p:cNvSpPr>
+          <p:nvPr>
+            <p:ph type="sldNum" sz="quarter" idx="12"/>
+          </p:nvPr>
+        </p:nvSpPr>
+        <p:spPr/>
+        <p:txBody>
+          <a:bodyPr/>
+          <a:lstStyle/>
+          <a:p>
+            <a:fld id="{EA7C8D44-3667-46F6-9772-CC52308E2A7F}" type="slidenum">
+              <a:rPr kumimoji="0" lang="en-US" smtClean="0"/>
+              <a:pPr/>
+              <a:t>11</a:t>
+            </a:fld>
+            <a:endParaRPr kumimoji="0" lang="en-US" dirty="0"/>
+          </a:p>
+        </p:txBody>
+      </p:sp>
+      <p:sp>
+        <p:nvSpPr>
+          <p:cNvPr id="5" name="Content Placeholder 4"/>
+          <p:cNvSpPr>
+            <a:spLocks noGrp="1"/>
+          </p:cNvSpPr>
+          <p:nvPr>
+            <p:ph sz="quarter" idx="1"/>
+          </p:nvPr>
+        </p:nvSpPr>
+        <p:spPr/>
+        <p:txBody>
+          <a:bodyPr>
+            <a:normAutofit/>
+          </a:bodyPr>
+          <a:lstStyle/>
+          <a:p>
+            <a:r>
+              <a:rPr lang="en-GB" dirty="0"/>
+              <a:t>AWS Lambda</a:t>
+            </a:r>
+          </a:p>
+          <a:p>
+            <a:r>
+              <a:rPr lang="en-GB" dirty="0" err="1"/>
+              <a:t>gRPC</a:t>
+            </a:r>
+            <a:r>
+              <a:rPr lang="en-GB" dirty="0"/>
+              <a:t> / </a:t>
+            </a:r>
+            <a:r>
+              <a:rPr lang="en-GB" dirty="0" err="1"/>
+              <a:t>protobuf</a:t>
+            </a:r>
+            <a:endParaRPr lang="en-GB" dirty="0"/>
+          </a:p>
+          <a:p>
+            <a:pPr marL="0" indent="0">
+              <a:buNone/>
+            </a:pPr>
+            <a:endParaRPr lang="en-GB" dirty="0"/>
+          </a:p>
+        </p:txBody>
+      </p:sp>
+      <p:grpSp>
+        <p:nvGrpSpPr>
+          <p:cNvPr id="3" name="Group 2">
+            <a:extLst>
+              <a:ext uri="{FF2B5EF4-FFF2-40B4-BE49-F238E27FC236}">
+                <a16:creationId xmlns:a16="http://schemas.microsoft.com/office/drawing/2014/main" id="{DAA08A29-E11C-D508-85EF-78D709215F30}"/>
+              </a:ext>
+            </a:extLst>
+          </p:cNvPr>
+          <p:cNvGrpSpPr/>
+          <p:nvPr/>
+        </p:nvGrpSpPr>
+        <p:grpSpPr>
+          <a:xfrm>
+            <a:off x="451963" y="3805021"/>
+            <a:ext cx="1230027" cy="611650"/>
+            <a:chOff x="-349496" y="3434140"/>
+            <a:chExt cx="1506538" cy="764844"/>
+          </a:xfrm>
+        </p:grpSpPr>
+        <p:pic>
+          <p:nvPicPr>
+            <p:cNvPr id="6" name="Graphic 6">
+              <a:extLst>
+                <a:ext uri="{FF2B5EF4-FFF2-40B4-BE49-F238E27FC236}">
+                  <a16:creationId xmlns:a16="http://schemas.microsoft.com/office/drawing/2014/main" id="{14C300DA-E2F4-AE18-6FBD-00A9BB3CA47D}"/>
+                </a:ext>
+              </a:extLst>
+            </p:cNvPr>
+            <p:cNvPicPr>
+              <a:picLocks noChangeAspect="1" noChangeArrowheads="1"/>
+            </p:cNvPicPr>
+            <p:nvPr/>
+          </p:nvPicPr>
+          <p:blipFill>
+            <a:blip r:embed="rId2">
+              <a:extLst>
+                <a:ext uri="{96DAC541-7B7A-43D3-8B79-37D633B846F1}">
+                  <asvg:svgBlip xmlns:asvg="http://schemas.microsoft.com/office/drawing/2016/SVG/main" r:embed="rId3"/>
+                </a:ext>
+              </a:extLst>
+            </a:blip>
+            <a:srcRect/>
+            <a:stretch/>
+          </p:blipFill>
+          <p:spPr bwMode="auto">
+            <a:xfrm flipH="1">
+              <a:off x="111708" y="3434140"/>
+              <a:ext cx="469900" cy="469900"/>
+            </a:xfrm>
+            <a:prstGeom prst="rect">
+              <a:avLst/>
+            </a:prstGeom>
+            <a:noFill/>
+            <a:ln>
+              <a:noFill/>
+            </a:ln>
+            <a:extLst>
+              <a:ext uri="{909E8E84-426E-40DD-AFC4-6F175D3DCCD1}">
+                <a14:hiddenFill xmlns:a14="http://schemas.microsoft.com/office/drawing/2010/main">
+                  <a:solidFill>
+                    <a:srgbClr val="FFFFFF"/>
+                  </a:solidFill>
+                </a14:hiddenFill>
+              </a:ext>
+              <a:ext uri="{91240B29-F687-4F45-9708-019B960494DF}">
+                <a14:hiddenLine xmlns:a14="http://schemas.microsoft.com/office/drawing/2010/main" w="9525">
+                  <a:solidFill>
+                    <a:srgbClr val="000000"/>
+                  </a:solidFill>
+                  <a:miter lim="800000"/>
+                  <a:headEnd/>
+                  <a:tailEnd/>
+                </a14:hiddenLine>
+              </a:ext>
+            </a:extLst>
+          </p:spPr>
+        </p:pic>
+        <p:sp>
+          <p:nvSpPr>
+            <p:cNvPr id="7" name="TextBox 15">
+              <a:extLst>
+                <a:ext uri="{FF2B5EF4-FFF2-40B4-BE49-F238E27FC236}">
+                  <a16:creationId xmlns:a16="http://schemas.microsoft.com/office/drawing/2014/main" id="{492F9046-15D4-3B5A-BC4A-9783705715A6}"/>
+                </a:ext>
+              </a:extLst>
+            </p:cNvPr>
+            <p:cNvSpPr txBox="1">
+              <a:spLocks noChangeArrowheads="1"/>
+            </p:cNvSpPr>
+            <p:nvPr/>
+          </p:nvSpPr>
+          <p:spPr bwMode="auto">
+            <a:xfrm>
+              <a:off x="-349496" y="3892596"/>
+              <a:ext cx="1506538" cy="306388"/>
+            </a:xfrm>
+            <a:prstGeom prst="rect">
+              <a:avLst/>
+            </a:prstGeom>
+            <a:noFill/>
+            <a:ln>
+              <a:noFill/>
+            </a:ln>
+            <a:extLst>
+              <a:ext uri="{909E8E84-426E-40DD-AFC4-6F175D3DCCD1}">
+                <a14:hiddenFill xmlns:a14="http://schemas.microsoft.com/office/drawing/2010/main">
+                  <a:solidFill>
+                    <a:srgbClr val="FFFFFF"/>
+                  </a:solidFill>
+                </a14:hiddenFill>
+              </a:ext>
+              <a:ext uri="{91240B29-F687-4F45-9708-019B960494DF}">
+                <a14:hiddenLine xmlns:a14="http://schemas.microsoft.com/office/drawing/2010/main" w="9525">
+                  <a:solidFill>
+                    <a:srgbClr val="000000"/>
+                  </a:solidFill>
+                  <a:miter lim="800000"/>
+                  <a:headEnd/>
+                  <a:tailEnd/>
+                </a14:hiddenLine>
+              </a:ext>
+            </a:extLst>
+          </p:spPr>
+          <p:txBody>
+            <a:bodyPr>
+              <a:spAutoFit/>
+            </a:bodyPr>
+            <a:lstStyle>
+              <a:lvl1pPr>
+                <a:defRPr>
+                  <a:solidFill>
+                    <a:schemeClr val="tx1"/>
+                  </a:solidFill>
+                  <a:latin typeface="Calibri" panose="020F0502020204030204" pitchFamily="34" charset="0"/>
+                </a:defRPr>
+              </a:lvl1pPr>
+              <a:lvl2pPr marL="742950" indent="-285750">
+                <a:defRPr>
+                  <a:solidFill>
+                    <a:schemeClr val="tx1"/>
+                  </a:solidFill>
+                  <a:latin typeface="Calibri" panose="020F0502020204030204" pitchFamily="34" charset="0"/>
+                </a:defRPr>
+              </a:lvl2pPr>
+              <a:lvl3pPr marL="1143000" indent="-228600">
+                <a:defRPr>
+                  <a:solidFill>
+                    <a:schemeClr val="tx1"/>
+                  </a:solidFill>
+                  <a:latin typeface="Calibri" panose="020F0502020204030204" pitchFamily="34" charset="0"/>
+                </a:defRPr>
+              </a:lvl3pPr>
+              <a:lvl4pPr marL="1600200" indent="-228600">
+                <a:defRPr>
+                  <a:solidFill>
+                    <a:schemeClr val="tx1"/>
+                  </a:solidFill>
+                  <a:latin typeface="Calibri" panose="020F0502020204030204" pitchFamily="34" charset="0"/>
+                </a:defRPr>
+              </a:lvl4pPr>
+              <a:lvl5pPr marL="2057400" indent="-228600">
+                <a:defRPr>
+                  <a:solidFill>
+                    <a:schemeClr val="tx1"/>
+                  </a:solidFill>
+                  <a:latin typeface="Calibri" panose="020F0502020204030204" pitchFamily="34" charset="0"/>
+                </a:defRPr>
+              </a:lvl5pPr>
+              <a:lvl6pPr marL="2514600" indent="-228600" eaLnBrk="0" fontAlgn="base" hangingPunct="0">
+                <a:spcBef>
+                  <a:spcPct val="0"/>
+                </a:spcBef>
+                <a:spcAft>
+                  <a:spcPct val="0"/>
+                </a:spcAft>
+                <a:defRPr>
+                  <a:solidFill>
+                    <a:schemeClr val="tx1"/>
+                  </a:solidFill>
+                  <a:latin typeface="Calibri" panose="020F0502020204030204" pitchFamily="34" charset="0"/>
+                </a:defRPr>
+              </a:lvl6pPr>
+              <a:lvl7pPr marL="2971800" indent="-228600" eaLnBrk="0" fontAlgn="base" hangingPunct="0">
+                <a:spcBef>
+                  <a:spcPct val="0"/>
+                </a:spcBef>
+                <a:spcAft>
+                  <a:spcPct val="0"/>
+                </a:spcAft>
+                <a:defRPr>
+                  <a:solidFill>
+                    <a:schemeClr val="tx1"/>
+                  </a:solidFill>
+                  <a:latin typeface="Calibri" panose="020F0502020204030204" pitchFamily="34" charset="0"/>
+                </a:defRPr>
+              </a:lvl7pPr>
+              <a:lvl8pPr marL="3429000" indent="-228600" eaLnBrk="0" fontAlgn="base" hangingPunct="0">
+                <a:spcBef>
+                  <a:spcPct val="0"/>
+                </a:spcBef>
+                <a:spcAft>
+                  <a:spcPct val="0"/>
+                </a:spcAft>
+                <a:defRPr>
+                  <a:solidFill>
+                    <a:schemeClr val="tx1"/>
+                  </a:solidFill>
+                  <a:latin typeface="Calibri" panose="020F0502020204030204" pitchFamily="34" charset="0"/>
+                </a:defRPr>
+              </a:lvl8pPr>
+              <a:lvl9pPr marL="3886200" indent="-228600" eaLnBrk="0" fontAlgn="base" hangingPunct="0">
+                <a:spcBef>
+                  <a:spcPct val="0"/>
+                </a:spcBef>
+                <a:spcAft>
+                  <a:spcPct val="0"/>
+                </a:spcAft>
+                <a:defRPr>
+                  <a:solidFill>
+                    <a:schemeClr val="tx1"/>
+                  </a:solidFill>
+                  <a:latin typeface="Calibri" panose="020F0502020204030204" pitchFamily="34" charset="0"/>
+                </a:defRPr>
+              </a:lvl9pPr>
+            </a:lstStyle>
+            <a:p>
+              <a:pPr algn="ctr" eaLnBrk="1" hangingPunct="1"/>
+              <a:r>
+                <a:rPr lang="en-US" altLang="en-US" sz="1400" dirty="0">
+                  <a:latin typeface="Arial" panose="020B0604020202020204" pitchFamily="34" charset="0"/>
+                  <a:cs typeface="Arial" panose="020B0604020202020204" pitchFamily="34" charset="0"/>
+                </a:rPr>
+                <a:t>Users</a:t>
+              </a:r>
+            </a:p>
+          </p:txBody>
+        </p:sp>
+      </p:grpSp>
+      <p:pic>
+        <p:nvPicPr>
+          <p:cNvPr id="8" name="Graphic 12">
+            <a:extLst>
+              <a:ext uri="{FF2B5EF4-FFF2-40B4-BE49-F238E27FC236}">
+                <a16:creationId xmlns:a16="http://schemas.microsoft.com/office/drawing/2014/main" id="{B6B9AF4F-33FE-528E-2D0D-FBF464D08BD7}"/>
+              </a:ext>
+            </a:extLst>
+          </p:cNvPr>
+          <p:cNvPicPr>
+            <a:picLocks noChangeAspect="1" noChangeArrowheads="1"/>
+          </p:cNvPicPr>
+          <p:nvPr/>
+        </p:nvPicPr>
+        <p:blipFill>
+          <a:blip r:embed="rId4" cstate="print">
+            <a:extLst>
+              <a:ext uri="{28A0092B-C50C-407E-A947-70E740481C1C}">
+                <a14:useLocalDpi xmlns:a14="http://schemas.microsoft.com/office/drawing/2010/main" val="0"/>
+              </a:ext>
+            </a:extLst>
+          </a:blip>
+          <a:srcRect/>
+          <a:stretch>
+            <a:fillRect/>
+          </a:stretch>
+        </p:blipFill>
+        <p:spPr bwMode="auto">
+          <a:xfrm>
+            <a:off x="2675667" y="2971800"/>
+            <a:ext cx="457200" cy="408387"/>
+          </a:xfrm>
+          <a:prstGeom prst="rect">
+            <a:avLst/>
+          </a:prstGeom>
+          <a:noFill/>
+          <a:ln>
+            <a:noFill/>
+          </a:ln>
+          <a:extLst>
+            <a:ext uri="{909E8E84-426E-40DD-AFC4-6F175D3DCCD1}">
+              <a14:hiddenFill xmlns:a14="http://schemas.microsoft.com/office/drawing/2010/main">
+                <a:solidFill>
+                  <a:srgbClr val="FFFFFF"/>
+                </a:solidFill>
+              </a14:hiddenFill>
+            </a:ext>
+            <a:ext uri="{91240B29-F687-4F45-9708-019B960494DF}">
+              <a14:hiddenLine xmlns:a14="http://schemas.microsoft.com/office/drawing/2010/main" w="9525">
+                <a:solidFill>
+                  <a:srgbClr val="000000"/>
+                </a:solidFill>
+                <a:miter lim="800000"/>
+                <a:headEnd/>
+                <a:tailEnd/>
+              </a14:hiddenLine>
+            </a:ext>
+          </a:extLst>
+        </p:spPr>
+      </p:pic>
+      <p:pic>
+        <p:nvPicPr>
+          <p:cNvPr id="9" name="Graphic 12">
+            <a:extLst>
+              <a:ext uri="{FF2B5EF4-FFF2-40B4-BE49-F238E27FC236}">
+                <a16:creationId xmlns:a16="http://schemas.microsoft.com/office/drawing/2014/main" id="{6B266003-3C9A-ABA8-5F1D-883E877A25C6}"/>
+              </a:ext>
+            </a:extLst>
+          </p:cNvPr>
+          <p:cNvPicPr>
+            <a:picLocks noChangeAspect="1" noChangeArrowheads="1"/>
+          </p:cNvPicPr>
+          <p:nvPr/>
+        </p:nvPicPr>
+        <p:blipFill>
+          <a:blip r:embed="rId4" cstate="print">
+            <a:extLst>
+              <a:ext uri="{28A0092B-C50C-407E-A947-70E740481C1C}">
+                <a14:useLocalDpi xmlns:a14="http://schemas.microsoft.com/office/drawing/2010/main" val="0"/>
+              </a:ext>
+            </a:extLst>
+          </a:blip>
+          <a:srcRect/>
+          <a:stretch>
+            <a:fillRect/>
+          </a:stretch>
+        </p:blipFill>
+        <p:spPr bwMode="auto">
+          <a:xfrm>
+            <a:off x="2667000" y="3600828"/>
+            <a:ext cx="457200" cy="408387"/>
+          </a:xfrm>
+          <a:prstGeom prst="rect">
+            <a:avLst/>
+          </a:prstGeom>
+          <a:noFill/>
+          <a:ln>
+            <a:noFill/>
+          </a:ln>
+          <a:extLst>
+            <a:ext uri="{909E8E84-426E-40DD-AFC4-6F175D3DCCD1}">
+              <a14:hiddenFill xmlns:a14="http://schemas.microsoft.com/office/drawing/2010/main">
+                <a:solidFill>
+                  <a:srgbClr val="FFFFFF"/>
+                </a:solidFill>
+              </a14:hiddenFill>
+            </a:ext>
+            <a:ext uri="{91240B29-F687-4F45-9708-019B960494DF}">
+              <a14:hiddenLine xmlns:a14="http://schemas.microsoft.com/office/drawing/2010/main" w="9525">
+                <a:solidFill>
+                  <a:srgbClr val="000000"/>
+                </a:solidFill>
+                <a:miter lim="800000"/>
+                <a:headEnd/>
+                <a:tailEnd/>
+              </a14:hiddenLine>
+            </a:ext>
+          </a:extLst>
+        </p:spPr>
+      </p:pic>
+      <p:cxnSp>
+        <p:nvCxnSpPr>
+          <p:cNvPr id="11" name="Straight Arrow Connector 10">
+            <a:extLst>
+              <a:ext uri="{FF2B5EF4-FFF2-40B4-BE49-F238E27FC236}">
+                <a16:creationId xmlns:a16="http://schemas.microsoft.com/office/drawing/2014/main" id="{378D24EC-5BB1-C4D0-4C9E-5CCA6C1777C1}"/>
+              </a:ext>
+            </a:extLst>
+          </p:cNvPr>
+          <p:cNvCxnSpPr>
+            <a:cxnSpLocks/>
+          </p:cNvCxnSpPr>
+          <p:nvPr/>
+        </p:nvCxnSpPr>
+        <p:spPr>
+          <a:xfrm>
+            <a:off x="3231445" y="3835037"/>
+            <a:ext cx="570330" cy="203563"/>
+          </a:xfrm>
+          <a:prstGeom prst="straightConnector1">
+            <a:avLst/>
+          </a:prstGeom>
+          <a:ln w="12700">
+            <a:solidFill>
+              <a:schemeClr val="tx2"/>
+            </a:solidFill>
+            <a:headEnd type="none" w="med" len="sm"/>
+            <a:tailEnd type="arrow" w="med" len="sm"/>
+          </a:ln>
+        </p:spPr>
+        <p:style>
+          <a:lnRef idx="1">
+            <a:schemeClr val="accent1"/>
+          </a:lnRef>
+          <a:fillRef idx="0">
+            <a:schemeClr val="accent1"/>
+          </a:fillRef>
+          <a:effectRef idx="0">
+            <a:schemeClr val="accent1"/>
+          </a:effectRef>
+          <a:fontRef idx="minor">
+            <a:schemeClr val="tx1"/>
+          </a:fontRef>
+        </p:style>
+      </p:cxnSp>
+      <p:cxnSp>
+        <p:nvCxnSpPr>
+          <p:cNvPr id="12" name="Straight Arrow Connector 11">
+            <a:extLst>
+              <a:ext uri="{FF2B5EF4-FFF2-40B4-BE49-F238E27FC236}">
+                <a16:creationId xmlns:a16="http://schemas.microsoft.com/office/drawing/2014/main" id="{6B336DF0-B2A5-8EE7-ACFE-14C585F90D3A}"/>
+              </a:ext>
+            </a:extLst>
+          </p:cNvPr>
+          <p:cNvCxnSpPr>
+            <a:cxnSpLocks/>
+          </p:cNvCxnSpPr>
+          <p:nvPr/>
+        </p:nvCxnSpPr>
+        <p:spPr>
+          <a:xfrm>
+            <a:off x="3285247" y="3310734"/>
+            <a:ext cx="461703" cy="371498"/>
+          </a:xfrm>
+          <a:prstGeom prst="straightConnector1">
+            <a:avLst/>
+          </a:prstGeom>
+          <a:ln w="12700">
+            <a:solidFill>
+              <a:schemeClr val="tx2"/>
+            </a:solidFill>
+            <a:headEnd type="none" w="med" len="sm"/>
+            <a:tailEnd type="arrow" w="med" len="sm"/>
+          </a:ln>
+        </p:spPr>
+        <p:style>
+          <a:lnRef idx="1">
+            <a:schemeClr val="accent1"/>
+          </a:lnRef>
+          <a:fillRef idx="0">
+            <a:schemeClr val="accent1"/>
+          </a:fillRef>
+          <a:effectRef idx="0">
+            <a:schemeClr val="accent1"/>
+          </a:effectRef>
+          <a:fontRef idx="minor">
+            <a:schemeClr val="tx1"/>
+          </a:fontRef>
+        </p:style>
+      </p:cxnSp>
+      <p:cxnSp>
+        <p:nvCxnSpPr>
+          <p:cNvPr id="13" name="Straight Arrow Connector 12">
+            <a:extLst>
+              <a:ext uri="{FF2B5EF4-FFF2-40B4-BE49-F238E27FC236}">
+                <a16:creationId xmlns:a16="http://schemas.microsoft.com/office/drawing/2014/main" id="{00029A55-7D33-A9BB-FB0D-F1AF68D07017}"/>
+              </a:ext>
+            </a:extLst>
+          </p:cNvPr>
+          <p:cNvCxnSpPr>
+            <a:cxnSpLocks/>
+          </p:cNvCxnSpPr>
+          <p:nvPr/>
+        </p:nvCxnSpPr>
+        <p:spPr>
+          <a:xfrm flipV="1">
+            <a:off x="3252971" y="4646279"/>
+            <a:ext cx="493483" cy="366607"/>
+          </a:xfrm>
+          <a:prstGeom prst="straightConnector1">
+            <a:avLst/>
+          </a:prstGeom>
+          <a:ln w="12700">
+            <a:solidFill>
+              <a:schemeClr val="tx2"/>
+            </a:solidFill>
+            <a:headEnd type="none" w="med" len="sm"/>
+            <a:tailEnd type="arrow" w="med" len="sm"/>
+          </a:ln>
+        </p:spPr>
+        <p:style>
+          <a:lnRef idx="1">
+            <a:schemeClr val="accent1"/>
+          </a:lnRef>
+          <a:fillRef idx="0">
+            <a:schemeClr val="accent1"/>
+          </a:fillRef>
+          <a:effectRef idx="0">
+            <a:schemeClr val="accent1"/>
+          </a:effectRef>
+          <a:fontRef idx="minor">
+            <a:schemeClr val="tx1"/>
+          </a:fontRef>
+        </p:style>
+      </p:cxnSp>
+      <p:grpSp>
+        <p:nvGrpSpPr>
+          <p:cNvPr id="14" name="Group 13">
+            <a:extLst>
+              <a:ext uri="{FF2B5EF4-FFF2-40B4-BE49-F238E27FC236}">
+                <a16:creationId xmlns:a16="http://schemas.microsoft.com/office/drawing/2014/main" id="{8787E8EF-1170-D92C-BF0D-CCD632C2F3E2}"/>
+              </a:ext>
+            </a:extLst>
+          </p:cNvPr>
+          <p:cNvGrpSpPr/>
+          <p:nvPr/>
+        </p:nvGrpSpPr>
+        <p:grpSpPr>
+          <a:xfrm>
+            <a:off x="3966037" y="3496483"/>
+            <a:ext cx="1777982" cy="927505"/>
+            <a:chOff x="6631286" y="3101024"/>
+            <a:chExt cx="1777982" cy="927505"/>
+          </a:xfrm>
+        </p:grpSpPr>
+        <p:grpSp>
+          <p:nvGrpSpPr>
+            <p:cNvPr id="15" name="Group 14">
+              <a:extLst>
+                <a:ext uri="{FF2B5EF4-FFF2-40B4-BE49-F238E27FC236}">
+                  <a16:creationId xmlns:a16="http://schemas.microsoft.com/office/drawing/2014/main" id="{930FC3D6-0792-3717-8EEF-F6E310ACFC6D}"/>
+                </a:ext>
+              </a:extLst>
+            </p:cNvPr>
+            <p:cNvGrpSpPr/>
+            <p:nvPr/>
+          </p:nvGrpSpPr>
+          <p:grpSpPr>
+            <a:xfrm>
+              <a:off x="6631286" y="3101024"/>
+              <a:ext cx="1777982" cy="927505"/>
+              <a:chOff x="1303322" y="2273495"/>
+              <a:chExt cx="1232879" cy="720018"/>
+            </a:xfrm>
+          </p:grpSpPr>
+          <p:pic>
+            <p:nvPicPr>
+              <p:cNvPr id="17" name="Graphic 23">
+                <a:extLst>
+                  <a:ext uri="{FF2B5EF4-FFF2-40B4-BE49-F238E27FC236}">
+                    <a16:creationId xmlns:a16="http://schemas.microsoft.com/office/drawing/2014/main" id="{A158BA56-8BE2-894B-9322-3C08EBB94FCD}"/>
+                  </a:ext>
+                </a:extLst>
+              </p:cNvPr>
+              <p:cNvPicPr>
+                <a:picLocks noChangeAspect="1" noChangeArrowheads="1"/>
+              </p:cNvPicPr>
+              <p:nvPr/>
+            </p:nvPicPr>
+            <p:blipFill>
+              <a:blip r:embed="rId5" cstate="print">
+                <a:extLst>
+                  <a:ext uri="{28A0092B-C50C-407E-A947-70E740481C1C}">
+                    <a14:useLocalDpi xmlns:a14="http://schemas.microsoft.com/office/drawing/2010/main" val="0"/>
+                  </a:ext>
+                </a:extLst>
+              </a:blip>
+              <a:srcRect/>
+              <a:stretch>
+                <a:fillRect/>
+              </a:stretch>
+            </p:blipFill>
+            <p:spPr bwMode="auto">
+              <a:xfrm>
+                <a:off x="1303322" y="2560417"/>
+                <a:ext cx="383611" cy="415196"/>
+              </a:xfrm>
+              <a:prstGeom prst="rect">
+                <a:avLst/>
+              </a:prstGeom>
+              <a:noFill/>
+              <a:ln>
+                <a:noFill/>
+              </a:ln>
+              <a:extLst>
+                <a:ext uri="{909E8E84-426E-40DD-AFC4-6F175D3DCCD1}">
+                  <a14:hiddenFill xmlns:a14="http://schemas.microsoft.com/office/drawing/2010/main">
+                    <a:solidFill>
+                      <a:srgbClr val="FFFFFF"/>
+                    </a:solidFill>
+                  </a14:hiddenFill>
+                </a:ext>
+                <a:ext uri="{91240B29-F687-4F45-9708-019B960494DF}">
+                  <a14:hiddenLine xmlns:a14="http://schemas.microsoft.com/office/drawing/2010/main" w="9525">
+                    <a:solidFill>
+                      <a:srgbClr val="000000"/>
+                    </a:solidFill>
+                    <a:miter lim="800000"/>
+                    <a:headEnd/>
+                    <a:tailEnd/>
+                  </a14:hiddenLine>
+                </a:ext>
+              </a:extLst>
+            </p:spPr>
+          </p:pic>
+          <p:pic>
+            <p:nvPicPr>
+              <p:cNvPr id="18" name="Graphic 27">
+                <a:extLst>
+                  <a:ext uri="{FF2B5EF4-FFF2-40B4-BE49-F238E27FC236}">
+                    <a16:creationId xmlns:a16="http://schemas.microsoft.com/office/drawing/2014/main" id="{1BF34DE8-7B59-5149-7FD3-C3AA241424BC}"/>
+                  </a:ext>
+                </a:extLst>
+              </p:cNvPr>
+              <p:cNvPicPr>
+                <a:picLocks noChangeAspect="1" noChangeArrowheads="1"/>
+              </p:cNvPicPr>
+              <p:nvPr/>
+            </p:nvPicPr>
+            <p:blipFill>
+              <a:blip r:embed="rId6">
+                <a:extLst>
+                  <a:ext uri="{96DAC541-7B7A-43D3-8B79-37D633B846F1}">
+                    <asvg:svgBlip xmlns:asvg="http://schemas.microsoft.com/office/drawing/2016/SVG/main" r:embed="rId7"/>
+                  </a:ext>
+                </a:extLst>
+              </a:blip>
+              <a:srcRect/>
+              <a:stretch/>
+            </p:blipFill>
+            <p:spPr bwMode="auto">
+              <a:xfrm>
+                <a:off x="2079001" y="2536313"/>
+                <a:ext cx="457200" cy="457200"/>
+              </a:xfrm>
+              <a:prstGeom prst="rect">
+                <a:avLst/>
+              </a:prstGeom>
+              <a:noFill/>
+              <a:ln>
+                <a:noFill/>
+              </a:ln>
+              <a:extLst>
+                <a:ext uri="{909E8E84-426E-40DD-AFC4-6F175D3DCCD1}">
+                  <a14:hiddenFill xmlns:a14="http://schemas.microsoft.com/office/drawing/2010/main">
+                    <a:solidFill>
+                      <a:srgbClr val="FFFFFF"/>
+                    </a:solidFill>
+                  </a14:hiddenFill>
+                </a:ext>
+                <a:ext uri="{91240B29-F687-4F45-9708-019B960494DF}">
+                  <a14:hiddenLine xmlns:a14="http://schemas.microsoft.com/office/drawing/2010/main" w="9525">
+                    <a:solidFill>
+                      <a:srgbClr val="000000"/>
+                    </a:solidFill>
+                    <a:miter lim="800000"/>
+                    <a:headEnd/>
+                    <a:tailEnd/>
+                  </a14:hiddenLine>
+                </a:ext>
+              </a:extLst>
+            </p:spPr>
+          </p:pic>
+          <p:sp>
+            <p:nvSpPr>
+              <p:cNvPr id="19" name="TextBox 18">
+                <a:extLst>
+                  <a:ext uri="{FF2B5EF4-FFF2-40B4-BE49-F238E27FC236}">
+                    <a16:creationId xmlns:a16="http://schemas.microsoft.com/office/drawing/2014/main" id="{0E7418FD-79EE-A1D4-15BE-D81A3F3B80BB}"/>
+                  </a:ext>
+                </a:extLst>
+              </p:cNvPr>
+              <p:cNvSpPr txBox="1"/>
+              <p:nvPr/>
+            </p:nvSpPr>
+            <p:spPr>
+              <a:xfrm>
+                <a:off x="1495127" y="2273495"/>
+                <a:ext cx="851667" cy="262818"/>
+              </a:xfrm>
+              <a:prstGeom prst="rect">
+                <a:avLst/>
+              </a:prstGeom>
+              <a:noFill/>
+            </p:spPr>
+            <p:txBody>
+              <a:bodyPr wrap="none" rtlCol="0">
+                <a:spAutoFit/>
+              </a:bodyPr>
+              <a:lstStyle/>
+              <a:p>
+                <a:r>
+                  <a:rPr lang="en-GB" sz="1600" dirty="0"/>
+                  <a:t>Message Bus</a:t>
+                </a:r>
+              </a:p>
+            </p:txBody>
+          </p:sp>
+        </p:grpSp>
+        <p:cxnSp>
+          <p:nvCxnSpPr>
+            <p:cNvPr id="16" name="Straight Arrow Connector 15">
+              <a:extLst>
+                <a:ext uri="{FF2B5EF4-FFF2-40B4-BE49-F238E27FC236}">
+                  <a16:creationId xmlns:a16="http://schemas.microsoft.com/office/drawing/2014/main" id="{0449E9BA-C4F7-5481-2656-524BF513A896}"/>
+                </a:ext>
+              </a:extLst>
+            </p:cNvPr>
+            <p:cNvCxnSpPr>
+              <a:cxnSpLocks/>
+            </p:cNvCxnSpPr>
+            <p:nvPr/>
+          </p:nvCxnSpPr>
+          <p:spPr>
+            <a:xfrm rot="16200000">
+              <a:off x="7505788" y="3568224"/>
+              <a:ext cx="1" cy="333992"/>
+            </a:xfrm>
+            <a:prstGeom prst="straightConnector1">
+              <a:avLst/>
+            </a:prstGeom>
+            <a:ln w="12700">
+              <a:solidFill>
+                <a:schemeClr val="tx2"/>
+              </a:solidFill>
+              <a:headEnd type="none" w="med" len="sm"/>
+              <a:tailEnd type="arrow" w="med" len="sm"/>
+            </a:ln>
+          </p:spPr>
+          <p:style>
+            <a:lnRef idx="1">
+              <a:schemeClr val="accent1"/>
+            </a:lnRef>
+            <a:fillRef idx="0">
+              <a:schemeClr val="accent1"/>
+            </a:fillRef>
+            <a:effectRef idx="0">
+              <a:schemeClr val="accent1"/>
+            </a:effectRef>
+            <a:fontRef idx="minor">
+              <a:schemeClr val="tx1"/>
+            </a:fontRef>
+          </p:style>
+        </p:cxnSp>
+      </p:grpSp>
+      <p:grpSp>
+        <p:nvGrpSpPr>
+          <p:cNvPr id="20" name="Group 19">
+            <a:extLst>
+              <a:ext uri="{FF2B5EF4-FFF2-40B4-BE49-F238E27FC236}">
+                <a16:creationId xmlns:a16="http://schemas.microsoft.com/office/drawing/2014/main" id="{2C3E6992-D970-FEE3-3CF8-CE643070BC64}"/>
+              </a:ext>
+            </a:extLst>
+          </p:cNvPr>
+          <p:cNvGrpSpPr/>
+          <p:nvPr/>
+        </p:nvGrpSpPr>
+        <p:grpSpPr>
+          <a:xfrm>
+            <a:off x="2203562" y="2285999"/>
+            <a:ext cx="3968638" cy="3428997"/>
+            <a:chOff x="1233242" y="1759275"/>
+            <a:chExt cx="6350001" cy="3763961"/>
+          </a:xfrm>
+        </p:grpSpPr>
+        <p:sp>
+          <p:nvSpPr>
+            <p:cNvPr id="21" name="Rectangle 20">
+              <a:extLst>
+                <a:ext uri="{FF2B5EF4-FFF2-40B4-BE49-F238E27FC236}">
+                  <a16:creationId xmlns:a16="http://schemas.microsoft.com/office/drawing/2014/main" id="{7308C3F2-3705-557A-7DC1-DBD29E29D49E}"/>
+                </a:ext>
+              </a:extLst>
+            </p:cNvPr>
+            <p:cNvSpPr/>
+            <p:nvPr/>
+          </p:nvSpPr>
+          <p:spPr>
+            <a:xfrm>
+              <a:off x="1233242" y="1759275"/>
+              <a:ext cx="6350001" cy="3763961"/>
+            </a:xfrm>
+            <a:prstGeom prst="rect">
+              <a:avLst/>
+            </a:prstGeom>
+            <a:noFill/>
+            <a:ln w="12700">
+              <a:solidFill>
+                <a:schemeClr val="tx1"/>
+              </a:solidFill>
+            </a:ln>
+          </p:spPr>
+          <p:style>
+            <a:lnRef idx="2">
+              <a:schemeClr val="accent1">
+                <a:shade val="50000"/>
+              </a:schemeClr>
+            </a:lnRef>
+            <a:fillRef idx="1">
+              <a:schemeClr val="accent1"/>
+            </a:fillRef>
+            <a:effectRef idx="0">
+              <a:schemeClr val="accent1"/>
+            </a:effectRef>
+            <a:fontRef idx="minor">
+              <a:schemeClr val="lt1"/>
+            </a:fontRef>
+          </p:style>
+          <p:txBody>
+            <a:bodyPr lIns="502920" tIns="91440"/>
+            <a:lstStyle/>
+            <a:p>
+              <a:pPr eaLnBrk="1" fontAlgn="auto" hangingPunct="1">
+                <a:spcBef>
+                  <a:spcPts val="0"/>
+                </a:spcBef>
+                <a:spcAft>
+                  <a:spcPts val="0"/>
+                </a:spcAft>
+                <a:defRPr/>
+              </a:pPr>
+              <a:r>
+                <a:rPr lang="en-US" sz="1200" dirty="0">
+                  <a:solidFill>
+                    <a:sysClr val="windowText" lastClr="000000"/>
+                  </a:solidFill>
+                  <a:latin typeface="Arial" panose="020B0604020202020204" pitchFamily="34" charset="0"/>
+                  <a:cs typeface="Arial" panose="020B0604020202020204" pitchFamily="34" charset="0"/>
+                </a:rPr>
+                <a:t>AWS Stack</a:t>
+              </a:r>
+            </a:p>
+          </p:txBody>
+        </p:sp>
+        <p:pic>
+          <p:nvPicPr>
+            <p:cNvPr id="22" name="Graphic 21">
+              <a:extLst>
+                <a:ext uri="{FF2B5EF4-FFF2-40B4-BE49-F238E27FC236}">
+                  <a16:creationId xmlns:a16="http://schemas.microsoft.com/office/drawing/2014/main" id="{0FFDADA1-ED25-DBA6-5888-5CF649E81D1F}"/>
+                </a:ext>
+              </a:extLst>
+            </p:cNvPr>
+            <p:cNvPicPr>
+              <a:picLocks noChangeAspect="1"/>
+            </p:cNvPicPr>
+            <p:nvPr/>
+          </p:nvPicPr>
+          <p:blipFill>
+            <a:blip r:embed="rId8">
+              <a:extLst>
+                <a:ext uri="{96DAC541-7B7A-43D3-8B79-37D633B846F1}">
+                  <asvg:svgBlip xmlns:asvg="http://schemas.microsoft.com/office/drawing/2016/SVG/main" r:embed="rId9"/>
+                </a:ext>
+              </a:extLst>
+            </a:blip>
+            <a:srcRect/>
+            <a:stretch/>
+          </p:blipFill>
+          <p:spPr>
+            <a:xfrm>
+              <a:off x="1233242" y="1759275"/>
+              <a:ext cx="381000" cy="381000"/>
+            </a:xfrm>
+            <a:prstGeom prst="rect">
+              <a:avLst/>
+            </a:prstGeom>
+          </p:spPr>
+        </p:pic>
+      </p:grpSp>
+      <p:cxnSp>
+        <p:nvCxnSpPr>
+          <p:cNvPr id="26" name="Straight Arrow Connector 25">
+            <a:extLst>
+              <a:ext uri="{FF2B5EF4-FFF2-40B4-BE49-F238E27FC236}">
+                <a16:creationId xmlns:a16="http://schemas.microsoft.com/office/drawing/2014/main" id="{1BD03F24-6D95-82E9-35BE-CC7840B5E9B8}"/>
+              </a:ext>
+            </a:extLst>
+          </p:cNvPr>
+          <p:cNvCxnSpPr>
+            <a:cxnSpLocks/>
+          </p:cNvCxnSpPr>
+          <p:nvPr/>
+        </p:nvCxnSpPr>
+        <p:spPr>
+          <a:xfrm>
+            <a:off x="1524000" y="3960236"/>
+            <a:ext cx="506964" cy="0"/>
+          </a:xfrm>
+          <a:prstGeom prst="straightConnector1">
+            <a:avLst/>
+          </a:prstGeom>
+          <a:ln w="12700">
+            <a:solidFill>
+              <a:schemeClr val="tx2"/>
+            </a:solidFill>
+            <a:headEnd type="none" w="med" len="sm"/>
+            <a:tailEnd type="arrow" w="med" len="sm"/>
+          </a:ln>
+        </p:spPr>
+        <p:style>
+          <a:lnRef idx="1">
+            <a:schemeClr val="accent1"/>
+          </a:lnRef>
+          <a:fillRef idx="0">
+            <a:schemeClr val="accent1"/>
+          </a:fillRef>
+          <a:effectRef idx="0">
+            <a:schemeClr val="accent1"/>
+          </a:effectRef>
+          <a:fontRef idx="minor">
+            <a:schemeClr val="tx1"/>
+          </a:fontRef>
+        </p:style>
+      </p:cxnSp>
+      <p:pic>
+        <p:nvPicPr>
+          <p:cNvPr id="28" name="Graphic 39">
+            <a:extLst>
+              <a:ext uri="{FF2B5EF4-FFF2-40B4-BE49-F238E27FC236}">
+                <a16:creationId xmlns:a16="http://schemas.microsoft.com/office/drawing/2014/main" id="{0B5F1198-9EFD-9644-A9D9-C13F2E38C956}"/>
+              </a:ext>
+            </a:extLst>
+          </p:cNvPr>
+          <p:cNvPicPr>
+            <a:picLocks noChangeAspect="1"/>
+          </p:cNvPicPr>
+          <p:nvPr/>
+        </p:nvPicPr>
+        <p:blipFill>
+          <a:blip r:embed="rId10">
+            <a:extLst>
+              <a:ext uri="{96DAC541-7B7A-43D3-8B79-37D633B846F1}">
+                <asvg:svgBlip xmlns:asvg="http://schemas.microsoft.com/office/drawing/2016/SVG/main" r:embed="rId11"/>
+              </a:ext>
+            </a:extLst>
+          </a:blip>
+          <a:srcRect/>
+          <a:stretch/>
+        </p:blipFill>
+        <p:spPr>
+          <a:xfrm>
+            <a:off x="2688798" y="4237893"/>
+            <a:ext cx="408386" cy="408386"/>
+          </a:xfrm>
+          <a:prstGeom prst="rect">
+            <a:avLst/>
+          </a:prstGeom>
+        </p:spPr>
+      </p:pic>
+      <p:pic>
+        <p:nvPicPr>
+          <p:cNvPr id="29" name="Graphic 39">
+            <a:extLst>
+              <a:ext uri="{FF2B5EF4-FFF2-40B4-BE49-F238E27FC236}">
+                <a16:creationId xmlns:a16="http://schemas.microsoft.com/office/drawing/2014/main" id="{0B5F1198-9EFD-9644-A9D9-C13F2E38C956}"/>
+              </a:ext>
+            </a:extLst>
+          </p:cNvPr>
+          <p:cNvPicPr>
+            <a:picLocks noChangeAspect="1"/>
+          </p:cNvPicPr>
+          <p:nvPr/>
+        </p:nvPicPr>
+        <p:blipFill>
+          <a:blip r:embed="rId10">
+            <a:extLst>
+              <a:ext uri="{96DAC541-7B7A-43D3-8B79-37D633B846F1}">
+                <asvg:svgBlip xmlns:asvg="http://schemas.microsoft.com/office/drawing/2016/SVG/main" r:embed="rId11"/>
+              </a:ext>
+            </a:extLst>
+          </a:blip>
+          <a:srcRect/>
+          <a:stretch/>
+        </p:blipFill>
+        <p:spPr>
+          <a:xfrm>
+            <a:off x="2688798" y="4865861"/>
+            <a:ext cx="381000" cy="381000"/>
+          </a:xfrm>
+          <a:prstGeom prst="rect">
+            <a:avLst/>
+          </a:prstGeom>
+        </p:spPr>
+      </p:pic>
+      <p:cxnSp>
+        <p:nvCxnSpPr>
+          <p:cNvPr id="31" name="Straight Arrow Connector 30">
+            <a:extLst>
+              <a:ext uri="{FF2B5EF4-FFF2-40B4-BE49-F238E27FC236}">
+                <a16:creationId xmlns:a16="http://schemas.microsoft.com/office/drawing/2014/main" id="{C8E2D678-0E4D-7124-D5DC-3EA9BD51FC14}"/>
+              </a:ext>
+            </a:extLst>
+          </p:cNvPr>
+          <p:cNvCxnSpPr>
+            <a:cxnSpLocks/>
+          </p:cNvCxnSpPr>
+          <p:nvPr/>
+        </p:nvCxnSpPr>
+        <p:spPr>
+          <a:xfrm flipV="1">
+            <a:off x="3231445" y="4272352"/>
+            <a:ext cx="570330" cy="223448"/>
+          </a:xfrm>
+          <a:prstGeom prst="straightConnector1">
+            <a:avLst/>
+          </a:prstGeom>
+          <a:ln w="12700">
+            <a:solidFill>
+              <a:schemeClr val="tx2"/>
+            </a:solidFill>
+            <a:headEnd type="none" w="med" len="sm"/>
+            <a:tailEnd type="arrow" w="med" len="sm"/>
+          </a:ln>
+        </p:spPr>
+        <p:style>
+          <a:lnRef idx="1">
+            <a:schemeClr val="accent1"/>
+          </a:lnRef>
+          <a:fillRef idx="0">
+            <a:schemeClr val="accent1"/>
+          </a:fillRef>
+          <a:effectRef idx="0">
+            <a:schemeClr val="accent1"/>
+          </a:effectRef>
+          <a:fontRef idx="minor">
+            <a:schemeClr val="tx1"/>
+          </a:fontRef>
+        </p:style>
+      </p:cxnSp>
+    </p:spTree>
+  </p:cSld>
+  <p:clrMapOvr>
+    <a:masterClrMapping/>
+  </p:clrMapOvr>
+</p:sld>
+</file>
+
+<file path=ppt/slides/slide12.xml><?xml version="1.0" encoding="utf-8"?>
+<p:sld xmlns:a="http://schemas.openxmlformats.org/drawingml/2006/main" xmlns:r="http://schemas.openxmlformats.org/officeDocument/2006/relationships" xmlns:p="http://schemas.openxmlformats.org/presentationml/2006/main">
+  <p:cSld>
+    <p:spTree>
+      <p:nvGrpSpPr>
+        <p:cNvPr id="1" name=""/>
+        <p:cNvGrpSpPr/>
+        <p:nvPr/>
+      </p:nvGrpSpPr>
+      <p:grpSpPr>
+        <a:xfrm>
+          <a:off x="0" y="0"/>
+          <a:ext cx="0" cy="0"/>
+          <a:chOff x="0" y="0"/>
+          <a:chExt cx="0" cy="0"/>
+        </a:xfrm>
+      </p:grpSpPr>
+      <p:sp>
+        <p:nvSpPr>
+          <p:cNvPr id="2" name="Title 1"/>
+          <p:cNvSpPr>
+            <a:spLocks noGrp="1"/>
+          </p:cNvSpPr>
+          <p:nvPr>
+            <p:ph type="title"/>
+          </p:nvPr>
+        </p:nvSpPr>
+        <p:spPr/>
+        <p:txBody>
+          <a:bodyPr>
+            <a:normAutofit/>
+          </a:bodyPr>
+          <a:lstStyle/>
+          <a:p>
+            <a:r>
+              <a:rPr lang="en-GB" dirty="0"/>
+              <a:t>Code Optimisation – DRG Element Level</a:t>
+            </a:r>
+          </a:p>
+        </p:txBody>
+      </p:sp>
+      <p:sp>
+        <p:nvSpPr>
+          <p:cNvPr id="4" name="Slide Number Placeholder 3"/>
+          <p:cNvSpPr>
+            <a:spLocks noGrp="1"/>
+          </p:cNvSpPr>
+          <p:nvPr>
+            <p:ph type="sldNum" sz="quarter" idx="12"/>
+          </p:nvPr>
+        </p:nvSpPr>
+        <p:spPr/>
+        <p:txBody>
+          <a:bodyPr/>
+          <a:lstStyle/>
+          <a:p>
+            <a:fld id="{EA7C8D44-3667-46F6-9772-CC52308E2A7F}" type="slidenum">
+              <a:rPr kumimoji="0" lang="en-US" smtClean="0"/>
+              <a:pPr/>
+              <a:t>12</a:t>
+            </a:fld>
+            <a:endParaRPr kumimoji="0" lang="en-US" dirty="0"/>
+          </a:p>
+        </p:txBody>
+      </p:sp>
+      <p:sp>
+        <p:nvSpPr>
+          <p:cNvPr id="5" name="Content Placeholder 4"/>
+          <p:cNvSpPr>
+            <a:spLocks noGrp="1"/>
+          </p:cNvSpPr>
+          <p:nvPr>
+            <p:ph sz="quarter" idx="1"/>
+          </p:nvPr>
+        </p:nvSpPr>
+        <p:spPr>
+          <a:xfrm>
+            <a:off x="4267200" y="1219200"/>
+            <a:ext cx="4419600" cy="4937760"/>
+          </a:xfrm>
+        </p:spPr>
+        <p:txBody>
+          <a:bodyPr>
+            <a:normAutofit/>
+          </a:bodyPr>
+          <a:lstStyle/>
+          <a:p>
+            <a:r>
+              <a:rPr lang="en-GB" dirty="0"/>
+              <a:t>Caching</a:t>
+            </a:r>
+          </a:p>
+          <a:p>
+            <a:r>
+              <a:rPr lang="en-GB" dirty="0"/>
+              <a:t>Map-reduce for </a:t>
+            </a:r>
+          </a:p>
+          <a:p>
+            <a:pPr lvl="1"/>
+            <a:r>
+              <a:rPr lang="en-GB" dirty="0"/>
+              <a:t>MID</a:t>
+            </a:r>
+          </a:p>
+          <a:p>
+            <a:endParaRPr lang="en-GB" dirty="0"/>
+          </a:p>
+          <a:p>
+            <a:endParaRPr lang="en-GB" dirty="0"/>
+          </a:p>
+          <a:p>
+            <a:pPr marL="0" indent="0">
+              <a:buNone/>
+            </a:pPr>
+            <a:endParaRPr lang="en-GB" dirty="0"/>
+          </a:p>
+        </p:txBody>
+      </p:sp>
+      <p:pic>
+        <p:nvPicPr>
+          <p:cNvPr id="3" name="Picture 2">
+            <a:extLst>
+              <a:ext uri="{FF2B5EF4-FFF2-40B4-BE49-F238E27FC236}">
+                <a16:creationId xmlns:a16="http://schemas.microsoft.com/office/drawing/2014/main" id="{6F23DFF0-64F8-3D9F-C01A-E25115165FD5}"/>
+              </a:ext>
+            </a:extLst>
+          </p:cNvPr>
+          <p:cNvPicPr>
+            <a:picLocks noChangeAspect="1" noChangeArrowheads="1"/>
+          </p:cNvPicPr>
+          <p:nvPr/>
+        </p:nvPicPr>
+        <p:blipFill rotWithShape="1">
+          <a:blip r:embed="rId2">
+            <a:extLst>
+              <a:ext uri="{28A0092B-C50C-407E-A947-70E740481C1C}">
+                <a14:useLocalDpi xmlns:a14="http://schemas.microsoft.com/office/drawing/2010/main" val="0"/>
+              </a:ext>
+            </a:extLst>
+          </a:blip>
+          <a:srcRect l="33827" t="16466" r="20562" b="5352"/>
+          <a:stretch/>
+        </p:blipFill>
+        <p:spPr bwMode="auto">
+          <a:xfrm>
+            <a:off x="381000" y="1300621"/>
+            <a:ext cx="3724835" cy="4917435"/>
+          </a:xfrm>
+          <a:prstGeom prst="rect">
+            <a:avLst/>
+          </a:prstGeom>
+          <a:noFill/>
+          <a:ln>
+            <a:noFill/>
+          </a:ln>
+          <a:extLst>
+            <a:ext uri="{909E8E84-426E-40DD-AFC4-6F175D3DCCD1}">
+              <a14:hiddenFill xmlns:a14="http://schemas.microsoft.com/office/drawing/2010/main">
+                <a:solidFill>
+                  <a:schemeClr val="accent1"/>
+                </a:solidFill>
+              </a14:hiddenFill>
+            </a:ext>
+            <a:ext uri="{91240B29-F687-4F45-9708-019B960494DF}">
+              <a14:hiddenLine xmlns:a14="http://schemas.microsoft.com/office/drawing/2010/main" w="9525">
+                <a:solidFill>
+                  <a:schemeClr val="tx1"/>
+                </a:solidFill>
+                <a:miter lim="800000"/>
+                <a:headEnd/>
+                <a:tailEnd/>
+              </a14:hiddenLine>
+            </a:ext>
+          </a:extLst>
+        </p:spPr>
+      </p:pic>
+    </p:spTree>
+    <p:extLst>
+      <p:ext uri="{BB962C8B-B14F-4D97-AF65-F5344CB8AC3E}">
+        <p14:creationId xmlns:p14="http://schemas.microsoft.com/office/powerpoint/2010/main" val="3334614232"/>
+      </p:ext>
+    </p:extLst>
+  </p:cSld>
+  <p:clrMapOvr>
+    <a:masterClrMapping/>
+  </p:clrMapOvr>
+</p:sld>
+</file>
+
 <file path=ppt/slides/slide13.xml><?xml version="1.0" encoding="utf-8"?>
 <p:sld xmlns:a="http://schemas.openxmlformats.org/drawingml/2006/main" xmlns:r="http://schemas.openxmlformats.org/officeDocument/2006/relationships" xmlns:p="http://schemas.openxmlformats.org/presentationml/2006/main">
   <p:cSld>
@@ -5082,7 +6131,7 @@
           <a:p>
             <a:r>
               <a:rPr lang="en-GB" dirty="0"/>
-              <a:t>Recent features</a:t>
+              <a:t>Code Optimisation – DRG Element Level</a:t>
             </a:r>
           </a:p>
         </p:txBody>
@@ -5121,7 +6170,12 @@
             <p:ph sz="quarter" idx="1"/>
           </p:nvPr>
         </p:nvSpPr>
-        <p:spPr/>
+        <p:spPr>
+          <a:xfrm>
+            <a:off x="533400" y="1326515"/>
+            <a:ext cx="8077200" cy="1645285"/>
+          </a:xfrm>
+        </p:spPr>
         <p:txBody>
           <a:bodyPr>
             <a:normAutofit/>
@@ -5130,49 +6184,31 @@
           <a:p>
             <a:r>
               <a:rPr lang="en-GB" dirty="0"/>
-              <a:t>DM composition</a:t>
-            </a:r>
-          </a:p>
-          <a:p>
+              <a:t>Lazy evaluation</a:t>
+            </a:r>
+          </a:p>
+          <a:p>
+            <a:pPr lvl="1"/>
             <a:r>
               <a:rPr lang="en-GB" dirty="0"/>
-              <a:t>Cross-translation for Kotlin</a:t>
-            </a:r>
-          </a:p>
-          <a:p>
+              <a:t>Inner nodes (Decisions, BKMs, Decision Services)</a:t>
+            </a:r>
+          </a:p>
+          <a:p>
+            <a:pPr lvl="1"/>
             <a:r>
               <a:rPr lang="en-GB" dirty="0"/>
-              <a:t>Optimise execution (e.g. map-reduce for MID)</a:t>
-            </a:r>
-          </a:p>
-          <a:p>
-            <a:r>
-              <a:rPr lang="en-GB" dirty="0" err="1"/>
-              <a:t>gRPC</a:t>
-            </a:r>
-            <a:r>
-              <a:rPr lang="en-GB" dirty="0"/>
-              <a:t> / </a:t>
-            </a:r>
-            <a:r>
-              <a:rPr lang="en-GB" dirty="0" err="1"/>
-              <a:t>protobuf</a:t>
-            </a:r>
+              <a:t>Leaves (Input Data)</a:t>
+            </a:r>
+          </a:p>
+          <a:p>
             <a:endParaRPr lang="en-GB" dirty="0"/>
           </a:p>
           <a:p>
-            <a:r>
-              <a:rPr lang="en-GB" dirty="0"/>
-              <a:t>Tree / </a:t>
-            </a:r>
-            <a:r>
-              <a:rPr lang="en-GB" dirty="0" err="1"/>
-              <a:t>Postorder</a:t>
-            </a:r>
-            <a:r>
-              <a:rPr lang="en-GB" dirty="0"/>
-              <a:t> listeners</a:t>
-            </a:r>
+            <a:endParaRPr lang="en-GB" dirty="0"/>
+          </a:p>
+          <a:p>
+            <a:endParaRPr lang="en-GB" dirty="0"/>
           </a:p>
           <a:p>
             <a:pPr marL="0" indent="0">
@@ -5182,10 +6218,46 @@
           </a:p>
         </p:txBody>
       </p:sp>
+      <p:pic>
+        <p:nvPicPr>
+          <p:cNvPr id="8" name="Picture 7">
+            <a:extLst>
+              <a:ext uri="{FF2B5EF4-FFF2-40B4-BE49-F238E27FC236}">
+                <a16:creationId xmlns:a16="http://schemas.microsoft.com/office/drawing/2014/main" id="{83507DD5-8316-E6BF-76A9-71B111D7E562}"/>
+              </a:ext>
+            </a:extLst>
+          </p:cNvPr>
+          <p:cNvPicPr>
+            <a:picLocks noChangeAspect="1"/>
+          </p:cNvPicPr>
+          <p:nvPr/>
+        </p:nvPicPr>
+        <p:blipFill>
+          <a:blip r:embed="rId2">
+            <a:extLst>
+              <a:ext uri="{28A0092B-C50C-407E-A947-70E740481C1C}">
+                <a14:useLocalDpi xmlns:a14="http://schemas.microsoft.com/office/drawing/2010/main" val="0"/>
+              </a:ext>
+            </a:extLst>
+          </a:blip>
+          <a:stretch>
+            <a:fillRect/>
+          </a:stretch>
+        </p:blipFill>
+        <p:spPr>
+          <a:xfrm>
+            <a:off x="1066800" y="3429000"/>
+            <a:ext cx="6543041" cy="2133600"/>
+          </a:xfrm>
+          <a:prstGeom prst="rect">
+            <a:avLst/>
+          </a:prstGeom>
+        </p:spPr>
+      </p:pic>
     </p:spTree>
     <p:extLst>
       <p:ext uri="{BB962C8B-B14F-4D97-AF65-F5344CB8AC3E}">
-        <p14:creationId xmlns:p14="http://schemas.microsoft.com/office/powerpoint/2010/main" val="2630236891"/>
+        <p14:creationId xmlns:p14="http://schemas.microsoft.com/office/powerpoint/2010/main" val="3995061001"/>
       </p:ext>
     </p:extLst>
   </p:cSld>
@@ -5231,7 +6303,7 @@
           <a:p>
             <a:r>
               <a:rPr lang="en-GB" dirty="0"/>
-              <a:t>What next?</a:t>
+              <a:t>Code Optimisation – DRG Element Level</a:t>
             </a:r>
           </a:p>
         </p:txBody>
@@ -5260,64 +6332,1744 @@
           </a:p>
         </p:txBody>
       </p:sp>
-      <p:sp>
-        <p:nvSpPr>
-          <p:cNvPr id="5" name="Content Placeholder 4"/>
-          <p:cNvSpPr>
-            <a:spLocks noGrp="1"/>
-          </p:cNvSpPr>
-          <p:nvPr>
-            <p:ph sz="quarter" idx="1"/>
-          </p:nvPr>
-        </p:nvSpPr>
-        <p:spPr/>
-        <p:txBody>
-          <a:bodyPr>
-            <a:normAutofit/>
-          </a:bodyPr>
-          <a:lstStyle/>
-          <a:p>
-            <a:r>
-              <a:rPr lang="en-GB" dirty="0"/>
-              <a:t>DMN 1.3</a:t>
-            </a:r>
-          </a:p>
-          <a:p>
-            <a:r>
-              <a:rPr lang="en-GB" dirty="0"/>
-              <a:t>Enhance lazy evaluation</a:t>
-            </a:r>
-          </a:p>
-          <a:p>
-            <a:r>
-              <a:rPr lang="en-GB" dirty="0"/>
-              <a:t>DMN editor</a:t>
-            </a:r>
-          </a:p>
-          <a:p>
-            <a:r>
-              <a:rPr lang="en-GB" dirty="0"/>
-              <a:t>Semantic validation for DT (e.g. unique hit policy)</a:t>
-            </a:r>
-          </a:p>
-          <a:p>
-            <a:r>
-              <a:rPr lang="en-GB" dirty="0"/>
-              <a:t>DM diffs</a:t>
-            </a:r>
-          </a:p>
-          <a:p>
-            <a:pPr marL="0" indent="0">
-              <a:buNone/>
-            </a:pPr>
-            <a:endParaRPr lang="en-GB" dirty="0"/>
-          </a:p>
-        </p:txBody>
-      </p:sp>
+      <p:graphicFrame>
+        <p:nvGraphicFramePr>
+          <p:cNvPr id="9" name="Table 8">
+            <a:extLst>
+              <a:ext uri="{FF2B5EF4-FFF2-40B4-BE49-F238E27FC236}">
+                <a16:creationId xmlns:a16="http://schemas.microsoft.com/office/drawing/2014/main" id="{B692E36D-D80C-302E-7DDE-8355E1D303F5}"/>
+              </a:ext>
+            </a:extLst>
+          </p:cNvPr>
+          <p:cNvGraphicFramePr>
+            <a:graphicFrameLocks noGrp="1"/>
+          </p:cNvGraphicFramePr>
+          <p:nvPr/>
+        </p:nvGraphicFramePr>
+        <p:xfrm>
+          <a:off x="1752600" y="1375506"/>
+          <a:ext cx="5486400" cy="2135980"/>
+        </p:xfrm>
+        <a:graphic>
+          <a:graphicData uri="http://schemas.openxmlformats.org/drawingml/2006/table">
+            <a:tbl>
+              <a:tblPr>
+                <a:tableStyleId>{5C22544A-7EE6-4342-B048-85BDC9FD1C3A}</a:tableStyleId>
+              </a:tblPr>
+              <a:tblGrid>
+                <a:gridCol w="1094955">
+                  <a:extLst>
+                    <a:ext uri="{9D8B030D-6E8A-4147-A177-3AD203B41FA5}">
+                      <a16:colId xmlns:a16="http://schemas.microsoft.com/office/drawing/2014/main" val="3817440743"/>
+                    </a:ext>
+                  </a:extLst>
+                </a:gridCol>
+                <a:gridCol w="915474">
+                  <a:extLst>
+                    <a:ext uri="{9D8B030D-6E8A-4147-A177-3AD203B41FA5}">
+                      <a16:colId xmlns:a16="http://schemas.microsoft.com/office/drawing/2014/main" val="2475539201"/>
+                    </a:ext>
+                  </a:extLst>
+                </a:gridCol>
+                <a:gridCol w="1097540">
+                  <a:extLst>
+                    <a:ext uri="{9D8B030D-6E8A-4147-A177-3AD203B41FA5}">
+                      <a16:colId xmlns:a16="http://schemas.microsoft.com/office/drawing/2014/main" val="1792574651"/>
+                    </a:ext>
+                  </a:extLst>
+                </a:gridCol>
+                <a:gridCol w="1098831">
+                  <a:extLst>
+                    <a:ext uri="{9D8B030D-6E8A-4147-A177-3AD203B41FA5}">
+                      <a16:colId xmlns:a16="http://schemas.microsoft.com/office/drawing/2014/main" val="712556924"/>
+                    </a:ext>
+                  </a:extLst>
+                </a:gridCol>
+                <a:gridCol w="1279600">
+                  <a:extLst>
+                    <a:ext uri="{9D8B030D-6E8A-4147-A177-3AD203B41FA5}">
+                      <a16:colId xmlns:a16="http://schemas.microsoft.com/office/drawing/2014/main" val="1614605517"/>
+                    </a:ext>
+                  </a:extLst>
+                </a:gridCol>
+              </a:tblGrid>
+              <a:tr h="294618">
+                <a:tc gridSpan="5">
+                  <a:txBody>
+                    <a:bodyPr/>
+                    <a:lstStyle/>
+                    <a:p>
+                      <a:pPr algn="ctr"/>
+                      <a:r>
+                        <a:rPr lang="en-US" sz="1400" dirty="0">
+                          <a:effectLst/>
+                          <a:latin typeface="Arial" panose="020B0604020202020204" pitchFamily="34" charset="0"/>
+                          <a:cs typeface="Arial" panose="020B0604020202020204" pitchFamily="34" charset="0"/>
+                        </a:rPr>
+                        <a:t>Performance Before DRG Optimization</a:t>
+                      </a:r>
+                      <a:endParaRPr lang="en-GB" sz="1400" b="1" i="1" dirty="0">
+                        <a:effectLst/>
+                        <a:latin typeface="Arial" panose="020B0604020202020204" pitchFamily="34" charset="0"/>
+                        <a:ea typeface="SimSun" panose="02010600030101010101" pitchFamily="2" charset="-122"/>
+                        <a:cs typeface="Arial" panose="020B0604020202020204" pitchFamily="34" charset="0"/>
+                      </a:endParaRPr>
+                    </a:p>
+                  </a:txBody>
+                  <a:tcPr marL="68580" marR="68580" marT="0" marB="0" anchor="ctr"/>
+                </a:tc>
+                <a:tc hMerge="1">
+                  <a:txBody>
+                    <a:bodyPr/>
+                    <a:lstStyle/>
+                    <a:p>
+                      <a:endParaRPr lang="en-GB"/>
+                    </a:p>
+                  </a:txBody>
+                  <a:tcPr/>
+                </a:tc>
+                <a:tc hMerge="1">
+                  <a:txBody>
+                    <a:bodyPr/>
+                    <a:lstStyle/>
+                    <a:p>
+                      <a:endParaRPr lang="en-GB"/>
+                    </a:p>
+                  </a:txBody>
+                  <a:tcPr/>
+                </a:tc>
+                <a:tc hMerge="1">
+                  <a:txBody>
+                    <a:bodyPr/>
+                    <a:lstStyle/>
+                    <a:p>
+                      <a:endParaRPr lang="en-GB"/>
+                    </a:p>
+                  </a:txBody>
+                  <a:tcPr/>
+                </a:tc>
+                <a:tc hMerge="1">
+                  <a:txBody>
+                    <a:bodyPr/>
+                    <a:lstStyle/>
+                    <a:p>
+                      <a:endParaRPr lang="en-GB"/>
+                    </a:p>
+                  </a:txBody>
+                  <a:tcPr/>
+                </a:tc>
+                <a:extLst>
+                  <a:ext uri="{0D108BD9-81ED-4DB2-BD59-A6C34878D82A}">
+                    <a16:rowId xmlns:a16="http://schemas.microsoft.com/office/drawing/2014/main" val="1621276638"/>
+                  </a:ext>
+                </a:extLst>
+              </a:tr>
+              <a:tr h="662890">
+                <a:tc>
+                  <a:txBody>
+                    <a:bodyPr/>
+                    <a:lstStyle/>
+                    <a:p>
+                      <a:pPr algn="ctr"/>
+                      <a:r>
+                        <a:rPr lang="en-US" sz="1400" dirty="0">
+                          <a:effectLst/>
+                          <a:latin typeface="Arial" panose="020B0604020202020204" pitchFamily="34" charset="0"/>
+                          <a:cs typeface="Arial" panose="020B0604020202020204" pitchFamily="34" charset="0"/>
+                        </a:rPr>
+                        <a:t>Decision Name</a:t>
+                      </a:r>
+                      <a:endParaRPr lang="en-GB" sz="1400" b="1" i="1" dirty="0">
+                        <a:effectLst/>
+                        <a:latin typeface="Arial" panose="020B0604020202020204" pitchFamily="34" charset="0"/>
+                        <a:ea typeface="SimSun" panose="02010600030101010101" pitchFamily="2" charset="-122"/>
+                        <a:cs typeface="Arial" panose="020B0604020202020204" pitchFamily="34" charset="0"/>
+                      </a:endParaRPr>
+                    </a:p>
+                  </a:txBody>
+                  <a:tcPr marL="68580" marR="68580" marT="0" marB="0" anchor="ctr"/>
+                </a:tc>
+                <a:tc>
+                  <a:txBody>
+                    <a:bodyPr/>
+                    <a:lstStyle/>
+                    <a:p>
+                      <a:pPr algn="just"/>
+                      <a:r>
+                        <a:rPr lang="en-US" sz="1400" dirty="0">
+                          <a:effectLst/>
+                          <a:latin typeface="Arial" panose="020B0604020202020204" pitchFamily="34" charset="0"/>
+                          <a:cs typeface="Arial" panose="020B0604020202020204" pitchFamily="34" charset="0"/>
+                        </a:rPr>
+                        <a:t>Request Count</a:t>
+                      </a:r>
+                      <a:endParaRPr lang="en-GB" sz="1400" b="1" i="1" dirty="0">
+                        <a:effectLst/>
+                        <a:latin typeface="Arial" panose="020B0604020202020204" pitchFamily="34" charset="0"/>
+                        <a:ea typeface="SimSun" panose="02010600030101010101" pitchFamily="2" charset="-122"/>
+                        <a:cs typeface="Arial" panose="020B0604020202020204" pitchFamily="34" charset="0"/>
+                      </a:endParaRPr>
+                    </a:p>
+                  </a:txBody>
+                  <a:tcPr marL="68580" marR="68580" marT="0" marB="0" anchor="ctr"/>
+                </a:tc>
+                <a:tc>
+                  <a:txBody>
+                    <a:bodyPr/>
+                    <a:lstStyle/>
+                    <a:p>
+                      <a:pPr algn="just"/>
+                      <a:r>
+                        <a:rPr lang="en-US" sz="1400" dirty="0">
+                          <a:effectLst/>
+                          <a:latin typeface="Arial" panose="020B0604020202020204" pitchFamily="34" charset="0"/>
+                          <a:cs typeface="Arial" panose="020B0604020202020204" pitchFamily="34" charset="0"/>
+                        </a:rPr>
+                        <a:t>Response Time 90</a:t>
+                      </a:r>
+                      <a:r>
+                        <a:rPr lang="en-US" sz="1400" baseline="30000" dirty="0">
+                          <a:effectLst/>
+                          <a:latin typeface="Arial" panose="020B0604020202020204" pitchFamily="34" charset="0"/>
+                          <a:cs typeface="Arial" panose="020B0604020202020204" pitchFamily="34" charset="0"/>
+                        </a:rPr>
+                        <a:t>th</a:t>
+                      </a:r>
+                      <a:endParaRPr lang="en-GB" sz="1400" dirty="0">
+                        <a:effectLst/>
+                        <a:latin typeface="Arial" panose="020B0604020202020204" pitchFamily="34" charset="0"/>
+                        <a:cs typeface="Arial" panose="020B0604020202020204" pitchFamily="34" charset="0"/>
+                      </a:endParaRPr>
+                    </a:p>
+                    <a:p>
+                      <a:pPr algn="ctr"/>
+                      <a:r>
+                        <a:rPr lang="en-US" sz="1400" dirty="0">
+                          <a:effectLst/>
+                          <a:latin typeface="Arial" panose="020B0604020202020204" pitchFamily="34" charset="0"/>
+                          <a:cs typeface="Arial" panose="020B0604020202020204" pitchFamily="34" charset="0"/>
+                        </a:rPr>
+                        <a:t>(</a:t>
+                      </a:r>
+                      <a:r>
+                        <a:rPr lang="en-US" sz="1400" dirty="0" err="1">
+                          <a:effectLst/>
+                          <a:latin typeface="Arial" panose="020B0604020202020204" pitchFamily="34" charset="0"/>
+                          <a:cs typeface="Arial" panose="020B0604020202020204" pitchFamily="34" charset="0"/>
+                        </a:rPr>
+                        <a:t>ms</a:t>
+                      </a:r>
+                      <a:r>
+                        <a:rPr lang="en-US" sz="1400" dirty="0">
+                          <a:effectLst/>
+                          <a:latin typeface="Arial" panose="020B0604020202020204" pitchFamily="34" charset="0"/>
+                          <a:cs typeface="Arial" panose="020B0604020202020204" pitchFamily="34" charset="0"/>
+                        </a:rPr>
+                        <a:t>)</a:t>
+                      </a:r>
+                      <a:endParaRPr lang="en-GB" sz="1400" b="1" i="1" dirty="0">
+                        <a:effectLst/>
+                        <a:latin typeface="Arial" panose="020B0604020202020204" pitchFamily="34" charset="0"/>
+                        <a:ea typeface="SimSun" panose="02010600030101010101" pitchFamily="2" charset="-122"/>
+                        <a:cs typeface="Arial" panose="020B0604020202020204" pitchFamily="34" charset="0"/>
+                      </a:endParaRPr>
+                    </a:p>
+                  </a:txBody>
+                  <a:tcPr marL="68580" marR="68580" marT="0" marB="0">
+                    <a:solidFill>
+                      <a:schemeClr val="accent4"/>
+                    </a:solidFill>
+                  </a:tcPr>
+                </a:tc>
+                <a:tc>
+                  <a:txBody>
+                    <a:bodyPr/>
+                    <a:lstStyle/>
+                    <a:p>
+                      <a:pPr algn="ctr"/>
+                      <a:r>
+                        <a:rPr lang="en-US" sz="1400" dirty="0">
+                          <a:effectLst/>
+                          <a:latin typeface="Arial" panose="020B0604020202020204" pitchFamily="34" charset="0"/>
+                          <a:cs typeface="Arial" panose="020B0604020202020204" pitchFamily="34" charset="0"/>
+                        </a:rPr>
+                        <a:t>Min Response Time (</a:t>
+                      </a:r>
+                      <a:r>
+                        <a:rPr lang="en-US" sz="1400" dirty="0" err="1">
+                          <a:effectLst/>
+                          <a:latin typeface="Arial" panose="020B0604020202020204" pitchFamily="34" charset="0"/>
+                          <a:cs typeface="Arial" panose="020B0604020202020204" pitchFamily="34" charset="0"/>
+                        </a:rPr>
+                        <a:t>ms</a:t>
+                      </a:r>
+                      <a:r>
+                        <a:rPr lang="en-US" sz="1400" dirty="0">
+                          <a:effectLst/>
+                          <a:latin typeface="Arial" panose="020B0604020202020204" pitchFamily="34" charset="0"/>
+                          <a:cs typeface="Arial" panose="020B0604020202020204" pitchFamily="34" charset="0"/>
+                        </a:rPr>
+                        <a:t>)</a:t>
+                      </a:r>
+                      <a:endParaRPr lang="en-GB" sz="1400" b="1" i="1" dirty="0">
+                        <a:effectLst/>
+                        <a:latin typeface="Arial" panose="020B0604020202020204" pitchFamily="34" charset="0"/>
+                        <a:ea typeface="SimSun" panose="02010600030101010101" pitchFamily="2" charset="-122"/>
+                        <a:cs typeface="Arial" panose="020B0604020202020204" pitchFamily="34" charset="0"/>
+                      </a:endParaRPr>
+                    </a:p>
+                  </a:txBody>
+                  <a:tcPr marL="68580" marR="68580" marT="0" marB="0" anchor="ctr"/>
+                </a:tc>
+                <a:tc>
+                  <a:txBody>
+                    <a:bodyPr/>
+                    <a:lstStyle/>
+                    <a:p>
+                      <a:pPr algn="ctr"/>
+                      <a:r>
+                        <a:rPr lang="en-US" sz="1400" dirty="0">
+                          <a:effectLst/>
+                          <a:latin typeface="Arial" panose="020B0604020202020204" pitchFamily="34" charset="0"/>
+                          <a:cs typeface="Arial" panose="020B0604020202020204" pitchFamily="34" charset="0"/>
+                        </a:rPr>
+                        <a:t>Max Response Time (</a:t>
+                      </a:r>
+                      <a:r>
+                        <a:rPr lang="en-US" sz="1400" dirty="0" err="1">
+                          <a:effectLst/>
+                          <a:latin typeface="Arial" panose="020B0604020202020204" pitchFamily="34" charset="0"/>
+                          <a:cs typeface="Arial" panose="020B0604020202020204" pitchFamily="34" charset="0"/>
+                        </a:rPr>
+                        <a:t>ms</a:t>
+                      </a:r>
+                      <a:r>
+                        <a:rPr lang="en-US" sz="1400" dirty="0">
+                          <a:effectLst/>
+                          <a:latin typeface="Arial" panose="020B0604020202020204" pitchFamily="34" charset="0"/>
+                          <a:cs typeface="Arial" panose="020B0604020202020204" pitchFamily="34" charset="0"/>
+                        </a:rPr>
+                        <a:t>)</a:t>
+                      </a:r>
+                      <a:endParaRPr lang="en-GB" sz="1400" b="1" i="1" dirty="0">
+                        <a:effectLst/>
+                        <a:latin typeface="Arial" panose="020B0604020202020204" pitchFamily="34" charset="0"/>
+                        <a:ea typeface="SimSun" panose="02010600030101010101" pitchFamily="2" charset="-122"/>
+                        <a:cs typeface="Arial" panose="020B0604020202020204" pitchFamily="34" charset="0"/>
+                      </a:endParaRPr>
+                    </a:p>
+                  </a:txBody>
+                  <a:tcPr marL="68580" marR="68580" marT="0" marB="0" anchor="ctr"/>
+                </a:tc>
+                <a:extLst>
+                  <a:ext uri="{0D108BD9-81ED-4DB2-BD59-A6C34878D82A}">
+                    <a16:rowId xmlns:a16="http://schemas.microsoft.com/office/drawing/2014/main" val="1496981367"/>
+                  </a:ext>
+                </a:extLst>
+              </a:tr>
+              <a:tr h="294618">
+                <a:tc>
+                  <a:txBody>
+                    <a:bodyPr/>
+                    <a:lstStyle/>
+                    <a:p>
+                      <a:pPr algn="ctr"/>
+                      <a:r>
+                        <a:rPr lang="en-US" sz="1400" dirty="0">
+                          <a:effectLst/>
+                          <a:latin typeface="Arial" panose="020B0604020202020204" pitchFamily="34" charset="0"/>
+                          <a:cs typeface="Arial" panose="020B0604020202020204" pitchFamily="34" charset="0"/>
+                        </a:rPr>
+                        <a:t>D1</a:t>
+                      </a:r>
+                      <a:endParaRPr lang="en-GB" sz="1400" b="1" i="1" dirty="0">
+                        <a:effectLst/>
+                        <a:latin typeface="Arial" panose="020B0604020202020204" pitchFamily="34" charset="0"/>
+                        <a:ea typeface="SimSun" panose="02010600030101010101" pitchFamily="2" charset="-122"/>
+                        <a:cs typeface="Arial" panose="020B0604020202020204" pitchFamily="34" charset="0"/>
+                      </a:endParaRPr>
+                    </a:p>
+                  </a:txBody>
+                  <a:tcPr marL="68580" marR="68580" marT="0" marB="0" anchor="ctr"/>
+                </a:tc>
+                <a:tc>
+                  <a:txBody>
+                    <a:bodyPr/>
+                    <a:lstStyle/>
+                    <a:p>
+                      <a:pPr algn="ctr"/>
+                      <a:r>
+                        <a:rPr lang="en-US" sz="1400">
+                          <a:effectLst/>
+                          <a:latin typeface="Arial" panose="020B0604020202020204" pitchFamily="34" charset="0"/>
+                          <a:cs typeface="Arial" panose="020B0604020202020204" pitchFamily="34" charset="0"/>
+                        </a:rPr>
+                        <a:t>12899</a:t>
+                      </a:r>
+                      <a:endParaRPr lang="en-GB" sz="1400" b="1" i="1">
+                        <a:effectLst/>
+                        <a:latin typeface="Arial" panose="020B0604020202020204" pitchFamily="34" charset="0"/>
+                        <a:ea typeface="SimSun" panose="02010600030101010101" pitchFamily="2" charset="-122"/>
+                        <a:cs typeface="Arial" panose="020B0604020202020204" pitchFamily="34" charset="0"/>
+                      </a:endParaRPr>
+                    </a:p>
+                  </a:txBody>
+                  <a:tcPr marL="68580" marR="68580" marT="0" marB="0" anchor="ctr"/>
+                </a:tc>
+                <a:tc>
+                  <a:txBody>
+                    <a:bodyPr/>
+                    <a:lstStyle/>
+                    <a:p>
+                      <a:pPr algn="ctr"/>
+                      <a:r>
+                        <a:rPr lang="en-US" sz="1400" dirty="0">
+                          <a:solidFill>
+                            <a:schemeClr val="tx1"/>
+                          </a:solidFill>
+                          <a:effectLst/>
+                          <a:latin typeface="Arial" panose="020B0604020202020204" pitchFamily="34" charset="0"/>
+                          <a:cs typeface="Arial" panose="020B0604020202020204" pitchFamily="34" charset="0"/>
+                        </a:rPr>
+                        <a:t>40</a:t>
+                      </a:r>
+                      <a:endParaRPr lang="en-GB" sz="1400" b="1" i="1" dirty="0">
+                        <a:solidFill>
+                          <a:schemeClr val="tx1"/>
+                        </a:solidFill>
+                        <a:effectLst/>
+                        <a:latin typeface="Arial" panose="020B0604020202020204" pitchFamily="34" charset="0"/>
+                        <a:ea typeface="SimSun" panose="02010600030101010101" pitchFamily="2" charset="-122"/>
+                        <a:cs typeface="Arial" panose="020B0604020202020204" pitchFamily="34" charset="0"/>
+                      </a:endParaRPr>
+                    </a:p>
+                  </a:txBody>
+                  <a:tcPr marL="68580" marR="68580" marT="0" marB="0" anchor="ctr">
+                    <a:solidFill>
+                      <a:schemeClr val="accent4"/>
+                    </a:solidFill>
+                  </a:tcPr>
+                </a:tc>
+                <a:tc>
+                  <a:txBody>
+                    <a:bodyPr/>
+                    <a:lstStyle/>
+                    <a:p>
+                      <a:pPr algn="ctr"/>
+                      <a:r>
+                        <a:rPr lang="en-US" sz="1400">
+                          <a:effectLst/>
+                          <a:latin typeface="Arial" panose="020B0604020202020204" pitchFamily="34" charset="0"/>
+                          <a:cs typeface="Arial" panose="020B0604020202020204" pitchFamily="34" charset="0"/>
+                        </a:rPr>
+                        <a:t>4</a:t>
+                      </a:r>
+                      <a:endParaRPr lang="en-GB" sz="1400" b="1" i="1">
+                        <a:effectLst/>
+                        <a:latin typeface="Arial" panose="020B0604020202020204" pitchFamily="34" charset="0"/>
+                        <a:ea typeface="SimSun" panose="02010600030101010101" pitchFamily="2" charset="-122"/>
+                        <a:cs typeface="Arial" panose="020B0604020202020204" pitchFamily="34" charset="0"/>
+                      </a:endParaRPr>
+                    </a:p>
+                  </a:txBody>
+                  <a:tcPr marL="68580" marR="68580" marT="0" marB="0"/>
+                </a:tc>
+                <a:tc>
+                  <a:txBody>
+                    <a:bodyPr/>
+                    <a:lstStyle/>
+                    <a:p>
+                      <a:pPr algn="ctr"/>
+                      <a:r>
+                        <a:rPr lang="en-US" sz="1400" dirty="0">
+                          <a:effectLst/>
+                          <a:latin typeface="Arial" panose="020B0604020202020204" pitchFamily="34" charset="0"/>
+                          <a:cs typeface="Arial" panose="020B0604020202020204" pitchFamily="34" charset="0"/>
+                        </a:rPr>
+                        <a:t>5562</a:t>
+                      </a:r>
+                      <a:endParaRPr lang="en-GB" sz="1400" b="1" i="1" dirty="0">
+                        <a:effectLst/>
+                        <a:latin typeface="Arial" panose="020B0604020202020204" pitchFamily="34" charset="0"/>
+                        <a:ea typeface="SimSun" panose="02010600030101010101" pitchFamily="2" charset="-122"/>
+                        <a:cs typeface="Arial" panose="020B0604020202020204" pitchFamily="34" charset="0"/>
+                      </a:endParaRPr>
+                    </a:p>
+                  </a:txBody>
+                  <a:tcPr marL="68580" marR="68580" marT="0" marB="0" anchor="ctr"/>
+                </a:tc>
+                <a:extLst>
+                  <a:ext uri="{0D108BD9-81ED-4DB2-BD59-A6C34878D82A}">
+                    <a16:rowId xmlns:a16="http://schemas.microsoft.com/office/drawing/2014/main" val="3114002671"/>
+                  </a:ext>
+                </a:extLst>
+              </a:tr>
+              <a:tr h="294618">
+                <a:tc>
+                  <a:txBody>
+                    <a:bodyPr/>
+                    <a:lstStyle/>
+                    <a:p>
+                      <a:pPr algn="ctr"/>
+                      <a:r>
+                        <a:rPr lang="en-US" sz="1400">
+                          <a:effectLst/>
+                          <a:latin typeface="Arial" panose="020B0604020202020204" pitchFamily="34" charset="0"/>
+                          <a:cs typeface="Arial" panose="020B0604020202020204" pitchFamily="34" charset="0"/>
+                        </a:rPr>
+                        <a:t>D2</a:t>
+                      </a:r>
+                      <a:endParaRPr lang="en-GB" sz="1400" b="1" i="1">
+                        <a:effectLst/>
+                        <a:latin typeface="Arial" panose="020B0604020202020204" pitchFamily="34" charset="0"/>
+                        <a:ea typeface="SimSun" panose="02010600030101010101" pitchFamily="2" charset="-122"/>
+                        <a:cs typeface="Arial" panose="020B0604020202020204" pitchFamily="34" charset="0"/>
+                      </a:endParaRPr>
+                    </a:p>
+                  </a:txBody>
+                  <a:tcPr marL="68580" marR="68580" marT="0" marB="0" anchor="ctr"/>
+                </a:tc>
+                <a:tc>
+                  <a:txBody>
+                    <a:bodyPr/>
+                    <a:lstStyle/>
+                    <a:p>
+                      <a:pPr algn="ctr"/>
+                      <a:r>
+                        <a:rPr lang="en-US" sz="1400" dirty="0">
+                          <a:effectLst/>
+                          <a:latin typeface="Arial" panose="020B0604020202020204" pitchFamily="34" charset="0"/>
+                          <a:cs typeface="Arial" panose="020B0604020202020204" pitchFamily="34" charset="0"/>
+                        </a:rPr>
+                        <a:t>361</a:t>
+                      </a:r>
+                      <a:endParaRPr lang="en-GB" sz="1400" b="1" i="1" dirty="0">
+                        <a:effectLst/>
+                        <a:latin typeface="Arial" panose="020B0604020202020204" pitchFamily="34" charset="0"/>
+                        <a:ea typeface="SimSun" panose="02010600030101010101" pitchFamily="2" charset="-122"/>
+                        <a:cs typeface="Arial" panose="020B0604020202020204" pitchFamily="34" charset="0"/>
+                      </a:endParaRPr>
+                    </a:p>
+                  </a:txBody>
+                  <a:tcPr marL="68580" marR="68580" marT="0" marB="0" anchor="ctr"/>
+                </a:tc>
+                <a:tc>
+                  <a:txBody>
+                    <a:bodyPr/>
+                    <a:lstStyle/>
+                    <a:p>
+                      <a:pPr algn="ctr"/>
+                      <a:r>
+                        <a:rPr lang="en-US" sz="1400" dirty="0">
+                          <a:solidFill>
+                            <a:schemeClr val="tx1"/>
+                          </a:solidFill>
+                          <a:effectLst/>
+                          <a:latin typeface="Arial" panose="020B0604020202020204" pitchFamily="34" charset="0"/>
+                          <a:cs typeface="Arial" panose="020B0604020202020204" pitchFamily="34" charset="0"/>
+                        </a:rPr>
+                        <a:t>6676</a:t>
+                      </a:r>
+                      <a:endParaRPr lang="en-GB" sz="1400" b="1" i="1" dirty="0">
+                        <a:solidFill>
+                          <a:schemeClr val="tx1"/>
+                        </a:solidFill>
+                        <a:effectLst/>
+                        <a:latin typeface="Arial" panose="020B0604020202020204" pitchFamily="34" charset="0"/>
+                        <a:ea typeface="SimSun" panose="02010600030101010101" pitchFamily="2" charset="-122"/>
+                        <a:cs typeface="Arial" panose="020B0604020202020204" pitchFamily="34" charset="0"/>
+                      </a:endParaRPr>
+                    </a:p>
+                  </a:txBody>
+                  <a:tcPr marL="68580" marR="68580" marT="0" marB="0" anchor="ctr">
+                    <a:solidFill>
+                      <a:schemeClr val="accent4"/>
+                    </a:solidFill>
+                  </a:tcPr>
+                </a:tc>
+                <a:tc>
+                  <a:txBody>
+                    <a:bodyPr/>
+                    <a:lstStyle/>
+                    <a:p>
+                      <a:pPr algn="ctr"/>
+                      <a:r>
+                        <a:rPr lang="en-US" sz="1400">
+                          <a:effectLst/>
+                          <a:latin typeface="Arial" panose="020B0604020202020204" pitchFamily="34" charset="0"/>
+                          <a:cs typeface="Arial" panose="020B0604020202020204" pitchFamily="34" charset="0"/>
+                        </a:rPr>
+                        <a:t>21</a:t>
+                      </a:r>
+                      <a:endParaRPr lang="en-GB" sz="1400" b="1" i="1">
+                        <a:effectLst/>
+                        <a:latin typeface="Arial" panose="020B0604020202020204" pitchFamily="34" charset="0"/>
+                        <a:ea typeface="SimSun" panose="02010600030101010101" pitchFamily="2" charset="-122"/>
+                        <a:cs typeface="Arial" panose="020B0604020202020204" pitchFamily="34" charset="0"/>
+                      </a:endParaRPr>
+                    </a:p>
+                  </a:txBody>
+                  <a:tcPr marL="68580" marR="68580" marT="0" marB="0"/>
+                </a:tc>
+                <a:tc>
+                  <a:txBody>
+                    <a:bodyPr/>
+                    <a:lstStyle/>
+                    <a:p>
+                      <a:pPr algn="ctr"/>
+                      <a:r>
+                        <a:rPr lang="en-US" sz="1400" dirty="0">
+                          <a:effectLst/>
+                          <a:latin typeface="Arial" panose="020B0604020202020204" pitchFamily="34" charset="0"/>
+                          <a:cs typeface="Arial" panose="020B0604020202020204" pitchFamily="34" charset="0"/>
+                        </a:rPr>
+                        <a:t>9653</a:t>
+                      </a:r>
+                      <a:endParaRPr lang="en-GB" sz="1400" b="1" i="1" dirty="0">
+                        <a:effectLst/>
+                        <a:latin typeface="Arial" panose="020B0604020202020204" pitchFamily="34" charset="0"/>
+                        <a:ea typeface="SimSun" panose="02010600030101010101" pitchFamily="2" charset="-122"/>
+                        <a:cs typeface="Arial" panose="020B0604020202020204" pitchFamily="34" charset="0"/>
+                      </a:endParaRPr>
+                    </a:p>
+                  </a:txBody>
+                  <a:tcPr marL="68580" marR="68580" marT="0" marB="0" anchor="ctr"/>
+                </a:tc>
+                <a:extLst>
+                  <a:ext uri="{0D108BD9-81ED-4DB2-BD59-A6C34878D82A}">
+                    <a16:rowId xmlns:a16="http://schemas.microsoft.com/office/drawing/2014/main" val="2854341384"/>
+                  </a:ext>
+                </a:extLst>
+              </a:tr>
+              <a:tr h="294618">
+                <a:tc>
+                  <a:txBody>
+                    <a:bodyPr/>
+                    <a:lstStyle/>
+                    <a:p>
+                      <a:pPr algn="ctr"/>
+                      <a:r>
+                        <a:rPr lang="en-US" sz="1400">
+                          <a:effectLst/>
+                          <a:latin typeface="Arial" panose="020B0604020202020204" pitchFamily="34" charset="0"/>
+                          <a:cs typeface="Arial" panose="020B0604020202020204" pitchFamily="34" charset="0"/>
+                        </a:rPr>
+                        <a:t>D3</a:t>
+                      </a:r>
+                      <a:endParaRPr lang="en-GB" sz="1400" b="1" i="1">
+                        <a:effectLst/>
+                        <a:latin typeface="Arial" panose="020B0604020202020204" pitchFamily="34" charset="0"/>
+                        <a:ea typeface="SimSun" panose="02010600030101010101" pitchFamily="2" charset="-122"/>
+                        <a:cs typeface="Arial" panose="020B0604020202020204" pitchFamily="34" charset="0"/>
+                      </a:endParaRPr>
+                    </a:p>
+                  </a:txBody>
+                  <a:tcPr marL="68580" marR="68580" marT="0" marB="0" anchor="ctr"/>
+                </a:tc>
+                <a:tc>
+                  <a:txBody>
+                    <a:bodyPr/>
+                    <a:lstStyle/>
+                    <a:p>
+                      <a:pPr algn="ctr"/>
+                      <a:r>
+                        <a:rPr lang="en-US" sz="1400">
+                          <a:effectLst/>
+                          <a:latin typeface="Arial" panose="020B0604020202020204" pitchFamily="34" charset="0"/>
+                          <a:cs typeface="Arial" panose="020B0604020202020204" pitchFamily="34" charset="0"/>
+                        </a:rPr>
+                        <a:t>28731</a:t>
+                      </a:r>
+                      <a:endParaRPr lang="en-GB" sz="1400" b="1" i="1">
+                        <a:effectLst/>
+                        <a:latin typeface="Arial" panose="020B0604020202020204" pitchFamily="34" charset="0"/>
+                        <a:ea typeface="SimSun" panose="02010600030101010101" pitchFamily="2" charset="-122"/>
+                        <a:cs typeface="Arial" panose="020B0604020202020204" pitchFamily="34" charset="0"/>
+                      </a:endParaRPr>
+                    </a:p>
+                  </a:txBody>
+                  <a:tcPr marL="68580" marR="68580" marT="0" marB="0" anchor="ctr"/>
+                </a:tc>
+                <a:tc>
+                  <a:txBody>
+                    <a:bodyPr/>
+                    <a:lstStyle/>
+                    <a:p>
+                      <a:pPr algn="ctr"/>
+                      <a:r>
+                        <a:rPr lang="en-US" sz="1400" dirty="0">
+                          <a:solidFill>
+                            <a:schemeClr val="tx1"/>
+                          </a:solidFill>
+                          <a:effectLst/>
+                          <a:latin typeface="Arial" panose="020B0604020202020204" pitchFamily="34" charset="0"/>
+                          <a:cs typeface="Arial" panose="020B0604020202020204" pitchFamily="34" charset="0"/>
+                        </a:rPr>
+                        <a:t>15</a:t>
+                      </a:r>
+                      <a:endParaRPr lang="en-GB" sz="1400" b="1" i="1" dirty="0">
+                        <a:solidFill>
+                          <a:schemeClr val="tx1"/>
+                        </a:solidFill>
+                        <a:effectLst/>
+                        <a:latin typeface="Arial" panose="020B0604020202020204" pitchFamily="34" charset="0"/>
+                        <a:ea typeface="SimSun" panose="02010600030101010101" pitchFamily="2" charset="-122"/>
+                        <a:cs typeface="Arial" panose="020B0604020202020204" pitchFamily="34" charset="0"/>
+                      </a:endParaRPr>
+                    </a:p>
+                  </a:txBody>
+                  <a:tcPr marL="68580" marR="68580" marT="0" marB="0" anchor="ctr">
+                    <a:solidFill>
+                      <a:schemeClr val="accent4"/>
+                    </a:solidFill>
+                  </a:tcPr>
+                </a:tc>
+                <a:tc>
+                  <a:txBody>
+                    <a:bodyPr/>
+                    <a:lstStyle/>
+                    <a:p>
+                      <a:pPr algn="ctr"/>
+                      <a:r>
+                        <a:rPr lang="en-US" sz="1400" dirty="0">
+                          <a:effectLst/>
+                          <a:latin typeface="Arial" panose="020B0604020202020204" pitchFamily="34" charset="0"/>
+                          <a:cs typeface="Arial" panose="020B0604020202020204" pitchFamily="34" charset="0"/>
+                        </a:rPr>
+                        <a:t>1</a:t>
+                      </a:r>
+                      <a:endParaRPr lang="en-GB" sz="1400" b="1" i="1" dirty="0">
+                        <a:effectLst/>
+                        <a:latin typeface="Arial" panose="020B0604020202020204" pitchFamily="34" charset="0"/>
+                        <a:ea typeface="SimSun" panose="02010600030101010101" pitchFamily="2" charset="-122"/>
+                        <a:cs typeface="Arial" panose="020B0604020202020204" pitchFamily="34" charset="0"/>
+                      </a:endParaRPr>
+                    </a:p>
+                  </a:txBody>
+                  <a:tcPr marL="68580" marR="68580" marT="0" marB="0"/>
+                </a:tc>
+                <a:tc>
+                  <a:txBody>
+                    <a:bodyPr/>
+                    <a:lstStyle/>
+                    <a:p>
+                      <a:pPr algn="ctr"/>
+                      <a:r>
+                        <a:rPr lang="en-US" sz="1400" dirty="0">
+                          <a:effectLst/>
+                          <a:latin typeface="Arial" panose="020B0604020202020204" pitchFamily="34" charset="0"/>
+                          <a:cs typeface="Arial" panose="020B0604020202020204" pitchFamily="34" charset="0"/>
+                        </a:rPr>
+                        <a:t>933</a:t>
+                      </a:r>
+                      <a:endParaRPr lang="en-GB" sz="1400" b="1" i="1" dirty="0">
+                        <a:effectLst/>
+                        <a:latin typeface="Arial" panose="020B0604020202020204" pitchFamily="34" charset="0"/>
+                        <a:ea typeface="SimSun" panose="02010600030101010101" pitchFamily="2" charset="-122"/>
+                        <a:cs typeface="Arial" panose="020B0604020202020204" pitchFamily="34" charset="0"/>
+                      </a:endParaRPr>
+                    </a:p>
+                  </a:txBody>
+                  <a:tcPr marL="68580" marR="68580" marT="0" marB="0" anchor="ctr"/>
+                </a:tc>
+                <a:extLst>
+                  <a:ext uri="{0D108BD9-81ED-4DB2-BD59-A6C34878D82A}">
+                    <a16:rowId xmlns:a16="http://schemas.microsoft.com/office/drawing/2014/main" val="3967700051"/>
+                  </a:ext>
+                </a:extLst>
+              </a:tr>
+              <a:tr h="294618">
+                <a:tc>
+                  <a:txBody>
+                    <a:bodyPr/>
+                    <a:lstStyle/>
+                    <a:p>
+                      <a:pPr algn="ctr"/>
+                      <a:r>
+                        <a:rPr lang="en-US" sz="1400">
+                          <a:effectLst/>
+                          <a:latin typeface="Arial" panose="020B0604020202020204" pitchFamily="34" charset="0"/>
+                          <a:cs typeface="Arial" panose="020B0604020202020204" pitchFamily="34" charset="0"/>
+                        </a:rPr>
+                        <a:t>D4</a:t>
+                      </a:r>
+                      <a:endParaRPr lang="en-GB" sz="1400" b="1" i="1">
+                        <a:effectLst/>
+                        <a:latin typeface="Arial" panose="020B0604020202020204" pitchFamily="34" charset="0"/>
+                        <a:ea typeface="SimSun" panose="02010600030101010101" pitchFamily="2" charset="-122"/>
+                        <a:cs typeface="Arial" panose="020B0604020202020204" pitchFamily="34" charset="0"/>
+                      </a:endParaRPr>
+                    </a:p>
+                  </a:txBody>
+                  <a:tcPr marL="68580" marR="68580" marT="0" marB="0" anchor="ctr"/>
+                </a:tc>
+                <a:tc>
+                  <a:txBody>
+                    <a:bodyPr/>
+                    <a:lstStyle/>
+                    <a:p>
+                      <a:pPr algn="ctr"/>
+                      <a:r>
+                        <a:rPr lang="en-US" sz="1400">
+                          <a:effectLst/>
+                          <a:latin typeface="Arial" panose="020B0604020202020204" pitchFamily="34" charset="0"/>
+                          <a:cs typeface="Arial" panose="020B0604020202020204" pitchFamily="34" charset="0"/>
+                        </a:rPr>
+                        <a:t>86165</a:t>
+                      </a:r>
+                      <a:endParaRPr lang="en-GB" sz="1400" b="1" i="1">
+                        <a:effectLst/>
+                        <a:latin typeface="Arial" panose="020B0604020202020204" pitchFamily="34" charset="0"/>
+                        <a:ea typeface="SimSun" panose="02010600030101010101" pitchFamily="2" charset="-122"/>
+                        <a:cs typeface="Arial" panose="020B0604020202020204" pitchFamily="34" charset="0"/>
+                      </a:endParaRPr>
+                    </a:p>
+                  </a:txBody>
+                  <a:tcPr marL="68580" marR="68580" marT="0" marB="0" anchor="ctr"/>
+                </a:tc>
+                <a:tc>
+                  <a:txBody>
+                    <a:bodyPr/>
+                    <a:lstStyle/>
+                    <a:p>
+                      <a:pPr algn="ctr"/>
+                      <a:r>
+                        <a:rPr lang="en-US" sz="1400" dirty="0">
+                          <a:solidFill>
+                            <a:schemeClr val="tx1"/>
+                          </a:solidFill>
+                          <a:effectLst/>
+                          <a:latin typeface="Arial" panose="020B0604020202020204" pitchFamily="34" charset="0"/>
+                          <a:cs typeface="Arial" panose="020B0604020202020204" pitchFamily="34" charset="0"/>
+                        </a:rPr>
+                        <a:t>39</a:t>
+                      </a:r>
+                      <a:endParaRPr lang="en-GB" sz="1400" b="1" i="1" dirty="0">
+                        <a:solidFill>
+                          <a:schemeClr val="tx1"/>
+                        </a:solidFill>
+                        <a:effectLst/>
+                        <a:latin typeface="Arial" panose="020B0604020202020204" pitchFamily="34" charset="0"/>
+                        <a:ea typeface="SimSun" panose="02010600030101010101" pitchFamily="2" charset="-122"/>
+                        <a:cs typeface="Arial" panose="020B0604020202020204" pitchFamily="34" charset="0"/>
+                      </a:endParaRPr>
+                    </a:p>
+                  </a:txBody>
+                  <a:tcPr marL="68580" marR="68580" marT="0" marB="0" anchor="ctr">
+                    <a:solidFill>
+                      <a:schemeClr val="accent4"/>
+                    </a:solidFill>
+                  </a:tcPr>
+                </a:tc>
+                <a:tc>
+                  <a:txBody>
+                    <a:bodyPr/>
+                    <a:lstStyle/>
+                    <a:p>
+                      <a:pPr algn="ctr"/>
+                      <a:r>
+                        <a:rPr lang="en-US" sz="1400">
+                          <a:effectLst/>
+                          <a:latin typeface="Arial" panose="020B0604020202020204" pitchFamily="34" charset="0"/>
+                          <a:cs typeface="Arial" panose="020B0604020202020204" pitchFamily="34" charset="0"/>
+                        </a:rPr>
+                        <a:t>4</a:t>
+                      </a:r>
+                      <a:endParaRPr lang="en-GB" sz="1400" b="1" i="1">
+                        <a:effectLst/>
+                        <a:latin typeface="Arial" panose="020B0604020202020204" pitchFamily="34" charset="0"/>
+                        <a:ea typeface="SimSun" panose="02010600030101010101" pitchFamily="2" charset="-122"/>
+                        <a:cs typeface="Arial" panose="020B0604020202020204" pitchFamily="34" charset="0"/>
+                      </a:endParaRPr>
+                    </a:p>
+                  </a:txBody>
+                  <a:tcPr marL="68580" marR="68580" marT="0" marB="0"/>
+                </a:tc>
+                <a:tc>
+                  <a:txBody>
+                    <a:bodyPr/>
+                    <a:lstStyle/>
+                    <a:p>
+                      <a:pPr algn="ctr"/>
+                      <a:r>
+                        <a:rPr lang="en-US" sz="1400" dirty="0">
+                          <a:effectLst/>
+                          <a:latin typeface="Arial" panose="020B0604020202020204" pitchFamily="34" charset="0"/>
+                          <a:cs typeface="Arial" panose="020B0604020202020204" pitchFamily="34" charset="0"/>
+                        </a:rPr>
+                        <a:t>6367</a:t>
+                      </a:r>
+                      <a:endParaRPr lang="en-GB" sz="1400" b="1" i="1" dirty="0">
+                        <a:effectLst/>
+                        <a:latin typeface="Arial" panose="020B0604020202020204" pitchFamily="34" charset="0"/>
+                        <a:ea typeface="SimSun" panose="02010600030101010101" pitchFamily="2" charset="-122"/>
+                        <a:cs typeface="Arial" panose="020B0604020202020204" pitchFamily="34" charset="0"/>
+                      </a:endParaRPr>
+                    </a:p>
+                  </a:txBody>
+                  <a:tcPr marL="68580" marR="68580" marT="0" marB="0" anchor="ctr"/>
+                </a:tc>
+                <a:extLst>
+                  <a:ext uri="{0D108BD9-81ED-4DB2-BD59-A6C34878D82A}">
+                    <a16:rowId xmlns:a16="http://schemas.microsoft.com/office/drawing/2014/main" val="4171284294"/>
+                  </a:ext>
+                </a:extLst>
+              </a:tr>
+            </a:tbl>
+          </a:graphicData>
+        </a:graphic>
+      </p:graphicFrame>
+      <p:graphicFrame>
+        <p:nvGraphicFramePr>
+          <p:cNvPr id="10" name="Table 9">
+            <a:extLst>
+              <a:ext uri="{FF2B5EF4-FFF2-40B4-BE49-F238E27FC236}">
+                <a16:creationId xmlns:a16="http://schemas.microsoft.com/office/drawing/2014/main" id="{A0D3F636-6044-D91C-4738-C76612291833}"/>
+              </a:ext>
+            </a:extLst>
+          </p:cNvPr>
+          <p:cNvGraphicFramePr>
+            <a:graphicFrameLocks noGrp="1"/>
+          </p:cNvGraphicFramePr>
+          <p:nvPr/>
+        </p:nvGraphicFramePr>
+        <p:xfrm>
+          <a:off x="1752600" y="3816288"/>
+          <a:ext cx="5486400" cy="2307555"/>
+        </p:xfrm>
+        <a:graphic>
+          <a:graphicData uri="http://schemas.openxmlformats.org/drawingml/2006/table">
+            <a:tbl>
+              <a:tblPr>
+                <a:tableStyleId>{5C22544A-7EE6-4342-B048-85BDC9FD1C3A}</a:tableStyleId>
+              </a:tblPr>
+              <a:tblGrid>
+                <a:gridCol w="1094954">
+                  <a:extLst>
+                    <a:ext uri="{9D8B030D-6E8A-4147-A177-3AD203B41FA5}">
+                      <a16:colId xmlns:a16="http://schemas.microsoft.com/office/drawing/2014/main" val="3029211726"/>
+                    </a:ext>
+                  </a:extLst>
+                </a:gridCol>
+                <a:gridCol w="915474">
+                  <a:extLst>
+                    <a:ext uri="{9D8B030D-6E8A-4147-A177-3AD203B41FA5}">
+                      <a16:colId xmlns:a16="http://schemas.microsoft.com/office/drawing/2014/main" val="1597527328"/>
+                    </a:ext>
+                  </a:extLst>
+                </a:gridCol>
+                <a:gridCol w="1097540">
+                  <a:extLst>
+                    <a:ext uri="{9D8B030D-6E8A-4147-A177-3AD203B41FA5}">
+                      <a16:colId xmlns:a16="http://schemas.microsoft.com/office/drawing/2014/main" val="1193514198"/>
+                    </a:ext>
+                  </a:extLst>
+                </a:gridCol>
+                <a:gridCol w="1098832">
+                  <a:extLst>
+                    <a:ext uri="{9D8B030D-6E8A-4147-A177-3AD203B41FA5}">
+                      <a16:colId xmlns:a16="http://schemas.microsoft.com/office/drawing/2014/main" val="3238813102"/>
+                    </a:ext>
+                  </a:extLst>
+                </a:gridCol>
+                <a:gridCol w="1279600">
+                  <a:extLst>
+                    <a:ext uri="{9D8B030D-6E8A-4147-A177-3AD203B41FA5}">
+                      <a16:colId xmlns:a16="http://schemas.microsoft.com/office/drawing/2014/main" val="101789859"/>
+                    </a:ext>
+                  </a:extLst>
+                </a:gridCol>
+              </a:tblGrid>
+              <a:tr h="381000">
+                <a:tc gridSpan="5">
+                  <a:txBody>
+                    <a:bodyPr/>
+                    <a:lstStyle/>
+                    <a:p>
+                      <a:pPr algn="ctr"/>
+                      <a:r>
+                        <a:rPr lang="en-US" sz="1400" dirty="0">
+                          <a:effectLst/>
+                          <a:latin typeface="Arial" panose="020B0604020202020204" pitchFamily="34" charset="0"/>
+                          <a:cs typeface="Arial" panose="020B0604020202020204" pitchFamily="34" charset="0"/>
+                        </a:rPr>
+                        <a:t>Performance After DRG Optimization</a:t>
+                      </a:r>
+                      <a:endParaRPr lang="en-GB" sz="1400" b="1" i="1" dirty="0">
+                        <a:effectLst/>
+                        <a:latin typeface="Arial" panose="020B0604020202020204" pitchFamily="34" charset="0"/>
+                        <a:ea typeface="SimSun" panose="02010600030101010101" pitchFamily="2" charset="-122"/>
+                        <a:cs typeface="Arial" panose="020B0604020202020204" pitchFamily="34" charset="0"/>
+                      </a:endParaRPr>
+                    </a:p>
+                  </a:txBody>
+                  <a:tcPr marL="68580" marR="68580" marT="0" marB="0" anchor="ctr"/>
+                </a:tc>
+                <a:tc hMerge="1">
+                  <a:txBody>
+                    <a:bodyPr/>
+                    <a:lstStyle/>
+                    <a:p>
+                      <a:endParaRPr lang="en-GB"/>
+                    </a:p>
+                  </a:txBody>
+                  <a:tcPr/>
+                </a:tc>
+                <a:tc hMerge="1">
+                  <a:txBody>
+                    <a:bodyPr/>
+                    <a:lstStyle/>
+                    <a:p>
+                      <a:endParaRPr lang="en-GB"/>
+                    </a:p>
+                  </a:txBody>
+                  <a:tcPr/>
+                </a:tc>
+                <a:tc hMerge="1">
+                  <a:txBody>
+                    <a:bodyPr/>
+                    <a:lstStyle/>
+                    <a:p>
+                      <a:endParaRPr lang="en-GB"/>
+                    </a:p>
+                  </a:txBody>
+                  <a:tcPr/>
+                </a:tc>
+                <a:tc hMerge="1">
+                  <a:txBody>
+                    <a:bodyPr/>
+                    <a:lstStyle/>
+                    <a:p>
+                      <a:endParaRPr lang="en-GB"/>
+                    </a:p>
+                  </a:txBody>
+                  <a:tcPr/>
+                </a:tc>
+                <a:extLst>
+                  <a:ext uri="{0D108BD9-81ED-4DB2-BD59-A6C34878D82A}">
+                    <a16:rowId xmlns:a16="http://schemas.microsoft.com/office/drawing/2014/main" val="4250975762"/>
+                  </a:ext>
+                </a:extLst>
+              </a:tr>
+              <a:tr h="762000">
+                <a:tc>
+                  <a:txBody>
+                    <a:bodyPr/>
+                    <a:lstStyle/>
+                    <a:p>
+                      <a:pPr algn="ctr"/>
+                      <a:r>
+                        <a:rPr lang="en-US" sz="1400" dirty="0">
+                          <a:effectLst/>
+                          <a:latin typeface="Arial" panose="020B0604020202020204" pitchFamily="34" charset="0"/>
+                          <a:cs typeface="Arial" panose="020B0604020202020204" pitchFamily="34" charset="0"/>
+                        </a:rPr>
+                        <a:t>Decision Name</a:t>
+                      </a:r>
+                      <a:endParaRPr lang="en-GB" sz="1400" b="1" i="1" dirty="0">
+                        <a:effectLst/>
+                        <a:latin typeface="Arial" panose="020B0604020202020204" pitchFamily="34" charset="0"/>
+                        <a:ea typeface="SimSun" panose="02010600030101010101" pitchFamily="2" charset="-122"/>
+                        <a:cs typeface="Arial" panose="020B0604020202020204" pitchFamily="34" charset="0"/>
+                      </a:endParaRPr>
+                    </a:p>
+                  </a:txBody>
+                  <a:tcPr marL="68580" marR="68580" marT="0" marB="0" anchor="ctr"/>
+                </a:tc>
+                <a:tc>
+                  <a:txBody>
+                    <a:bodyPr/>
+                    <a:lstStyle/>
+                    <a:p>
+                      <a:pPr algn="just"/>
+                      <a:r>
+                        <a:rPr lang="en-US" sz="1400" dirty="0">
+                          <a:effectLst/>
+                          <a:latin typeface="Arial" panose="020B0604020202020204" pitchFamily="34" charset="0"/>
+                          <a:cs typeface="Arial" panose="020B0604020202020204" pitchFamily="34" charset="0"/>
+                        </a:rPr>
+                        <a:t>Request Count</a:t>
+                      </a:r>
+                      <a:endParaRPr lang="en-GB" sz="1400" b="1" i="1" dirty="0">
+                        <a:effectLst/>
+                        <a:latin typeface="Arial" panose="020B0604020202020204" pitchFamily="34" charset="0"/>
+                        <a:ea typeface="SimSun" panose="02010600030101010101" pitchFamily="2" charset="-122"/>
+                        <a:cs typeface="Arial" panose="020B0604020202020204" pitchFamily="34" charset="0"/>
+                      </a:endParaRPr>
+                    </a:p>
+                  </a:txBody>
+                  <a:tcPr marL="68580" marR="68580" marT="0" marB="0" anchor="ctr"/>
+                </a:tc>
+                <a:tc>
+                  <a:txBody>
+                    <a:bodyPr/>
+                    <a:lstStyle/>
+                    <a:p>
+                      <a:pPr algn="just"/>
+                      <a:r>
+                        <a:rPr lang="en-US" sz="1400" dirty="0">
+                          <a:effectLst/>
+                          <a:latin typeface="Arial" panose="020B0604020202020204" pitchFamily="34" charset="0"/>
+                          <a:cs typeface="Arial" panose="020B0604020202020204" pitchFamily="34" charset="0"/>
+                        </a:rPr>
+                        <a:t>Response Time 90</a:t>
+                      </a:r>
+                      <a:r>
+                        <a:rPr lang="en-US" sz="1400" baseline="30000" dirty="0">
+                          <a:effectLst/>
+                          <a:latin typeface="Arial" panose="020B0604020202020204" pitchFamily="34" charset="0"/>
+                          <a:cs typeface="Arial" panose="020B0604020202020204" pitchFamily="34" charset="0"/>
+                        </a:rPr>
+                        <a:t>th</a:t>
+                      </a:r>
+                      <a:endParaRPr lang="en-GB" sz="1400" dirty="0">
+                        <a:effectLst/>
+                        <a:latin typeface="Arial" panose="020B0604020202020204" pitchFamily="34" charset="0"/>
+                        <a:cs typeface="Arial" panose="020B0604020202020204" pitchFamily="34" charset="0"/>
+                      </a:endParaRPr>
+                    </a:p>
+                    <a:p>
+                      <a:pPr algn="ctr"/>
+                      <a:r>
+                        <a:rPr lang="en-US" sz="1400" dirty="0">
+                          <a:effectLst/>
+                          <a:latin typeface="Arial" panose="020B0604020202020204" pitchFamily="34" charset="0"/>
+                          <a:cs typeface="Arial" panose="020B0604020202020204" pitchFamily="34" charset="0"/>
+                        </a:rPr>
+                        <a:t>(</a:t>
+                      </a:r>
+                      <a:r>
+                        <a:rPr lang="en-US" sz="1400" dirty="0" err="1">
+                          <a:effectLst/>
+                          <a:latin typeface="Arial" panose="020B0604020202020204" pitchFamily="34" charset="0"/>
+                          <a:cs typeface="Arial" panose="020B0604020202020204" pitchFamily="34" charset="0"/>
+                        </a:rPr>
+                        <a:t>ms</a:t>
+                      </a:r>
+                      <a:r>
+                        <a:rPr lang="en-US" sz="1400" dirty="0">
+                          <a:effectLst/>
+                          <a:latin typeface="Arial" panose="020B0604020202020204" pitchFamily="34" charset="0"/>
+                          <a:cs typeface="Arial" panose="020B0604020202020204" pitchFamily="34" charset="0"/>
+                        </a:rPr>
+                        <a:t>)</a:t>
+                      </a:r>
+                      <a:endParaRPr lang="en-GB" sz="1400" b="1" i="1" dirty="0">
+                        <a:effectLst/>
+                        <a:latin typeface="Arial" panose="020B0604020202020204" pitchFamily="34" charset="0"/>
+                        <a:ea typeface="SimSun" panose="02010600030101010101" pitchFamily="2" charset="-122"/>
+                        <a:cs typeface="Arial" panose="020B0604020202020204" pitchFamily="34" charset="0"/>
+                      </a:endParaRPr>
+                    </a:p>
+                  </a:txBody>
+                  <a:tcPr marL="68580" marR="68580" marT="0" marB="0">
+                    <a:solidFill>
+                      <a:schemeClr val="accent4"/>
+                    </a:solidFill>
+                  </a:tcPr>
+                </a:tc>
+                <a:tc>
+                  <a:txBody>
+                    <a:bodyPr/>
+                    <a:lstStyle/>
+                    <a:p>
+                      <a:pPr algn="ctr"/>
+                      <a:r>
+                        <a:rPr lang="en-US" sz="1400" dirty="0">
+                          <a:effectLst/>
+                          <a:latin typeface="Arial" panose="020B0604020202020204" pitchFamily="34" charset="0"/>
+                          <a:cs typeface="Arial" panose="020B0604020202020204" pitchFamily="34" charset="0"/>
+                        </a:rPr>
+                        <a:t>Min Response Time (</a:t>
+                      </a:r>
+                      <a:r>
+                        <a:rPr lang="en-US" sz="1400" dirty="0" err="1">
+                          <a:effectLst/>
+                          <a:latin typeface="Arial" panose="020B0604020202020204" pitchFamily="34" charset="0"/>
+                          <a:cs typeface="Arial" panose="020B0604020202020204" pitchFamily="34" charset="0"/>
+                        </a:rPr>
+                        <a:t>ms</a:t>
+                      </a:r>
+                      <a:r>
+                        <a:rPr lang="en-US" sz="1400" dirty="0">
+                          <a:effectLst/>
+                          <a:latin typeface="Arial" panose="020B0604020202020204" pitchFamily="34" charset="0"/>
+                          <a:cs typeface="Arial" panose="020B0604020202020204" pitchFamily="34" charset="0"/>
+                        </a:rPr>
+                        <a:t>)</a:t>
+                      </a:r>
+                      <a:endParaRPr lang="en-GB" sz="1400" b="1" i="1" dirty="0">
+                        <a:effectLst/>
+                        <a:latin typeface="Arial" panose="020B0604020202020204" pitchFamily="34" charset="0"/>
+                        <a:ea typeface="SimSun" panose="02010600030101010101" pitchFamily="2" charset="-122"/>
+                        <a:cs typeface="Arial" panose="020B0604020202020204" pitchFamily="34" charset="0"/>
+                      </a:endParaRPr>
+                    </a:p>
+                  </a:txBody>
+                  <a:tcPr marL="68580" marR="68580" marT="0" marB="0" anchor="ctr"/>
+                </a:tc>
+                <a:tc>
+                  <a:txBody>
+                    <a:bodyPr/>
+                    <a:lstStyle/>
+                    <a:p>
+                      <a:pPr algn="ctr"/>
+                      <a:r>
+                        <a:rPr lang="en-US" sz="1400">
+                          <a:effectLst/>
+                          <a:latin typeface="Arial" panose="020B0604020202020204" pitchFamily="34" charset="0"/>
+                          <a:cs typeface="Arial" panose="020B0604020202020204" pitchFamily="34" charset="0"/>
+                        </a:rPr>
+                        <a:t>Max Response Time (ms)</a:t>
+                      </a:r>
+                      <a:endParaRPr lang="en-GB" sz="1400" b="1" i="1">
+                        <a:effectLst/>
+                        <a:latin typeface="Arial" panose="020B0604020202020204" pitchFamily="34" charset="0"/>
+                        <a:ea typeface="SimSun" panose="02010600030101010101" pitchFamily="2" charset="-122"/>
+                        <a:cs typeface="Arial" panose="020B0604020202020204" pitchFamily="34" charset="0"/>
+                      </a:endParaRPr>
+                    </a:p>
+                  </a:txBody>
+                  <a:tcPr marL="68580" marR="68580" marT="0" marB="0" anchor="ctr"/>
+                </a:tc>
+                <a:extLst>
+                  <a:ext uri="{0D108BD9-81ED-4DB2-BD59-A6C34878D82A}">
+                    <a16:rowId xmlns:a16="http://schemas.microsoft.com/office/drawing/2014/main" val="1826018797"/>
+                  </a:ext>
+                </a:extLst>
+              </a:tr>
+              <a:tr h="317065">
+                <a:tc>
+                  <a:txBody>
+                    <a:bodyPr/>
+                    <a:lstStyle/>
+                    <a:p>
+                      <a:pPr algn="ctr"/>
+                      <a:r>
+                        <a:rPr lang="en-US" sz="1400">
+                          <a:effectLst/>
+                          <a:latin typeface="Arial" panose="020B0604020202020204" pitchFamily="34" charset="0"/>
+                          <a:cs typeface="Arial" panose="020B0604020202020204" pitchFamily="34" charset="0"/>
+                        </a:rPr>
+                        <a:t>D1</a:t>
+                      </a:r>
+                      <a:endParaRPr lang="en-GB" sz="1400" b="1" i="1">
+                        <a:effectLst/>
+                        <a:latin typeface="Arial" panose="020B0604020202020204" pitchFamily="34" charset="0"/>
+                        <a:ea typeface="SimSun" panose="02010600030101010101" pitchFamily="2" charset="-122"/>
+                        <a:cs typeface="Arial" panose="020B0604020202020204" pitchFamily="34" charset="0"/>
+                      </a:endParaRPr>
+                    </a:p>
+                  </a:txBody>
+                  <a:tcPr marL="68580" marR="68580" marT="0" marB="0" anchor="ctr"/>
+                </a:tc>
+                <a:tc>
+                  <a:txBody>
+                    <a:bodyPr/>
+                    <a:lstStyle/>
+                    <a:p>
+                      <a:pPr algn="ctr"/>
+                      <a:r>
+                        <a:rPr lang="en-US" sz="1400">
+                          <a:effectLst/>
+                          <a:latin typeface="Arial" panose="020B0604020202020204" pitchFamily="34" charset="0"/>
+                          <a:cs typeface="Arial" panose="020B0604020202020204" pitchFamily="34" charset="0"/>
+                        </a:rPr>
+                        <a:t>12899</a:t>
+                      </a:r>
+                      <a:endParaRPr lang="en-GB" sz="1400" b="1" i="1">
+                        <a:effectLst/>
+                        <a:latin typeface="Arial" panose="020B0604020202020204" pitchFamily="34" charset="0"/>
+                        <a:ea typeface="SimSun" panose="02010600030101010101" pitchFamily="2" charset="-122"/>
+                        <a:cs typeface="Arial" panose="020B0604020202020204" pitchFamily="34" charset="0"/>
+                      </a:endParaRPr>
+                    </a:p>
+                  </a:txBody>
+                  <a:tcPr marL="68580" marR="68580" marT="0" marB="0" anchor="ctr"/>
+                </a:tc>
+                <a:tc>
+                  <a:txBody>
+                    <a:bodyPr/>
+                    <a:lstStyle/>
+                    <a:p>
+                      <a:pPr algn="ctr"/>
+                      <a:r>
+                        <a:rPr lang="en-US" sz="1400" dirty="0">
+                          <a:effectLst/>
+                          <a:latin typeface="Arial" panose="020B0604020202020204" pitchFamily="34" charset="0"/>
+                          <a:cs typeface="Arial" panose="020B0604020202020204" pitchFamily="34" charset="0"/>
+                        </a:rPr>
+                        <a:t>35</a:t>
+                      </a:r>
+                      <a:endParaRPr lang="en-GB" sz="1400" b="1" i="1" dirty="0">
+                        <a:effectLst/>
+                        <a:latin typeface="Arial" panose="020B0604020202020204" pitchFamily="34" charset="0"/>
+                        <a:ea typeface="SimSun" panose="02010600030101010101" pitchFamily="2" charset="-122"/>
+                        <a:cs typeface="Arial" panose="020B0604020202020204" pitchFamily="34" charset="0"/>
+                      </a:endParaRPr>
+                    </a:p>
+                  </a:txBody>
+                  <a:tcPr marL="68580" marR="68580" marT="0" marB="0" anchor="ctr">
+                    <a:solidFill>
+                      <a:schemeClr val="accent4"/>
+                    </a:solidFill>
+                  </a:tcPr>
+                </a:tc>
+                <a:tc>
+                  <a:txBody>
+                    <a:bodyPr/>
+                    <a:lstStyle/>
+                    <a:p>
+                      <a:pPr algn="ctr"/>
+                      <a:r>
+                        <a:rPr lang="en-US" sz="1400">
+                          <a:effectLst/>
+                          <a:latin typeface="Arial" panose="020B0604020202020204" pitchFamily="34" charset="0"/>
+                          <a:cs typeface="Arial" panose="020B0604020202020204" pitchFamily="34" charset="0"/>
+                        </a:rPr>
+                        <a:t>5</a:t>
+                      </a:r>
+                      <a:endParaRPr lang="en-GB" sz="1400" b="1" i="1">
+                        <a:effectLst/>
+                        <a:latin typeface="Arial" panose="020B0604020202020204" pitchFamily="34" charset="0"/>
+                        <a:ea typeface="SimSun" panose="02010600030101010101" pitchFamily="2" charset="-122"/>
+                        <a:cs typeface="Arial" panose="020B0604020202020204" pitchFamily="34" charset="0"/>
+                      </a:endParaRPr>
+                    </a:p>
+                  </a:txBody>
+                  <a:tcPr marL="68580" marR="68580" marT="0" marB="0"/>
+                </a:tc>
+                <a:tc>
+                  <a:txBody>
+                    <a:bodyPr/>
+                    <a:lstStyle/>
+                    <a:p>
+                      <a:pPr algn="ctr"/>
+                      <a:r>
+                        <a:rPr lang="en-US" sz="1400">
+                          <a:effectLst/>
+                          <a:latin typeface="Arial" panose="020B0604020202020204" pitchFamily="34" charset="0"/>
+                          <a:cs typeface="Arial" panose="020B0604020202020204" pitchFamily="34" charset="0"/>
+                        </a:rPr>
+                        <a:t>7150</a:t>
+                      </a:r>
+                      <a:endParaRPr lang="en-GB" sz="1400" b="1" i="1">
+                        <a:effectLst/>
+                        <a:latin typeface="Arial" panose="020B0604020202020204" pitchFamily="34" charset="0"/>
+                        <a:ea typeface="SimSun" panose="02010600030101010101" pitchFamily="2" charset="-122"/>
+                        <a:cs typeface="Arial" panose="020B0604020202020204" pitchFamily="34" charset="0"/>
+                      </a:endParaRPr>
+                    </a:p>
+                  </a:txBody>
+                  <a:tcPr marL="68580" marR="68580" marT="0" marB="0" anchor="ctr"/>
+                </a:tc>
+                <a:extLst>
+                  <a:ext uri="{0D108BD9-81ED-4DB2-BD59-A6C34878D82A}">
+                    <a16:rowId xmlns:a16="http://schemas.microsoft.com/office/drawing/2014/main" val="1426668077"/>
+                  </a:ext>
+                </a:extLst>
+              </a:tr>
+              <a:tr h="190239">
+                <a:tc>
+                  <a:txBody>
+                    <a:bodyPr/>
+                    <a:lstStyle/>
+                    <a:p>
+                      <a:pPr algn="ctr"/>
+                      <a:r>
+                        <a:rPr lang="en-US" sz="1400">
+                          <a:effectLst/>
+                          <a:latin typeface="Arial" panose="020B0604020202020204" pitchFamily="34" charset="0"/>
+                          <a:cs typeface="Arial" panose="020B0604020202020204" pitchFamily="34" charset="0"/>
+                        </a:rPr>
+                        <a:t>D2</a:t>
+                      </a:r>
+                      <a:endParaRPr lang="en-GB" sz="1400" b="1" i="1">
+                        <a:effectLst/>
+                        <a:latin typeface="Arial" panose="020B0604020202020204" pitchFamily="34" charset="0"/>
+                        <a:ea typeface="SimSun" panose="02010600030101010101" pitchFamily="2" charset="-122"/>
+                        <a:cs typeface="Arial" panose="020B0604020202020204" pitchFamily="34" charset="0"/>
+                      </a:endParaRPr>
+                    </a:p>
+                  </a:txBody>
+                  <a:tcPr marL="68580" marR="68580" marT="0" marB="0" anchor="ctr"/>
+                </a:tc>
+                <a:tc>
+                  <a:txBody>
+                    <a:bodyPr/>
+                    <a:lstStyle/>
+                    <a:p>
+                      <a:pPr algn="ctr"/>
+                      <a:r>
+                        <a:rPr lang="en-US" sz="1400">
+                          <a:effectLst/>
+                          <a:latin typeface="Arial" panose="020B0604020202020204" pitchFamily="34" charset="0"/>
+                          <a:cs typeface="Arial" panose="020B0604020202020204" pitchFamily="34" charset="0"/>
+                        </a:rPr>
+                        <a:t>361</a:t>
+                      </a:r>
+                      <a:endParaRPr lang="en-GB" sz="1400" b="1" i="1">
+                        <a:effectLst/>
+                        <a:latin typeface="Arial" panose="020B0604020202020204" pitchFamily="34" charset="0"/>
+                        <a:ea typeface="SimSun" panose="02010600030101010101" pitchFamily="2" charset="-122"/>
+                        <a:cs typeface="Arial" panose="020B0604020202020204" pitchFamily="34" charset="0"/>
+                      </a:endParaRPr>
+                    </a:p>
+                  </a:txBody>
+                  <a:tcPr marL="68580" marR="68580" marT="0" marB="0" anchor="ctr"/>
+                </a:tc>
+                <a:tc>
+                  <a:txBody>
+                    <a:bodyPr/>
+                    <a:lstStyle/>
+                    <a:p>
+                      <a:pPr algn="ctr"/>
+                      <a:r>
+                        <a:rPr lang="en-US" sz="1400" dirty="0">
+                          <a:effectLst/>
+                          <a:latin typeface="Arial" panose="020B0604020202020204" pitchFamily="34" charset="0"/>
+                          <a:cs typeface="Arial" panose="020B0604020202020204" pitchFamily="34" charset="0"/>
+                        </a:rPr>
+                        <a:t>315</a:t>
+                      </a:r>
+                      <a:endParaRPr lang="en-GB" sz="1400" b="1" i="1" dirty="0">
+                        <a:effectLst/>
+                        <a:latin typeface="Arial" panose="020B0604020202020204" pitchFamily="34" charset="0"/>
+                        <a:ea typeface="SimSun" panose="02010600030101010101" pitchFamily="2" charset="-122"/>
+                        <a:cs typeface="Arial" panose="020B0604020202020204" pitchFamily="34" charset="0"/>
+                      </a:endParaRPr>
+                    </a:p>
+                  </a:txBody>
+                  <a:tcPr marL="68580" marR="68580" marT="0" marB="0" anchor="ctr">
+                    <a:solidFill>
+                      <a:schemeClr val="accent4"/>
+                    </a:solidFill>
+                  </a:tcPr>
+                </a:tc>
+                <a:tc>
+                  <a:txBody>
+                    <a:bodyPr/>
+                    <a:lstStyle/>
+                    <a:p>
+                      <a:pPr algn="ctr"/>
+                      <a:r>
+                        <a:rPr lang="en-US" sz="1400">
+                          <a:effectLst/>
+                          <a:latin typeface="Arial" panose="020B0604020202020204" pitchFamily="34" charset="0"/>
+                          <a:cs typeface="Arial" panose="020B0604020202020204" pitchFamily="34" charset="0"/>
+                        </a:rPr>
+                        <a:t>153</a:t>
+                      </a:r>
+                      <a:endParaRPr lang="en-GB" sz="1400" b="1" i="1">
+                        <a:effectLst/>
+                        <a:latin typeface="Arial" panose="020B0604020202020204" pitchFamily="34" charset="0"/>
+                        <a:ea typeface="SimSun" panose="02010600030101010101" pitchFamily="2" charset="-122"/>
+                        <a:cs typeface="Arial" panose="020B0604020202020204" pitchFamily="34" charset="0"/>
+                      </a:endParaRPr>
+                    </a:p>
+                  </a:txBody>
+                  <a:tcPr marL="68580" marR="68580" marT="0" marB="0"/>
+                </a:tc>
+                <a:tc>
+                  <a:txBody>
+                    <a:bodyPr/>
+                    <a:lstStyle/>
+                    <a:p>
+                      <a:pPr algn="ctr"/>
+                      <a:r>
+                        <a:rPr lang="en-US" sz="1400">
+                          <a:effectLst/>
+                          <a:latin typeface="Arial" panose="020B0604020202020204" pitchFamily="34" charset="0"/>
+                          <a:cs typeface="Arial" panose="020B0604020202020204" pitchFamily="34" charset="0"/>
+                        </a:rPr>
+                        <a:t>4603</a:t>
+                      </a:r>
+                      <a:endParaRPr lang="en-GB" sz="1400" b="1" i="1">
+                        <a:effectLst/>
+                        <a:latin typeface="Arial" panose="020B0604020202020204" pitchFamily="34" charset="0"/>
+                        <a:ea typeface="SimSun" panose="02010600030101010101" pitchFamily="2" charset="-122"/>
+                        <a:cs typeface="Arial" panose="020B0604020202020204" pitchFamily="34" charset="0"/>
+                      </a:endParaRPr>
+                    </a:p>
+                  </a:txBody>
+                  <a:tcPr marL="68580" marR="68580" marT="0" marB="0" anchor="ctr"/>
+                </a:tc>
+                <a:extLst>
+                  <a:ext uri="{0D108BD9-81ED-4DB2-BD59-A6C34878D82A}">
+                    <a16:rowId xmlns:a16="http://schemas.microsoft.com/office/drawing/2014/main" val="3206591809"/>
+                  </a:ext>
+                </a:extLst>
+              </a:tr>
+              <a:tr h="317065">
+                <a:tc>
+                  <a:txBody>
+                    <a:bodyPr/>
+                    <a:lstStyle/>
+                    <a:p>
+                      <a:pPr algn="ctr"/>
+                      <a:r>
+                        <a:rPr lang="en-US" sz="1400">
+                          <a:effectLst/>
+                          <a:latin typeface="Arial" panose="020B0604020202020204" pitchFamily="34" charset="0"/>
+                          <a:cs typeface="Arial" panose="020B0604020202020204" pitchFamily="34" charset="0"/>
+                        </a:rPr>
+                        <a:t>D3</a:t>
+                      </a:r>
+                      <a:endParaRPr lang="en-GB" sz="1400" b="1" i="1">
+                        <a:effectLst/>
+                        <a:latin typeface="Arial" panose="020B0604020202020204" pitchFamily="34" charset="0"/>
+                        <a:ea typeface="SimSun" panose="02010600030101010101" pitchFamily="2" charset="-122"/>
+                        <a:cs typeface="Arial" panose="020B0604020202020204" pitchFamily="34" charset="0"/>
+                      </a:endParaRPr>
+                    </a:p>
+                  </a:txBody>
+                  <a:tcPr marL="68580" marR="68580" marT="0" marB="0" anchor="ctr"/>
+                </a:tc>
+                <a:tc>
+                  <a:txBody>
+                    <a:bodyPr/>
+                    <a:lstStyle/>
+                    <a:p>
+                      <a:pPr algn="ctr"/>
+                      <a:r>
+                        <a:rPr lang="en-US" sz="1400">
+                          <a:effectLst/>
+                          <a:latin typeface="Arial" panose="020B0604020202020204" pitchFamily="34" charset="0"/>
+                          <a:cs typeface="Arial" panose="020B0604020202020204" pitchFamily="34" charset="0"/>
+                        </a:rPr>
+                        <a:t>28745</a:t>
+                      </a:r>
+                      <a:endParaRPr lang="en-GB" sz="1400" b="1" i="1">
+                        <a:effectLst/>
+                        <a:latin typeface="Arial" panose="020B0604020202020204" pitchFamily="34" charset="0"/>
+                        <a:ea typeface="SimSun" panose="02010600030101010101" pitchFamily="2" charset="-122"/>
+                        <a:cs typeface="Arial" panose="020B0604020202020204" pitchFamily="34" charset="0"/>
+                      </a:endParaRPr>
+                    </a:p>
+                  </a:txBody>
+                  <a:tcPr marL="68580" marR="68580" marT="0" marB="0" anchor="ctr"/>
+                </a:tc>
+                <a:tc>
+                  <a:txBody>
+                    <a:bodyPr/>
+                    <a:lstStyle/>
+                    <a:p>
+                      <a:pPr algn="ctr"/>
+                      <a:r>
+                        <a:rPr lang="en-US" sz="1400" dirty="0">
+                          <a:effectLst/>
+                          <a:latin typeface="Arial" panose="020B0604020202020204" pitchFamily="34" charset="0"/>
+                          <a:cs typeface="Arial" panose="020B0604020202020204" pitchFamily="34" charset="0"/>
+                        </a:rPr>
+                        <a:t>12</a:t>
+                      </a:r>
+                      <a:endParaRPr lang="en-GB" sz="1400" b="1" i="1" dirty="0">
+                        <a:effectLst/>
+                        <a:latin typeface="Arial" panose="020B0604020202020204" pitchFamily="34" charset="0"/>
+                        <a:ea typeface="SimSun" panose="02010600030101010101" pitchFamily="2" charset="-122"/>
+                        <a:cs typeface="Arial" panose="020B0604020202020204" pitchFamily="34" charset="0"/>
+                      </a:endParaRPr>
+                    </a:p>
+                  </a:txBody>
+                  <a:tcPr marL="68580" marR="68580" marT="0" marB="0" anchor="ctr">
+                    <a:solidFill>
+                      <a:schemeClr val="accent4"/>
+                    </a:solidFill>
+                  </a:tcPr>
+                </a:tc>
+                <a:tc>
+                  <a:txBody>
+                    <a:bodyPr/>
+                    <a:lstStyle/>
+                    <a:p>
+                      <a:pPr algn="ctr"/>
+                      <a:r>
+                        <a:rPr lang="en-US" sz="1400" dirty="0">
+                          <a:effectLst/>
+                          <a:latin typeface="Arial" panose="020B0604020202020204" pitchFamily="34" charset="0"/>
+                          <a:cs typeface="Arial" panose="020B0604020202020204" pitchFamily="34" charset="0"/>
+                        </a:rPr>
+                        <a:t>1</a:t>
+                      </a:r>
+                      <a:endParaRPr lang="en-GB" sz="1400" b="1" i="1" dirty="0">
+                        <a:effectLst/>
+                        <a:latin typeface="Arial" panose="020B0604020202020204" pitchFamily="34" charset="0"/>
+                        <a:ea typeface="SimSun" panose="02010600030101010101" pitchFamily="2" charset="-122"/>
+                        <a:cs typeface="Arial" panose="020B0604020202020204" pitchFamily="34" charset="0"/>
+                      </a:endParaRPr>
+                    </a:p>
+                  </a:txBody>
+                  <a:tcPr marL="68580" marR="68580" marT="0" marB="0"/>
+                </a:tc>
+                <a:tc>
+                  <a:txBody>
+                    <a:bodyPr/>
+                    <a:lstStyle/>
+                    <a:p>
+                      <a:pPr algn="ctr"/>
+                      <a:r>
+                        <a:rPr lang="en-US" sz="1400">
+                          <a:effectLst/>
+                          <a:latin typeface="Arial" panose="020B0604020202020204" pitchFamily="34" charset="0"/>
+                          <a:cs typeface="Arial" panose="020B0604020202020204" pitchFamily="34" charset="0"/>
+                        </a:rPr>
+                        <a:t>606</a:t>
+                      </a:r>
+                      <a:endParaRPr lang="en-GB" sz="1400" b="1" i="1">
+                        <a:effectLst/>
+                        <a:latin typeface="Arial" panose="020B0604020202020204" pitchFamily="34" charset="0"/>
+                        <a:ea typeface="SimSun" panose="02010600030101010101" pitchFamily="2" charset="-122"/>
+                        <a:cs typeface="Arial" panose="020B0604020202020204" pitchFamily="34" charset="0"/>
+                      </a:endParaRPr>
+                    </a:p>
+                  </a:txBody>
+                  <a:tcPr marL="68580" marR="68580" marT="0" marB="0" anchor="ctr"/>
+                </a:tc>
+                <a:extLst>
+                  <a:ext uri="{0D108BD9-81ED-4DB2-BD59-A6C34878D82A}">
+                    <a16:rowId xmlns:a16="http://schemas.microsoft.com/office/drawing/2014/main" val="1478144427"/>
+                  </a:ext>
+                </a:extLst>
+              </a:tr>
+              <a:tr h="317065">
+                <a:tc>
+                  <a:txBody>
+                    <a:bodyPr/>
+                    <a:lstStyle/>
+                    <a:p>
+                      <a:pPr algn="ctr"/>
+                      <a:r>
+                        <a:rPr lang="en-US" sz="1400">
+                          <a:effectLst/>
+                          <a:latin typeface="Arial" panose="020B0604020202020204" pitchFamily="34" charset="0"/>
+                          <a:cs typeface="Arial" panose="020B0604020202020204" pitchFamily="34" charset="0"/>
+                        </a:rPr>
+                        <a:t>D4</a:t>
+                      </a:r>
+                      <a:endParaRPr lang="en-GB" sz="1400" b="1" i="1">
+                        <a:effectLst/>
+                        <a:latin typeface="Arial" panose="020B0604020202020204" pitchFamily="34" charset="0"/>
+                        <a:ea typeface="SimSun" panose="02010600030101010101" pitchFamily="2" charset="-122"/>
+                        <a:cs typeface="Arial" panose="020B0604020202020204" pitchFamily="34" charset="0"/>
+                      </a:endParaRPr>
+                    </a:p>
+                  </a:txBody>
+                  <a:tcPr marL="68580" marR="68580" marT="0" marB="0" anchor="ctr"/>
+                </a:tc>
+                <a:tc>
+                  <a:txBody>
+                    <a:bodyPr/>
+                    <a:lstStyle/>
+                    <a:p>
+                      <a:pPr algn="ctr"/>
+                      <a:r>
+                        <a:rPr lang="en-US" sz="1400">
+                          <a:effectLst/>
+                          <a:latin typeface="Arial" panose="020B0604020202020204" pitchFamily="34" charset="0"/>
+                          <a:cs typeface="Arial" panose="020B0604020202020204" pitchFamily="34" charset="0"/>
+                        </a:rPr>
+                        <a:t>86204</a:t>
+                      </a:r>
+                      <a:endParaRPr lang="en-GB" sz="1400" b="1" i="1">
+                        <a:effectLst/>
+                        <a:latin typeface="Arial" panose="020B0604020202020204" pitchFamily="34" charset="0"/>
+                        <a:ea typeface="SimSun" panose="02010600030101010101" pitchFamily="2" charset="-122"/>
+                        <a:cs typeface="Arial" panose="020B0604020202020204" pitchFamily="34" charset="0"/>
+                      </a:endParaRPr>
+                    </a:p>
+                  </a:txBody>
+                  <a:tcPr marL="68580" marR="68580" marT="0" marB="0" anchor="ctr"/>
+                </a:tc>
+                <a:tc>
+                  <a:txBody>
+                    <a:bodyPr/>
+                    <a:lstStyle/>
+                    <a:p>
+                      <a:pPr algn="ctr"/>
+                      <a:r>
+                        <a:rPr lang="en-US" sz="1400" dirty="0">
+                          <a:effectLst/>
+                          <a:latin typeface="Arial" panose="020B0604020202020204" pitchFamily="34" charset="0"/>
+                          <a:cs typeface="Arial" panose="020B0604020202020204" pitchFamily="34" charset="0"/>
+                        </a:rPr>
+                        <a:t>37</a:t>
+                      </a:r>
+                      <a:endParaRPr lang="en-GB" sz="1400" b="1" i="1" dirty="0">
+                        <a:effectLst/>
+                        <a:latin typeface="Arial" panose="020B0604020202020204" pitchFamily="34" charset="0"/>
+                        <a:ea typeface="SimSun" panose="02010600030101010101" pitchFamily="2" charset="-122"/>
+                        <a:cs typeface="Arial" panose="020B0604020202020204" pitchFamily="34" charset="0"/>
+                      </a:endParaRPr>
+                    </a:p>
+                  </a:txBody>
+                  <a:tcPr marL="68580" marR="68580" marT="0" marB="0" anchor="ctr">
+                    <a:solidFill>
+                      <a:schemeClr val="accent4"/>
+                    </a:solidFill>
+                  </a:tcPr>
+                </a:tc>
+                <a:tc>
+                  <a:txBody>
+                    <a:bodyPr/>
+                    <a:lstStyle/>
+                    <a:p>
+                      <a:pPr algn="ctr"/>
+                      <a:r>
+                        <a:rPr lang="en-US" sz="1400" dirty="0">
+                          <a:effectLst/>
+                          <a:latin typeface="Arial" panose="020B0604020202020204" pitchFamily="34" charset="0"/>
+                          <a:cs typeface="Arial" panose="020B0604020202020204" pitchFamily="34" charset="0"/>
+                        </a:rPr>
+                        <a:t>4</a:t>
+                      </a:r>
+                      <a:endParaRPr lang="en-GB" sz="1400" b="1" i="1" dirty="0">
+                        <a:effectLst/>
+                        <a:latin typeface="Arial" panose="020B0604020202020204" pitchFamily="34" charset="0"/>
+                        <a:ea typeface="SimSun" panose="02010600030101010101" pitchFamily="2" charset="-122"/>
+                        <a:cs typeface="Arial" panose="020B0604020202020204" pitchFamily="34" charset="0"/>
+                      </a:endParaRPr>
+                    </a:p>
+                  </a:txBody>
+                  <a:tcPr marL="68580" marR="68580" marT="0" marB="0"/>
+                </a:tc>
+                <a:tc>
+                  <a:txBody>
+                    <a:bodyPr/>
+                    <a:lstStyle/>
+                    <a:p>
+                      <a:pPr algn="ctr"/>
+                      <a:r>
+                        <a:rPr lang="en-US" sz="1400" dirty="0">
+                          <a:effectLst/>
+                          <a:latin typeface="Arial" panose="020B0604020202020204" pitchFamily="34" charset="0"/>
+                          <a:cs typeface="Arial" panose="020B0604020202020204" pitchFamily="34" charset="0"/>
+                        </a:rPr>
+                        <a:t>7736</a:t>
+                      </a:r>
+                      <a:endParaRPr lang="en-GB" sz="1400" b="1" i="1" dirty="0">
+                        <a:effectLst/>
+                        <a:latin typeface="Arial" panose="020B0604020202020204" pitchFamily="34" charset="0"/>
+                        <a:ea typeface="SimSun" panose="02010600030101010101" pitchFamily="2" charset="-122"/>
+                        <a:cs typeface="Arial" panose="020B0604020202020204" pitchFamily="34" charset="0"/>
+                      </a:endParaRPr>
+                    </a:p>
+                  </a:txBody>
+                  <a:tcPr marL="68580" marR="68580" marT="0" marB="0" anchor="ctr"/>
+                </a:tc>
+                <a:extLst>
+                  <a:ext uri="{0D108BD9-81ED-4DB2-BD59-A6C34878D82A}">
+                    <a16:rowId xmlns:a16="http://schemas.microsoft.com/office/drawing/2014/main" val="3360476174"/>
+                  </a:ext>
+                </a:extLst>
+              </a:tr>
+            </a:tbl>
+          </a:graphicData>
+        </a:graphic>
+      </p:graphicFrame>
     </p:spTree>
     <p:extLst>
       <p:ext uri="{BB962C8B-B14F-4D97-AF65-F5344CB8AC3E}">
-        <p14:creationId xmlns:p14="http://schemas.microsoft.com/office/powerpoint/2010/main" val="888131445"/>
+        <p14:creationId xmlns:p14="http://schemas.microsoft.com/office/powerpoint/2010/main" val="4113706479"/>
       </p:ext>
     </p:extLst>
   </p:cSld>
@@ -5356,12 +8108,14 @@
         </p:nvSpPr>
         <p:spPr/>
         <p:txBody>
-          <a:bodyPr/>
+          <a:bodyPr>
+            <a:normAutofit/>
+          </a:bodyPr>
           <a:lstStyle/>
           <a:p>
             <a:r>
               <a:rPr lang="en-GB" dirty="0"/>
-              <a:t>Questions?</a:t>
+              <a:t>Code Optimisation at FEEL level</a:t>
             </a:r>
           </a:p>
         </p:txBody>
@@ -5392,63 +8146,200 @@
       </p:sp>
       <p:sp>
         <p:nvSpPr>
-          <p:cNvPr id="3" name="Rectangle 2"/>
-          <p:cNvSpPr/>
-          <p:nvPr/>
-        </p:nvSpPr>
-        <p:spPr>
-          <a:xfrm>
-            <a:off x="2209800" y="1676400"/>
-            <a:ext cx="4124655" cy="400110"/>
-          </a:xfrm>
-          <a:prstGeom prst="rect">
-            <a:avLst/>
-          </a:prstGeom>
-        </p:spPr>
-        <p:txBody>
-          <a:bodyPr wrap="none">
-            <a:spAutoFit/>
+          <p:cNvPr id="5" name="Content Placeholder 4"/>
+          <p:cNvSpPr>
+            <a:spLocks noGrp="1"/>
+          </p:cNvSpPr>
+          <p:nvPr>
+            <p:ph sz="quarter" idx="1"/>
+          </p:nvPr>
+        </p:nvSpPr>
+        <p:spPr/>
+        <p:txBody>
+          <a:bodyPr>
+            <a:normAutofit/>
           </a:bodyPr>
           <a:lstStyle/>
           <a:p>
             <a:r>
-              <a:rPr lang="en-GB" sz="2000" dirty="0"/>
-              <a:t>https://github.com/goldmansachs/jdmn</a:t>
-            </a:r>
-          </a:p>
-        </p:txBody>
-      </p:sp>
-      <p:pic>
-        <p:nvPicPr>
-          <p:cNvPr id="5" name="Picture 4"/>
-          <p:cNvPicPr>
-            <a:picLocks noChangeAspect="1"/>
-          </p:cNvPicPr>
-          <p:nvPr/>
-        </p:nvPicPr>
-        <p:blipFill>
-          <a:blip r:embed="rId2">
-            <a:extLst>
-              <a:ext uri="{28A0092B-C50C-407E-A947-70E740481C1C}">
-                <a14:useLocalDpi xmlns:a14="http://schemas.microsoft.com/office/drawing/2010/main" val="0"/>
-              </a:ext>
-            </a:extLst>
-          </a:blip>
-          <a:stretch>
-            <a:fillRect/>
-          </a:stretch>
-        </p:blipFill>
-        <p:spPr>
-          <a:xfrm>
-            <a:off x="3200564" y="2362200"/>
-            <a:ext cx="2143125" cy="2143125"/>
-          </a:xfrm>
-          <a:prstGeom prst="rect">
-            <a:avLst/>
-          </a:prstGeom>
-        </p:spPr>
-      </p:pic>
+              <a:rPr lang="en-GB" dirty="0"/>
+              <a:t>Native Types</a:t>
+            </a:r>
+          </a:p>
+          <a:p>
+            <a:r>
+              <a:rPr lang="en-GB" dirty="0"/>
+              <a:t>Built-in functions</a:t>
+            </a:r>
+          </a:p>
+          <a:p>
+            <a:r>
+              <a:rPr lang="en-GB" dirty="0"/>
+              <a:t>Native Compiler / Interpreter (e.g. JIT compiler)</a:t>
+            </a:r>
+          </a:p>
+        </p:txBody>
+      </p:sp>
     </p:spTree>
+    <p:extLst>
+      <p:ext uri="{BB962C8B-B14F-4D97-AF65-F5344CB8AC3E}">
+        <p14:creationId xmlns:p14="http://schemas.microsoft.com/office/powerpoint/2010/main" val="2773163056"/>
+      </p:ext>
+    </p:extLst>
+  </p:cSld>
+  <p:clrMapOvr>
+    <a:masterClrMapping/>
+  </p:clrMapOvr>
+</p:sld>
+</file>
+
+<file path=ppt/slides/slide16.xml><?xml version="1.0" encoding="utf-8"?>
+<p:sld xmlns:a="http://schemas.openxmlformats.org/drawingml/2006/main" xmlns:r="http://schemas.openxmlformats.org/officeDocument/2006/relationships" xmlns:p="http://schemas.openxmlformats.org/presentationml/2006/main">
+  <p:cSld>
+    <p:spTree>
+      <p:nvGrpSpPr>
+        <p:cNvPr id="1" name=""/>
+        <p:cNvGrpSpPr/>
+        <p:nvPr/>
+      </p:nvGrpSpPr>
+      <p:grpSpPr>
+        <a:xfrm>
+          <a:off x="0" y="0"/>
+          <a:ext cx="0" cy="0"/>
+          <a:chOff x="0" y="0"/>
+          <a:chExt cx="0" cy="0"/>
+        </a:xfrm>
+      </p:grpSpPr>
+      <p:sp>
+        <p:nvSpPr>
+          <p:cNvPr id="2" name="Title 1"/>
+          <p:cNvSpPr>
+            <a:spLocks noGrp="1"/>
+          </p:cNvSpPr>
+          <p:nvPr>
+            <p:ph type="title"/>
+          </p:nvPr>
+        </p:nvSpPr>
+        <p:spPr/>
+        <p:txBody>
+          <a:bodyPr>
+            <a:normAutofit/>
+          </a:bodyPr>
+          <a:lstStyle/>
+          <a:p>
+            <a:r>
+              <a:rPr lang="en-GB" dirty="0"/>
+              <a:t>Recent features</a:t>
+            </a:r>
+          </a:p>
+        </p:txBody>
+      </p:sp>
+      <p:sp>
+        <p:nvSpPr>
+          <p:cNvPr id="4" name="Slide Number Placeholder 3"/>
+          <p:cNvSpPr>
+            <a:spLocks noGrp="1"/>
+          </p:cNvSpPr>
+          <p:nvPr>
+            <p:ph type="sldNum" sz="quarter" idx="12"/>
+          </p:nvPr>
+        </p:nvSpPr>
+        <p:spPr/>
+        <p:txBody>
+          <a:bodyPr/>
+          <a:lstStyle/>
+          <a:p>
+            <a:fld id="{EA7C8D44-3667-46F6-9772-CC52308E2A7F}" type="slidenum">
+              <a:rPr kumimoji="0" lang="en-US" smtClean="0"/>
+              <a:pPr/>
+              <a:t>16</a:t>
+            </a:fld>
+            <a:endParaRPr kumimoji="0" lang="en-US" dirty="0"/>
+          </a:p>
+        </p:txBody>
+      </p:sp>
+      <p:sp>
+        <p:nvSpPr>
+          <p:cNvPr id="5" name="Content Placeholder 4"/>
+          <p:cNvSpPr>
+            <a:spLocks noGrp="1"/>
+          </p:cNvSpPr>
+          <p:nvPr>
+            <p:ph sz="quarter" idx="1"/>
+          </p:nvPr>
+        </p:nvSpPr>
+        <p:spPr/>
+        <p:txBody>
+          <a:bodyPr>
+            <a:normAutofit/>
+          </a:bodyPr>
+          <a:lstStyle/>
+          <a:p>
+            <a:r>
+              <a:rPr lang="en-GB" dirty="0"/>
+              <a:t>DM composition</a:t>
+            </a:r>
+          </a:p>
+          <a:p>
+            <a:r>
+              <a:rPr lang="en-GB" dirty="0"/>
+              <a:t>Cross-translation for Java, Kotlin and Python</a:t>
+            </a:r>
+          </a:p>
+          <a:p>
+            <a:r>
+              <a:rPr lang="en-GB" dirty="0"/>
+              <a:t>Optimised execution (e.g. map-reduce for MID)</a:t>
+            </a:r>
+          </a:p>
+          <a:p>
+            <a:r>
+              <a:rPr lang="en-GB" dirty="0"/>
+              <a:t>Support for </a:t>
+            </a:r>
+            <a:r>
+              <a:rPr lang="en-GB" dirty="0" err="1"/>
+              <a:t>gRPC</a:t>
+            </a:r>
+            <a:r>
+              <a:rPr lang="en-GB" dirty="0"/>
+              <a:t> / </a:t>
+            </a:r>
+            <a:r>
+              <a:rPr lang="en-GB" dirty="0" err="1"/>
+              <a:t>protobuf</a:t>
+            </a:r>
+            <a:endParaRPr lang="en-GB" dirty="0"/>
+          </a:p>
+          <a:p>
+            <a:r>
+              <a:rPr lang="en-GB" dirty="0"/>
+              <a:t>Explanation:  Annotations and Tree / </a:t>
+            </a:r>
+            <a:r>
+              <a:rPr lang="en-GB" dirty="0" err="1"/>
+              <a:t>Postorder</a:t>
+            </a:r>
+            <a:r>
+              <a:rPr lang="en-GB"/>
+              <a:t> Listeners</a:t>
+            </a:r>
+            <a:endParaRPr lang="en-GB" dirty="0"/>
+          </a:p>
+          <a:p>
+            <a:pPr marL="0" indent="0">
+              <a:buNone/>
+            </a:pPr>
+            <a:endParaRPr lang="en-GB" dirty="0"/>
+          </a:p>
+        </p:txBody>
+      </p:sp>
+    </p:spTree>
+    <p:extLst>
+      <p:ext uri="{BB962C8B-B14F-4D97-AF65-F5344CB8AC3E}">
+        <p14:creationId xmlns:p14="http://schemas.microsoft.com/office/powerpoint/2010/main" val="2630236891"/>
+      </p:ext>
+    </p:extLst>
   </p:cSld>
   <p:clrMapOvr>
     <a:masterClrMapping/>
@@ -5542,7 +8433,7 @@
           <a:p>
             <a:r>
               <a:rPr lang="en-GB" dirty="0"/>
-              <a:t>Short history of DMN / </a:t>
+              <a:t>Overall structure of </a:t>
             </a:r>
             <a:r>
               <a:rPr lang="en-GB" dirty="0" err="1"/>
@@ -5552,14 +8443,12 @@
           </a:p>
           <a:p>
             <a:r>
+              <a:rPr lang="en-GB" dirty="0" err="1"/>
+              <a:t>Transpiler</a:t>
+            </a:r>
+            <a:r>
               <a:rPr lang="en-GB" dirty="0"/>
-              <a:t>Overall structure</a:t>
-            </a:r>
-          </a:p>
-          <a:p>
-            <a:r>
-              <a:rPr lang="en-GB" dirty="0"/>
-              <a:t>Translation to Java / Kotlin</a:t>
+              <a:t> to Java / Kotlin / Python</a:t>
             </a:r>
           </a:p>
           <a:p>
@@ -5953,13 +8842,8 @@
           <a:p>
             <a:r>
               <a:rPr lang="en-GB" dirty="0"/>
-              <a:t>Short history of DMN/</a:t>
-            </a:r>
-            <a:r>
-              <a:rPr lang="en-GB" dirty="0" err="1"/>
-              <a:t>jDMN</a:t>
-            </a:r>
-            <a:endParaRPr lang="en-GB" dirty="0"/>
+              <a:t>Overall Structure</a:t>
+            </a:r>
           </a:p>
         </p:txBody>
       </p:sp>
@@ -6004,129 +8888,72 @@
           </a:xfrm>
         </p:spPr>
         <p:txBody>
-          <a:bodyPr>
-            <a:normAutofit fontScale="92500" lnSpcReduction="10000"/>
-          </a:bodyPr>
+          <a:bodyPr/>
           <a:lstStyle/>
           <a:p>
+            <a:endParaRPr lang="en-GB" dirty="0"/>
+          </a:p>
+          <a:p>
             <a:r>
               <a:rPr lang="en-GB" dirty="0"/>
-              <a:t>Sep-2015 – DMN 1.0</a:t>
-            </a:r>
-          </a:p>
-          <a:p>
+              <a:t>DMN Processors</a:t>
+            </a:r>
+          </a:p>
+          <a:p>
+            <a:pPr lvl="1"/>
             <a:r>
               <a:rPr lang="en-GB" dirty="0"/>
-              <a:t>Jun-2016 – DMN 1.1</a:t>
-            </a:r>
-          </a:p>
-          <a:p>
+              <a:t>Reader / Writer</a:t>
+            </a:r>
+          </a:p>
+          <a:p>
+            <a:pPr lvl="1"/>
             <a:r>
               <a:rPr lang="en-GB" dirty="0"/>
-              <a:t>Jun-2016 – Project COB</a:t>
-            </a:r>
-          </a:p>
-          <a:p>
+              <a:t>Validators</a:t>
+            </a:r>
+          </a:p>
+          <a:p>
+            <a:pPr lvl="1"/>
             <a:r>
               <a:rPr lang="en-GB" dirty="0"/>
-              <a:t>Aug-2016 – </a:t>
-            </a:r>
+              <a:t>Transformers</a:t>
+            </a:r>
+          </a:p>
+          <a:p>
+            <a:pPr lvl="1"/>
+            <a:r>
+              <a:rPr lang="en-GB" dirty="0"/>
+              <a:t>Interpreter</a:t>
+            </a:r>
+          </a:p>
+          <a:p>
+            <a:pPr lvl="1"/>
+            <a:r>
+              <a:rPr lang="en-GB" dirty="0"/>
+              <a:t>Translator</a:t>
+            </a:r>
+          </a:p>
+          <a:p>
+            <a:r>
+              <a:rPr lang="en-GB" dirty="0"/>
+              <a:t>Dialects</a:t>
+            </a:r>
+          </a:p>
+          <a:p>
+            <a:pPr lvl="1"/>
+            <a:r>
+              <a:rPr lang="en-GB" dirty="0"/>
+              <a:t>DMN 1.1 – 1.5</a:t>
+            </a:r>
+          </a:p>
+          <a:p>
+            <a:pPr lvl="1"/>
             <a:r>
               <a:rPr lang="en-GB" dirty="0" err="1"/>
-              <a:t>jDMN</a:t>
-            </a:r>
-            <a:r>
-              <a:rPr lang="en-GB" dirty="0"/>
-              <a:t> SPR</a:t>
-            </a:r>
-          </a:p>
-          <a:p>
-            <a:r>
-              <a:rPr lang="en-GB" dirty="0"/>
-              <a:t>Feb-2017 – Joined OMG DMN RTF</a:t>
-            </a:r>
-          </a:p>
-          <a:p>
-            <a:r>
-              <a:rPr lang="en-GB" dirty="0"/>
-              <a:t>Feb-2017 – Joined DMN TCK</a:t>
-            </a:r>
-          </a:p>
-          <a:p>
-            <a:r>
-              <a:rPr lang="en-GB" dirty="0"/>
-              <a:t>Feb-2018 – </a:t>
-            </a:r>
-            <a:r>
-              <a:rPr lang="en-GB" dirty="0" err="1"/>
-              <a:t>jDMN</a:t>
-            </a:r>
-            <a:r>
-              <a:rPr lang="en-GB" dirty="0"/>
-              <a:t> open-sourced in </a:t>
-            </a:r>
-            <a:r>
-              <a:rPr lang="en-GB" dirty="0" err="1"/>
-              <a:t>github</a:t>
-            </a:r>
-            <a:r>
-              <a:rPr lang="en-GB" dirty="0"/>
-              <a:t> (partially)</a:t>
-            </a:r>
-          </a:p>
-          <a:p>
-            <a:r>
-              <a:rPr lang="en-GB" dirty="0"/>
-              <a:t>Sep-2018 – </a:t>
-            </a:r>
-            <a:r>
-              <a:rPr lang="en-GB" dirty="0" err="1"/>
-              <a:t>DecisionCamp</a:t>
-            </a:r>
-            <a:r>
-              <a:rPr lang="en-GB" dirty="0"/>
-              <a:t>, Luxembourg</a:t>
-            </a:r>
-          </a:p>
-          <a:p>
-            <a:r>
-              <a:rPr lang="en-GB" dirty="0"/>
-              <a:t>Jan-2019 – DMN 1.2</a:t>
-            </a:r>
-          </a:p>
-          <a:p>
-            <a:r>
-              <a:rPr lang="en-GB" dirty="0"/>
-              <a:t>Feb-2020 – </a:t>
-            </a:r>
-            <a:r>
-              <a:rPr lang="en-GB" dirty="0" err="1"/>
-              <a:t>jDMN</a:t>
-            </a:r>
-            <a:r>
-              <a:rPr lang="en-GB" dirty="0"/>
-              <a:t> open-sourced all modules</a:t>
-            </a:r>
-          </a:p>
-          <a:p>
-            <a:r>
-              <a:rPr lang="en-GB" dirty="0"/>
-              <a:t>Mar-2020 – DMN 1.3</a:t>
-            </a:r>
-          </a:p>
-          <a:p>
-            <a:r>
-              <a:rPr lang="en-GB" dirty="0"/>
-              <a:t>July-2020 – </a:t>
-            </a:r>
-            <a:r>
-              <a:rPr lang="en-GB" dirty="0" err="1"/>
-              <a:t>DecisionCamp</a:t>
-            </a:r>
-            <a:r>
-              <a:rPr lang="en-GB" dirty="0"/>
-              <a:t>, online</a:t>
-            </a:r>
+              <a:t>Signavio</a:t>
+            </a:r>
+            <a:endParaRPr lang="en-GB" dirty="0"/>
           </a:p>
           <a:p>
             <a:endParaRPr lang="en-GB" dirty="0"/>
@@ -6136,7 +8963,7 @@
     </p:spTree>
     <p:extLst>
       <p:ext uri="{BB962C8B-B14F-4D97-AF65-F5344CB8AC3E}">
-        <p14:creationId xmlns:p14="http://schemas.microsoft.com/office/powerpoint/2010/main" val="4202780259"/>
+        <p14:creationId xmlns:p14="http://schemas.microsoft.com/office/powerpoint/2010/main" val="2102199018"/>
       </p:ext>
     </p:extLst>
   </p:cSld>
@@ -6204,168 +9031,6 @@
               <a:rPr kumimoji="0" lang="en-US" smtClean="0"/>
               <a:pPr/>
               <a:t>5</a:t>
-            </a:fld>
-            <a:endParaRPr kumimoji="0" lang="en-US" dirty="0"/>
-          </a:p>
-        </p:txBody>
-      </p:sp>
-      <p:sp>
-        <p:nvSpPr>
-          <p:cNvPr id="5" name="Content Placeholder 4"/>
-          <p:cNvSpPr>
-            <a:spLocks noGrp="1"/>
-          </p:cNvSpPr>
-          <p:nvPr>
-            <p:ph sz="quarter" idx="1"/>
-          </p:nvPr>
-        </p:nvSpPr>
-        <p:spPr>
-          <a:xfrm>
-            <a:off x="457200" y="1234440"/>
-            <a:ext cx="8229600" cy="4937760"/>
-          </a:xfrm>
-        </p:spPr>
-        <p:txBody>
-          <a:bodyPr/>
-          <a:lstStyle/>
-          <a:p>
-            <a:endParaRPr lang="en-GB" dirty="0"/>
-          </a:p>
-          <a:p>
-            <a:r>
-              <a:rPr lang="en-GB" dirty="0"/>
-              <a:t>DMN Processors</a:t>
-            </a:r>
-          </a:p>
-          <a:p>
-            <a:pPr lvl="1"/>
-            <a:r>
-              <a:rPr lang="en-GB" dirty="0"/>
-              <a:t>Reader / Writer</a:t>
-            </a:r>
-          </a:p>
-          <a:p>
-            <a:pPr lvl="1"/>
-            <a:r>
-              <a:rPr lang="en-GB" dirty="0"/>
-              <a:t>Validators</a:t>
-            </a:r>
-          </a:p>
-          <a:p>
-            <a:pPr lvl="1"/>
-            <a:r>
-              <a:rPr lang="en-GB" dirty="0"/>
-              <a:t>Transformers</a:t>
-            </a:r>
-          </a:p>
-          <a:p>
-            <a:pPr lvl="1"/>
-            <a:r>
-              <a:rPr lang="en-GB" dirty="0"/>
-              <a:t>Interpreter</a:t>
-            </a:r>
-          </a:p>
-          <a:p>
-            <a:pPr lvl="1"/>
-            <a:r>
-              <a:rPr lang="en-GB" dirty="0"/>
-              <a:t>Translator</a:t>
-            </a:r>
-          </a:p>
-          <a:p>
-            <a:r>
-              <a:rPr lang="en-GB" dirty="0"/>
-              <a:t>Dialects</a:t>
-            </a:r>
-          </a:p>
-          <a:p>
-            <a:pPr lvl="1"/>
-            <a:r>
-              <a:rPr lang="en-GB" dirty="0"/>
-              <a:t>DMN 1.1 &amp;1.2</a:t>
-            </a:r>
-          </a:p>
-          <a:p>
-            <a:pPr lvl="1"/>
-            <a:r>
-              <a:rPr lang="en-GB" dirty="0" err="1"/>
-              <a:t>Signavio</a:t>
-            </a:r>
-            <a:endParaRPr lang="en-GB" dirty="0"/>
-          </a:p>
-        </p:txBody>
-      </p:sp>
-    </p:spTree>
-    <p:extLst>
-      <p:ext uri="{BB962C8B-B14F-4D97-AF65-F5344CB8AC3E}">
-        <p14:creationId xmlns:p14="http://schemas.microsoft.com/office/powerpoint/2010/main" val="2102199018"/>
-      </p:ext>
-    </p:extLst>
-  </p:cSld>
-  <p:clrMapOvr>
-    <a:masterClrMapping/>
-  </p:clrMapOvr>
-</p:sld>
-</file>
-
-<file path=ppt/slides/slide6.xml><?xml version="1.0" encoding="utf-8"?>
-<p:sld xmlns:a="http://schemas.openxmlformats.org/drawingml/2006/main" xmlns:r="http://schemas.openxmlformats.org/officeDocument/2006/relationships" xmlns:p="http://schemas.openxmlformats.org/presentationml/2006/main">
-  <p:cSld>
-    <p:spTree>
-      <p:nvGrpSpPr>
-        <p:cNvPr id="1" name=""/>
-        <p:cNvGrpSpPr/>
-        <p:nvPr/>
-      </p:nvGrpSpPr>
-      <p:grpSpPr>
-        <a:xfrm>
-          <a:off x="0" y="0"/>
-          <a:ext cx="0" cy="0"/>
-          <a:chOff x="0" y="0"/>
-          <a:chExt cx="0" cy="0"/>
-        </a:xfrm>
-      </p:grpSpPr>
-      <p:sp>
-        <p:nvSpPr>
-          <p:cNvPr id="2" name="Title 1"/>
-          <p:cNvSpPr>
-            <a:spLocks noGrp="1"/>
-          </p:cNvSpPr>
-          <p:nvPr>
-            <p:ph type="title"/>
-          </p:nvPr>
-        </p:nvSpPr>
-        <p:spPr/>
-        <p:txBody>
-          <a:bodyPr/>
-          <a:lstStyle/>
-          <a:p>
-            <a:r>
-              <a:rPr lang="en-GB" dirty="0"/>
-              <a:t>Overall Structure</a:t>
-            </a:r>
-          </a:p>
-        </p:txBody>
-      </p:sp>
-      <p:sp>
-        <p:nvSpPr>
-          <p:cNvPr id="4" name="Slide Number Placeholder 3"/>
-          <p:cNvSpPr>
-            <a:spLocks noGrp="1"/>
-          </p:cNvSpPr>
-          <p:nvPr>
-            <p:ph type="sldNum" sz="quarter" idx="12"/>
-          </p:nvPr>
-        </p:nvSpPr>
-        <p:spPr/>
-        <p:txBody>
-          <a:bodyPr/>
-          <a:lstStyle/>
-          <a:p>
-            <a:fld id="{EA7C8D44-3667-46F6-9772-CC52308E2A7F}" type="slidenum">
-              <a:rPr kumimoji="0" lang="en-US" smtClean="0"/>
-              <a:pPr/>
-              <a:t>6</a:t>
             </a:fld>
             <a:endParaRPr kumimoji="0" lang="en-US" dirty="0"/>
           </a:p>
@@ -7622,7 +10287,7 @@
 </p:sld>
 </file>
 
-<file path=ppt/slides/slide7.xml><?xml version="1.0" encoding="utf-8"?>
+<file path=ppt/slides/slide6.xml><?xml version="1.0" encoding="utf-8"?>
 <p:sld xmlns:a="http://schemas.openxmlformats.org/drawingml/2006/main" xmlns:r="http://schemas.openxmlformats.org/officeDocument/2006/relationships" xmlns:p="http://schemas.openxmlformats.org/presentationml/2006/main">
   <p:cSld>
     <p:spTree>
@@ -7679,7 +10344,7 @@
             <a:fld id="{EA7C8D44-3667-46F6-9772-CC52308E2A7F}" type="slidenum">
               <a:rPr kumimoji="0" lang="en-US" smtClean="0"/>
               <a:pPr/>
-              <a:t>7</a:t>
+              <a:t>6</a:t>
             </a:fld>
             <a:endParaRPr kumimoji="0" lang="en-US" dirty="0"/>
           </a:p>
@@ -7849,7 +10514,7 @@
 </p:sld>
 </file>
 
-<file path=ppt/slides/slide8.xml><?xml version="1.0" encoding="utf-8"?>
+<file path=ppt/slides/slide7.xml><?xml version="1.0" encoding="utf-8"?>
 <p:sld xmlns:a="http://schemas.openxmlformats.org/drawingml/2006/main" xmlns:r="http://schemas.openxmlformats.org/officeDocument/2006/relationships" xmlns:p="http://schemas.openxmlformats.org/presentationml/2006/main">
   <p:cSld>
     <p:spTree>
@@ -7929,7 +10594,7 @@
             <a:fld id="{EA7C8D44-3667-46F6-9772-CC52308E2A7F}" type="slidenum">
               <a:rPr kumimoji="0" lang="en-US" smtClean="0"/>
               <a:pPr/>
-              <a:t>8</a:t>
+              <a:t>7</a:t>
             </a:fld>
             <a:endParaRPr kumimoji="0" lang="en-US" dirty="0"/>
           </a:p>
@@ -8104,6 +10769,644 @@
 </p:sld>
 </file>
 
+<file path=ppt/slides/slide8.xml><?xml version="1.0" encoding="utf-8"?>
+<p:sld xmlns:a="http://schemas.openxmlformats.org/drawingml/2006/main" xmlns:r="http://schemas.openxmlformats.org/officeDocument/2006/relationships" xmlns:p="http://schemas.openxmlformats.org/presentationml/2006/main">
+  <p:cSld>
+    <p:spTree>
+      <p:nvGrpSpPr>
+        <p:cNvPr id="1" name=""/>
+        <p:cNvGrpSpPr/>
+        <p:nvPr/>
+      </p:nvGrpSpPr>
+      <p:grpSpPr>
+        <a:xfrm>
+          <a:off x="0" y="0"/>
+          <a:ext cx="0" cy="0"/>
+          <a:chOff x="0" y="0"/>
+          <a:chExt cx="0" cy="0"/>
+        </a:xfrm>
+      </p:grpSpPr>
+      <p:sp>
+        <p:nvSpPr>
+          <p:cNvPr id="2" name="Title 1"/>
+          <p:cNvSpPr>
+            <a:spLocks noGrp="1"/>
+          </p:cNvSpPr>
+          <p:nvPr>
+            <p:ph type="title"/>
+          </p:nvPr>
+        </p:nvSpPr>
+        <p:spPr/>
+        <p:txBody>
+          <a:bodyPr/>
+          <a:lstStyle/>
+          <a:p>
+            <a:r>
+              <a:rPr lang="en-GB" dirty="0"/>
+              <a:t>Translation</a:t>
+            </a:r>
+          </a:p>
+        </p:txBody>
+      </p:sp>
+      <p:sp>
+        <p:nvSpPr>
+          <p:cNvPr id="4" name="Slide Number Placeholder 3"/>
+          <p:cNvSpPr>
+            <a:spLocks noGrp="1"/>
+          </p:cNvSpPr>
+          <p:nvPr>
+            <p:ph type="sldNum" sz="quarter" idx="12"/>
+          </p:nvPr>
+        </p:nvSpPr>
+        <p:spPr/>
+        <p:txBody>
+          <a:bodyPr/>
+          <a:lstStyle/>
+          <a:p>
+            <a:fld id="{EA7C8D44-3667-46F6-9772-CC52308E2A7F}" type="slidenum">
+              <a:rPr kumimoji="0" lang="en-US" smtClean="0"/>
+              <a:pPr/>
+              <a:t>8</a:t>
+            </a:fld>
+            <a:endParaRPr kumimoji="0" lang="en-US" dirty="0"/>
+          </a:p>
+        </p:txBody>
+      </p:sp>
+      <p:sp>
+        <p:nvSpPr>
+          <p:cNvPr id="5" name="Content Placeholder 4"/>
+          <p:cNvSpPr>
+            <a:spLocks noGrp="1"/>
+          </p:cNvSpPr>
+          <p:nvPr>
+            <p:ph sz="quarter" idx="1"/>
+          </p:nvPr>
+        </p:nvSpPr>
+        <p:spPr/>
+        <p:txBody>
+          <a:bodyPr/>
+          <a:lstStyle/>
+          <a:p>
+            <a:r>
+              <a:rPr lang="en-GB" dirty="0"/>
+              <a:t>How did we built it?</a:t>
+            </a:r>
+          </a:p>
+          <a:p>
+            <a:pPr lvl="1"/>
+            <a:r>
+              <a:rPr lang="en-GB" dirty="0"/>
+              <a:t>Syntax-Driven Translation </a:t>
+            </a:r>
+            <a:r>
+              <a:rPr lang="en-GB" dirty="0" err="1"/>
+              <a:t>Schematas</a:t>
+            </a:r>
+            <a:r>
+              <a:rPr lang="en-GB" dirty="0"/>
+              <a:t> (SDTS)</a:t>
+            </a:r>
+          </a:p>
+          <a:p>
+            <a:pPr lvl="1"/>
+            <a:r>
+              <a:rPr lang="en-GB" dirty="0"/>
+              <a:t>Based on Knuth’s attributed </a:t>
+            </a:r>
+            <a:r>
+              <a:rPr lang="en-GB" dirty="0" err="1"/>
+              <a:t>gramars</a:t>
+            </a:r>
+            <a:endParaRPr lang="en-GB" dirty="0"/>
+          </a:p>
+          <a:p>
+            <a:pPr lvl="2"/>
+            <a:r>
+              <a:rPr lang="en-GB" dirty="0"/>
+              <a:t>Synthesized attributes</a:t>
+            </a:r>
+          </a:p>
+          <a:p>
+            <a:pPr lvl="2"/>
+            <a:r>
+              <a:rPr lang="en-GB" dirty="0"/>
+              <a:t>Inherited Attributes</a:t>
+            </a:r>
+          </a:p>
+          <a:p>
+            <a:pPr marL="594360" lvl="2" indent="0">
+              <a:buNone/>
+            </a:pPr>
+            <a:endParaRPr lang="en-GB" dirty="0"/>
+          </a:p>
+          <a:p>
+            <a:pPr marL="594360" lvl="2" indent="0">
+              <a:buNone/>
+            </a:pPr>
+            <a:endParaRPr lang="en-GB" dirty="0"/>
+          </a:p>
+          <a:p>
+            <a:pPr marL="0" indent="0">
+              <a:buNone/>
+            </a:pPr>
+            <a:r>
+              <a:rPr lang="en-GB" sz="1600" b="1" dirty="0">
+                <a:latin typeface="Courier" pitchFamily="49" charset="0"/>
+              </a:rPr>
+              <a:t>Expr</a:t>
+            </a:r>
+            <a:r>
+              <a:rPr lang="en-GB" sz="1600" b="1" baseline="-25000" dirty="0">
+                <a:latin typeface="Courier" pitchFamily="49" charset="0"/>
+              </a:rPr>
+              <a:t>1</a:t>
+            </a:r>
+            <a:r>
+              <a:rPr lang="en-GB" sz="1600" dirty="0">
+                <a:latin typeface="Courier" pitchFamily="49" charset="0"/>
+              </a:rPr>
+              <a:t> → </a:t>
+            </a:r>
+            <a:r>
+              <a:rPr lang="en-GB" sz="1600" b="1" dirty="0">
+                <a:latin typeface="Courier" pitchFamily="49" charset="0"/>
+              </a:rPr>
+              <a:t>Expr</a:t>
+            </a:r>
+            <a:r>
+              <a:rPr lang="en-GB" sz="1600" b="1" baseline="-25000" dirty="0">
+                <a:latin typeface="Courier" pitchFamily="49" charset="0"/>
+              </a:rPr>
+              <a:t>2</a:t>
+            </a:r>
+            <a:r>
+              <a:rPr lang="en-GB" sz="1600" dirty="0">
+                <a:latin typeface="Courier" pitchFamily="49" charset="0"/>
+              </a:rPr>
+              <a:t> + </a:t>
+            </a:r>
+            <a:r>
+              <a:rPr lang="en-GB" sz="1600" b="1" dirty="0">
+                <a:latin typeface="Courier" pitchFamily="49" charset="0"/>
+              </a:rPr>
+              <a:t>Term	</a:t>
+            </a:r>
+            <a:r>
+              <a:rPr lang="en-GB" sz="1600" dirty="0">
+                <a:latin typeface="Courier" pitchFamily="49" charset="0"/>
+              </a:rPr>
+              <a:t>{ </a:t>
+            </a:r>
+            <a:r>
+              <a:rPr lang="en-GB" sz="1600" b="1" dirty="0">
+                <a:latin typeface="Courier" pitchFamily="49" charset="0"/>
+              </a:rPr>
+              <a:t>Expr</a:t>
+            </a:r>
+            <a:r>
+              <a:rPr lang="en-GB" sz="1600" b="1" baseline="-25000" dirty="0">
+                <a:latin typeface="Courier" pitchFamily="49" charset="0"/>
+              </a:rPr>
+              <a:t>1</a:t>
+            </a:r>
+            <a:r>
+              <a:rPr lang="en-GB" sz="1600" dirty="0">
+                <a:latin typeface="Courier" pitchFamily="49" charset="0"/>
+              </a:rPr>
+              <a:t>.value = </a:t>
+            </a:r>
+            <a:r>
+              <a:rPr lang="en-GB" sz="1600" b="1" dirty="0">
+                <a:latin typeface="Courier" pitchFamily="49" charset="0"/>
+              </a:rPr>
+              <a:t>Expr</a:t>
+            </a:r>
+            <a:r>
+              <a:rPr lang="en-GB" sz="1600" b="1" baseline="-25000" dirty="0">
+                <a:latin typeface="Courier" pitchFamily="49" charset="0"/>
+              </a:rPr>
+              <a:t>2</a:t>
+            </a:r>
+            <a:r>
+              <a:rPr lang="en-GB" sz="1600" dirty="0">
+                <a:latin typeface="Courier" pitchFamily="49" charset="0"/>
+              </a:rPr>
+              <a:t>.value + </a:t>
+            </a:r>
+            <a:r>
+              <a:rPr lang="en-GB" sz="1600" b="1" dirty="0" err="1">
+                <a:latin typeface="Courier" pitchFamily="49" charset="0"/>
+              </a:rPr>
+              <a:t>Term</a:t>
+            </a:r>
+            <a:r>
+              <a:rPr lang="en-GB" sz="1600" dirty="0" err="1">
+                <a:latin typeface="Courier" pitchFamily="49" charset="0"/>
+              </a:rPr>
+              <a:t>.value</a:t>
+            </a:r>
+            <a:r>
+              <a:rPr lang="en-GB" sz="1600" dirty="0">
+                <a:latin typeface="Courier" pitchFamily="49" charset="0"/>
+              </a:rPr>
+              <a:t> }</a:t>
+            </a:r>
+          </a:p>
+          <a:p>
+            <a:pPr marL="0" indent="0">
+              <a:buNone/>
+            </a:pPr>
+            <a:r>
+              <a:rPr lang="en-GB" sz="1600" b="1" dirty="0">
+                <a:latin typeface="Courier" pitchFamily="49" charset="0"/>
+              </a:rPr>
+              <a:t>Expr</a:t>
+            </a:r>
+            <a:r>
+              <a:rPr lang="en-GB" sz="1600" dirty="0">
+                <a:latin typeface="Courier" pitchFamily="49" charset="0"/>
+              </a:rPr>
+              <a:t> → </a:t>
+            </a:r>
+            <a:r>
+              <a:rPr lang="en-GB" sz="1600" b="1" dirty="0">
+                <a:latin typeface="Courier" pitchFamily="49" charset="0"/>
+              </a:rPr>
+              <a:t>Term</a:t>
+            </a:r>
+            <a:r>
+              <a:rPr lang="en-GB" sz="1600" dirty="0">
+                <a:latin typeface="Courier" pitchFamily="49" charset="0"/>
+              </a:rPr>
+              <a:t>		{ </a:t>
+            </a:r>
+            <a:r>
+              <a:rPr lang="en-GB" sz="1600" b="1" dirty="0" err="1">
+                <a:latin typeface="Courier" pitchFamily="49" charset="0"/>
+              </a:rPr>
+              <a:t>Expr</a:t>
+            </a:r>
+            <a:r>
+              <a:rPr lang="en-GB" sz="1600" dirty="0" err="1">
+                <a:latin typeface="Courier" pitchFamily="49" charset="0"/>
+              </a:rPr>
+              <a:t>.value</a:t>
+            </a:r>
+            <a:r>
+              <a:rPr lang="en-GB" sz="1600" dirty="0">
+                <a:latin typeface="Courier" pitchFamily="49" charset="0"/>
+              </a:rPr>
+              <a:t> = </a:t>
+            </a:r>
+            <a:r>
+              <a:rPr lang="en-GB" sz="1600" b="1" dirty="0" err="1">
+                <a:latin typeface="Courier" pitchFamily="49" charset="0"/>
+              </a:rPr>
+              <a:t>Term</a:t>
+            </a:r>
+            <a:r>
+              <a:rPr lang="en-GB" sz="1600" dirty="0" err="1">
+                <a:latin typeface="Courier" pitchFamily="49" charset="0"/>
+              </a:rPr>
+              <a:t>.value</a:t>
+            </a:r>
+            <a:r>
+              <a:rPr lang="en-GB" sz="1600" dirty="0">
+                <a:latin typeface="Courier" pitchFamily="49" charset="0"/>
+              </a:rPr>
+              <a:t> }</a:t>
+            </a:r>
+          </a:p>
+          <a:p>
+            <a:pPr marL="0" indent="0">
+              <a:buNone/>
+            </a:pPr>
+            <a:r>
+              <a:rPr lang="en-GB" sz="1600" b="1" dirty="0">
+                <a:latin typeface="Courier" pitchFamily="49" charset="0"/>
+              </a:rPr>
+              <a:t>Term</a:t>
+            </a:r>
+            <a:r>
+              <a:rPr lang="en-GB" sz="1600" b="1" baseline="-25000" dirty="0">
+                <a:latin typeface="Courier" pitchFamily="49" charset="0"/>
+              </a:rPr>
+              <a:t>1</a:t>
+            </a:r>
+            <a:r>
+              <a:rPr lang="en-GB" sz="1600" dirty="0">
+                <a:latin typeface="Courier" pitchFamily="49" charset="0"/>
+              </a:rPr>
+              <a:t> → </a:t>
+            </a:r>
+            <a:r>
+              <a:rPr lang="en-GB" sz="1600" b="1" dirty="0">
+                <a:latin typeface="Courier" pitchFamily="49" charset="0"/>
+              </a:rPr>
+              <a:t>Term</a:t>
+            </a:r>
+            <a:r>
+              <a:rPr lang="en-GB" sz="1600" b="1" baseline="-25000" dirty="0">
+                <a:latin typeface="Courier" pitchFamily="49" charset="0"/>
+              </a:rPr>
+              <a:t>2</a:t>
+            </a:r>
+            <a:r>
+              <a:rPr lang="en-GB" sz="1600" dirty="0">
+                <a:latin typeface="Courier" pitchFamily="49" charset="0"/>
+              </a:rPr>
+              <a:t> * </a:t>
+            </a:r>
+            <a:r>
+              <a:rPr lang="en-GB" sz="1600" b="1" dirty="0">
+                <a:latin typeface="Courier" pitchFamily="49" charset="0"/>
+              </a:rPr>
+              <a:t>Factor	</a:t>
+            </a:r>
+            <a:r>
+              <a:rPr lang="en-GB" sz="1600" dirty="0">
+                <a:latin typeface="Courier" pitchFamily="49" charset="0"/>
+              </a:rPr>
+              <a:t>{ </a:t>
+            </a:r>
+            <a:r>
+              <a:rPr lang="en-GB" sz="1600" b="1" dirty="0">
+                <a:latin typeface="Courier" pitchFamily="49" charset="0"/>
+              </a:rPr>
+              <a:t>Term</a:t>
+            </a:r>
+            <a:r>
+              <a:rPr lang="en-GB" sz="1600" b="1" baseline="-25000" dirty="0">
+                <a:latin typeface="Courier" pitchFamily="49" charset="0"/>
+              </a:rPr>
+              <a:t>1</a:t>
+            </a:r>
+            <a:r>
+              <a:rPr lang="en-GB" sz="1600" dirty="0">
+                <a:latin typeface="Courier" pitchFamily="49" charset="0"/>
+              </a:rPr>
+              <a:t>.value = </a:t>
+            </a:r>
+            <a:r>
+              <a:rPr lang="en-GB" sz="1600" b="1" dirty="0">
+                <a:latin typeface="Courier" pitchFamily="49" charset="0"/>
+              </a:rPr>
+              <a:t>Term</a:t>
+            </a:r>
+            <a:r>
+              <a:rPr lang="en-GB" sz="1600" b="1" baseline="-25000" dirty="0">
+                <a:latin typeface="Courier" pitchFamily="49" charset="0"/>
+              </a:rPr>
+              <a:t>2</a:t>
+            </a:r>
+            <a:r>
+              <a:rPr lang="en-GB" sz="1600" dirty="0">
+                <a:latin typeface="Courier" pitchFamily="49" charset="0"/>
+              </a:rPr>
+              <a:t>.value * </a:t>
+            </a:r>
+            <a:r>
+              <a:rPr lang="en-GB" sz="1600" b="1" dirty="0" err="1">
+                <a:latin typeface="Courier" pitchFamily="49" charset="0"/>
+              </a:rPr>
+              <a:t>Factor</a:t>
+            </a:r>
+            <a:r>
+              <a:rPr lang="en-GB" sz="1600" dirty="0" err="1">
+                <a:latin typeface="Courier" pitchFamily="49" charset="0"/>
+              </a:rPr>
+              <a:t>.value</a:t>
+            </a:r>
+            <a:r>
+              <a:rPr lang="en-GB" sz="1600" dirty="0">
+                <a:latin typeface="Courier" pitchFamily="49" charset="0"/>
+              </a:rPr>
+              <a:t> }</a:t>
+            </a:r>
+          </a:p>
+          <a:p>
+            <a:pPr marL="0" indent="0">
+              <a:buNone/>
+            </a:pPr>
+            <a:r>
+              <a:rPr lang="en-GB" sz="1600" b="1" dirty="0">
+                <a:latin typeface="Courier" pitchFamily="49" charset="0"/>
+              </a:rPr>
+              <a:t>Term</a:t>
+            </a:r>
+            <a:r>
+              <a:rPr lang="en-GB" sz="1600" dirty="0">
+                <a:latin typeface="Courier" pitchFamily="49" charset="0"/>
+              </a:rPr>
+              <a:t> → </a:t>
+            </a:r>
+            <a:r>
+              <a:rPr lang="en-GB" sz="1600" b="1" dirty="0">
+                <a:latin typeface="Courier" pitchFamily="49" charset="0"/>
+              </a:rPr>
+              <a:t>Factor</a:t>
+            </a:r>
+            <a:r>
+              <a:rPr lang="en-GB" sz="1600" dirty="0">
+                <a:latin typeface="Courier" pitchFamily="49" charset="0"/>
+              </a:rPr>
+              <a:t>		{ </a:t>
+            </a:r>
+            <a:r>
+              <a:rPr lang="en-GB" sz="1600" b="1" dirty="0" err="1">
+                <a:latin typeface="Courier" pitchFamily="49" charset="0"/>
+              </a:rPr>
+              <a:t>Term</a:t>
+            </a:r>
+            <a:r>
+              <a:rPr lang="en-GB" sz="1600" dirty="0" err="1">
+                <a:latin typeface="Courier" pitchFamily="49" charset="0"/>
+              </a:rPr>
+              <a:t>.value</a:t>
+            </a:r>
+            <a:r>
+              <a:rPr lang="en-GB" sz="1600" dirty="0">
+                <a:latin typeface="Courier" pitchFamily="49" charset="0"/>
+              </a:rPr>
+              <a:t> = </a:t>
+            </a:r>
+            <a:r>
+              <a:rPr lang="en-GB" sz="1600" b="1" dirty="0" err="1">
+                <a:latin typeface="Courier" pitchFamily="49" charset="0"/>
+              </a:rPr>
+              <a:t>Factor</a:t>
+            </a:r>
+            <a:r>
+              <a:rPr lang="en-GB" sz="1600" dirty="0" err="1">
+                <a:latin typeface="Courier" pitchFamily="49" charset="0"/>
+              </a:rPr>
+              <a:t>.value</a:t>
+            </a:r>
+            <a:r>
+              <a:rPr lang="en-GB" sz="1600" dirty="0">
+                <a:latin typeface="Courier" pitchFamily="49" charset="0"/>
+              </a:rPr>
+              <a:t> } </a:t>
+            </a:r>
+          </a:p>
+          <a:p>
+            <a:pPr marL="0" indent="0">
+              <a:buNone/>
+            </a:pPr>
+            <a:r>
+              <a:rPr lang="en-GB" sz="1600" b="1" dirty="0">
+                <a:latin typeface="Courier" pitchFamily="49" charset="0"/>
+              </a:rPr>
+              <a:t>Factor</a:t>
+            </a:r>
+            <a:r>
+              <a:rPr lang="en-GB" sz="1600" dirty="0">
+                <a:latin typeface="Courier" pitchFamily="49" charset="0"/>
+              </a:rPr>
+              <a:t> → "(" </a:t>
+            </a:r>
+            <a:r>
+              <a:rPr lang="en-GB" sz="1600" b="1" dirty="0">
+                <a:latin typeface="Courier" pitchFamily="49" charset="0"/>
+              </a:rPr>
+              <a:t>Expr</a:t>
+            </a:r>
+            <a:r>
+              <a:rPr lang="en-GB" sz="1600" dirty="0">
+                <a:latin typeface="Courier" pitchFamily="49" charset="0"/>
+              </a:rPr>
+              <a:t> ")	{ </a:t>
+            </a:r>
+            <a:r>
+              <a:rPr lang="en-GB" sz="1600" b="1" dirty="0" err="1">
+                <a:latin typeface="Courier" pitchFamily="49" charset="0"/>
+              </a:rPr>
+              <a:t>Factor</a:t>
+            </a:r>
+            <a:r>
+              <a:rPr lang="en-GB" sz="1600" dirty="0" err="1">
+                <a:latin typeface="Courier" pitchFamily="49" charset="0"/>
+              </a:rPr>
+              <a:t>.value</a:t>
+            </a:r>
+            <a:r>
+              <a:rPr lang="en-GB" sz="1600" dirty="0">
+                <a:latin typeface="Courier" pitchFamily="49" charset="0"/>
+              </a:rPr>
+              <a:t> = </a:t>
+            </a:r>
+            <a:r>
+              <a:rPr lang="en-GB" sz="1600" b="1" dirty="0" err="1">
+                <a:latin typeface="Courier" pitchFamily="49" charset="0"/>
+              </a:rPr>
+              <a:t>Expr</a:t>
+            </a:r>
+            <a:r>
+              <a:rPr lang="en-GB" sz="1600" dirty="0" err="1">
+                <a:latin typeface="Courier" pitchFamily="49" charset="0"/>
+              </a:rPr>
+              <a:t>.value</a:t>
+            </a:r>
+            <a:r>
+              <a:rPr lang="en-GB" sz="1600" dirty="0">
+                <a:latin typeface="Courier" pitchFamily="49" charset="0"/>
+              </a:rPr>
+              <a:t> } </a:t>
+            </a:r>
+          </a:p>
+          <a:p>
+            <a:pPr marL="0" indent="0">
+              <a:buNone/>
+            </a:pPr>
+            <a:r>
+              <a:rPr lang="en-GB" sz="1600" b="1" dirty="0">
+                <a:latin typeface="Courier" pitchFamily="49" charset="0"/>
+              </a:rPr>
+              <a:t>Factor</a:t>
+            </a:r>
+            <a:r>
+              <a:rPr lang="en-GB" sz="1600" dirty="0">
+                <a:latin typeface="Courier" pitchFamily="49" charset="0"/>
+              </a:rPr>
+              <a:t> → </a:t>
+            </a:r>
+            <a:r>
+              <a:rPr lang="en-GB" sz="1600" i="1" dirty="0">
+                <a:latin typeface="Courier" pitchFamily="49" charset="0"/>
+              </a:rPr>
+              <a:t>integer</a:t>
+            </a:r>
+            <a:r>
+              <a:rPr lang="en-GB" sz="1600" dirty="0">
+                <a:latin typeface="Courier" pitchFamily="49" charset="0"/>
+              </a:rPr>
+              <a:t> 	{ </a:t>
+            </a:r>
+            <a:r>
+              <a:rPr lang="en-GB" sz="1600" b="1" dirty="0" err="1">
+                <a:latin typeface="Courier" pitchFamily="49" charset="0"/>
+              </a:rPr>
+              <a:t>Factor</a:t>
+            </a:r>
+            <a:r>
+              <a:rPr lang="en-GB" sz="1600" dirty="0" err="1">
+                <a:latin typeface="Courier" pitchFamily="49" charset="0"/>
+              </a:rPr>
+              <a:t>.value</a:t>
+            </a:r>
+            <a:r>
+              <a:rPr lang="en-GB" sz="1600" dirty="0">
+                <a:latin typeface="Courier" pitchFamily="49" charset="0"/>
+              </a:rPr>
+              <a:t> = </a:t>
+            </a:r>
+            <a:r>
+              <a:rPr lang="en-GB" sz="1600" dirty="0" err="1">
+                <a:latin typeface="Courier" pitchFamily="49" charset="0"/>
+              </a:rPr>
+              <a:t>strToInt</a:t>
+            </a:r>
+            <a:r>
+              <a:rPr lang="en-GB" sz="1600" dirty="0">
+                <a:latin typeface="Courier" pitchFamily="49" charset="0"/>
+              </a:rPr>
+              <a:t>(</a:t>
+            </a:r>
+            <a:r>
+              <a:rPr lang="en-GB" sz="1600" i="1" dirty="0" err="1">
+                <a:latin typeface="Courier" pitchFamily="49" charset="0"/>
+              </a:rPr>
+              <a:t>integer</a:t>
+            </a:r>
+            <a:r>
+              <a:rPr lang="en-GB" sz="1600" dirty="0" err="1">
+                <a:latin typeface="Courier" pitchFamily="49" charset="0"/>
+              </a:rPr>
+              <a:t>.str</a:t>
+            </a:r>
+            <a:r>
+              <a:rPr lang="en-GB" sz="1600" dirty="0">
+                <a:latin typeface="Courier" pitchFamily="49" charset="0"/>
+              </a:rPr>
+              <a:t>) }</a:t>
+            </a:r>
+            <a:endParaRPr lang="en-GB" dirty="0"/>
+          </a:p>
+        </p:txBody>
+      </p:sp>
+    </p:spTree>
+    <p:extLst>
+      <p:ext uri="{BB962C8B-B14F-4D97-AF65-F5344CB8AC3E}">
+        <p14:creationId xmlns:p14="http://schemas.microsoft.com/office/powerpoint/2010/main" val="3834245864"/>
+      </p:ext>
+    </p:extLst>
+  </p:cSld>
+  <p:clrMapOvr>
+    <a:masterClrMapping/>
+  </p:clrMapOvr>
+</p:sld>
+</file>
+
 <file path=ppt/slides/slide9.xml><?xml version="1.0" encoding="utf-8"?>
 <p:sld xmlns:a="http://schemas.openxmlformats.org/drawingml/2006/main" xmlns:r="http://schemas.openxmlformats.org/officeDocument/2006/relationships" xmlns:p="http://schemas.openxmlformats.org/presentationml/2006/main">
   <p:cSld>
@@ -8179,562 +11482,59 @@
         </p:nvSpPr>
         <p:spPr/>
         <p:txBody>
-          <a:bodyPr/>
+          <a:bodyPr>
+            <a:normAutofit/>
+          </a:bodyPr>
           <a:lstStyle/>
           <a:p>
+            <a:endParaRPr lang="en-GB" dirty="0"/>
+          </a:p>
+          <a:p>
             <a:r>
               <a:rPr lang="en-GB" dirty="0"/>
-              <a:t>How did we built it?</a:t>
+              <a:t>Advantages include</a:t>
             </a:r>
           </a:p>
           <a:p>
             <a:pPr lvl="1"/>
             <a:r>
+              <a:rPr lang="en-GB" i="1" dirty="0"/>
+              <a:t>Performance</a:t>
+            </a:r>
+            <a:r>
               <a:rPr lang="en-GB" dirty="0"/>
-              <a:t>Syntax-Driven Translation </a:t>
-            </a:r>
-            <a:r>
-              <a:rPr lang="en-GB" dirty="0" err="1"/>
-              <a:t>Schematas</a:t>
+              <a:t>: we have seen runtimes 4-10 times faster than previous engine execution in complex decision tests</a:t>
+            </a:r>
+          </a:p>
+          <a:p>
+            <a:pPr lvl="1"/>
+            <a:r>
+              <a:rPr lang="en-GB" i="1" dirty="0"/>
+              <a:t>Stability:</a:t>
             </a:r>
             <a:r>
               <a:rPr lang="en-GB" dirty="0"/>
-              <a:t> (SDTS)</a:t>
+              <a:t> given that we now control the code generation, we are able to resolve issues without relying on the vendor</a:t>
             </a:r>
           </a:p>
           <a:p>
             <a:pPr lvl="1"/>
             <a:r>
+              <a:rPr lang="en-GB" i="1" dirty="0"/>
+              <a:t>Functionality:</a:t>
+            </a:r>
+            <a:r>
               <a:rPr lang="en-GB" dirty="0"/>
-              <a:t>Based on Knuth’s attributed </a:t>
-            </a:r>
-            <a:r>
-              <a:rPr lang="en-GB" dirty="0" err="1"/>
-              <a:t>gramars</a:t>
-            </a:r>
+              <a:t> the fact that we control the code generation means that we are also able to enable more advanced functionality for DMN/Java models</a:t>
+            </a:r>
+          </a:p>
+          <a:p>
+            <a:pPr lvl="1"/>
             <a:endParaRPr lang="en-GB" dirty="0"/>
           </a:p>
-          <a:p>
-            <a:pPr lvl="2"/>
-            <a:r>
-              <a:rPr lang="en-GB" dirty="0"/>
-              <a:t>Synthesized attributes</a:t>
-            </a:r>
-          </a:p>
-          <a:p>
-            <a:pPr lvl="2"/>
-            <a:r>
-              <a:rPr lang="en-GB" dirty="0"/>
-              <a:t>Inherited Attributes</a:t>
-            </a:r>
-          </a:p>
-          <a:p>
-            <a:pPr marL="594360" lvl="2" indent="0">
-              <a:buNone/>
-            </a:pPr>
-            <a:endParaRPr lang="en-GB" dirty="0"/>
-          </a:p>
-          <a:p>
-            <a:pPr marL="594360" lvl="2" indent="0">
-              <a:buNone/>
-            </a:pPr>
-            <a:endParaRPr lang="en-GB" dirty="0"/>
-          </a:p>
-          <a:p>
-            <a:pPr marL="0" indent="0">
-              <a:buNone/>
-            </a:pPr>
-            <a:r>
-              <a:rPr lang="en-GB" sz="1600" b="1" dirty="0">
-                <a:latin typeface="Courier" pitchFamily="49" charset="0"/>
-              </a:rPr>
-              <a:t>Expr</a:t>
-            </a:r>
-            <a:r>
-              <a:rPr lang="en-GB" sz="1600" b="1" baseline="-25000" dirty="0">
-                <a:latin typeface="Courier" pitchFamily="49" charset="0"/>
-              </a:rPr>
-              <a:t>1</a:t>
-            </a:r>
-            <a:r>
-              <a:rPr lang="en-GB" sz="1600" dirty="0">
-                <a:latin typeface="Courier" pitchFamily="49" charset="0"/>
-              </a:rPr>
-              <a:t> → </a:t>
-            </a:r>
-            <a:r>
-              <a:rPr lang="en-GB" sz="1600" b="1" dirty="0">
-                <a:latin typeface="Courier" pitchFamily="49" charset="0"/>
-              </a:rPr>
-              <a:t>Expr</a:t>
-            </a:r>
-            <a:r>
-              <a:rPr lang="en-GB" sz="1600" b="1" baseline="-25000" dirty="0">
-                <a:latin typeface="Courier" pitchFamily="49" charset="0"/>
-              </a:rPr>
-              <a:t>2</a:t>
-            </a:r>
-            <a:r>
-              <a:rPr lang="en-GB" sz="1600" dirty="0">
-                <a:latin typeface="Courier" pitchFamily="49" charset="0"/>
-              </a:rPr>
-              <a:t> + </a:t>
-            </a:r>
-            <a:r>
-              <a:rPr lang="en-GB" sz="1600" b="1" dirty="0">
-                <a:latin typeface="Courier" pitchFamily="49" charset="0"/>
-              </a:rPr>
-              <a:t>Term	</a:t>
-            </a:r>
-            <a:r>
-              <a:rPr lang="en-GB" sz="1600" dirty="0">
-                <a:latin typeface="Courier" pitchFamily="49" charset="0"/>
-              </a:rPr>
-              <a:t>{ </a:t>
-            </a:r>
-            <a:r>
-              <a:rPr lang="en-GB" sz="1600" b="1" dirty="0">
-                <a:latin typeface="Courier" pitchFamily="49" charset="0"/>
-              </a:rPr>
-              <a:t>Expr</a:t>
-            </a:r>
-            <a:r>
-              <a:rPr lang="en-GB" sz="1600" b="1" baseline="-25000" dirty="0">
-                <a:latin typeface="Courier" pitchFamily="49" charset="0"/>
-              </a:rPr>
-              <a:t>1</a:t>
-            </a:r>
-            <a:r>
-              <a:rPr lang="en-GB" sz="1600" dirty="0">
-                <a:latin typeface="Courier" pitchFamily="49" charset="0"/>
-              </a:rPr>
-              <a:t>.value = </a:t>
-            </a:r>
-            <a:r>
-              <a:rPr lang="en-GB" sz="1600" b="1" dirty="0">
-                <a:latin typeface="Courier" pitchFamily="49" charset="0"/>
-              </a:rPr>
-              <a:t>Expr</a:t>
-            </a:r>
-            <a:r>
-              <a:rPr lang="en-GB" sz="1600" b="1" baseline="-25000" dirty="0">
-                <a:latin typeface="Courier" pitchFamily="49" charset="0"/>
-              </a:rPr>
-              <a:t>2</a:t>
-            </a:r>
-            <a:r>
-              <a:rPr lang="en-GB" sz="1600" dirty="0">
-                <a:latin typeface="Courier" pitchFamily="49" charset="0"/>
-              </a:rPr>
-              <a:t>.value + </a:t>
-            </a:r>
-            <a:r>
-              <a:rPr lang="en-GB" sz="1600" b="1" dirty="0" err="1">
-                <a:latin typeface="Courier" pitchFamily="49" charset="0"/>
-              </a:rPr>
-              <a:t>Term</a:t>
-            </a:r>
-            <a:r>
-              <a:rPr lang="en-GB" sz="1600" dirty="0" err="1">
-                <a:latin typeface="Courier" pitchFamily="49" charset="0"/>
-              </a:rPr>
-              <a:t>.value</a:t>
-            </a:r>
-            <a:r>
-              <a:rPr lang="en-GB" sz="1600" dirty="0">
-                <a:latin typeface="Courier" pitchFamily="49" charset="0"/>
-              </a:rPr>
-              <a:t> }</a:t>
-            </a:r>
-          </a:p>
-          <a:p>
-            <a:pPr marL="0" indent="0">
-              <a:buNone/>
-            </a:pPr>
-            <a:r>
-              <a:rPr lang="en-GB" sz="1600" b="1" dirty="0">
-                <a:latin typeface="Courier" pitchFamily="49" charset="0"/>
-              </a:rPr>
-              <a:t>Expr</a:t>
-            </a:r>
-            <a:r>
-              <a:rPr lang="en-GB" sz="1600" dirty="0">
-                <a:latin typeface="Courier" pitchFamily="49" charset="0"/>
-              </a:rPr>
-              <a:t> → </a:t>
-            </a:r>
-            <a:r>
-              <a:rPr lang="en-GB" sz="1600" b="1" dirty="0">
-                <a:latin typeface="Courier" pitchFamily="49" charset="0"/>
-              </a:rPr>
-              <a:t>Term</a:t>
-            </a:r>
-            <a:r>
-              <a:rPr lang="en-GB" sz="1600" dirty="0">
-                <a:latin typeface="Courier" pitchFamily="49" charset="0"/>
-              </a:rPr>
-              <a:t>		{ </a:t>
-            </a:r>
-            <a:r>
-              <a:rPr lang="en-GB" sz="1600" b="1" dirty="0" err="1">
-                <a:latin typeface="Courier" pitchFamily="49" charset="0"/>
-              </a:rPr>
-              <a:t>Expr</a:t>
-            </a:r>
-            <a:r>
-              <a:rPr lang="en-GB" sz="1600" dirty="0" err="1">
-                <a:latin typeface="Courier" pitchFamily="49" charset="0"/>
-              </a:rPr>
-              <a:t>.value</a:t>
-            </a:r>
-            <a:r>
-              <a:rPr lang="en-GB" sz="1600" dirty="0">
-                <a:latin typeface="Courier" pitchFamily="49" charset="0"/>
-              </a:rPr>
-              <a:t> = </a:t>
-            </a:r>
-            <a:r>
-              <a:rPr lang="en-GB" sz="1600" b="1" dirty="0" err="1">
-                <a:latin typeface="Courier" pitchFamily="49" charset="0"/>
-              </a:rPr>
-              <a:t>Term</a:t>
-            </a:r>
-            <a:r>
-              <a:rPr lang="en-GB" sz="1600" dirty="0" err="1">
-                <a:latin typeface="Courier" pitchFamily="49" charset="0"/>
-              </a:rPr>
-              <a:t>.value</a:t>
-            </a:r>
-            <a:r>
-              <a:rPr lang="en-GB" sz="1600" dirty="0">
-                <a:latin typeface="Courier" pitchFamily="49" charset="0"/>
-              </a:rPr>
-              <a:t> }</a:t>
-            </a:r>
-          </a:p>
-          <a:p>
-            <a:pPr marL="0" indent="0">
-              <a:buNone/>
-            </a:pPr>
-            <a:r>
-              <a:rPr lang="en-GB" sz="1600" b="1" dirty="0">
-                <a:latin typeface="Courier" pitchFamily="49" charset="0"/>
-              </a:rPr>
-              <a:t>Term</a:t>
-            </a:r>
-            <a:r>
-              <a:rPr lang="en-GB" sz="1600" b="1" baseline="-25000" dirty="0">
-                <a:latin typeface="Courier" pitchFamily="49" charset="0"/>
-              </a:rPr>
-              <a:t>1</a:t>
-            </a:r>
-            <a:r>
-              <a:rPr lang="en-GB" sz="1600" dirty="0">
-                <a:latin typeface="Courier" pitchFamily="49" charset="0"/>
-              </a:rPr>
-              <a:t> → </a:t>
-            </a:r>
-            <a:r>
-              <a:rPr lang="en-GB" sz="1600" b="1" dirty="0">
-                <a:latin typeface="Courier" pitchFamily="49" charset="0"/>
-              </a:rPr>
-              <a:t>Term</a:t>
-            </a:r>
-            <a:r>
-              <a:rPr lang="en-GB" sz="1600" b="1" baseline="-25000" dirty="0">
-                <a:latin typeface="Courier" pitchFamily="49" charset="0"/>
-              </a:rPr>
-              <a:t>2</a:t>
-            </a:r>
-            <a:r>
-              <a:rPr lang="en-GB" sz="1600" dirty="0">
-                <a:latin typeface="Courier" pitchFamily="49" charset="0"/>
-              </a:rPr>
-              <a:t> * </a:t>
-            </a:r>
-            <a:r>
-              <a:rPr lang="en-GB" sz="1600" b="1" dirty="0">
-                <a:latin typeface="Courier" pitchFamily="49" charset="0"/>
-              </a:rPr>
-              <a:t>Factor	</a:t>
-            </a:r>
-            <a:r>
-              <a:rPr lang="en-GB" sz="1600" dirty="0">
-                <a:latin typeface="Courier" pitchFamily="49" charset="0"/>
-              </a:rPr>
-              <a:t>{ </a:t>
-            </a:r>
-            <a:r>
-              <a:rPr lang="en-GB" sz="1600" b="1" dirty="0">
-                <a:latin typeface="Courier" pitchFamily="49" charset="0"/>
-              </a:rPr>
-              <a:t>Term</a:t>
-            </a:r>
-            <a:r>
-              <a:rPr lang="en-GB" sz="1600" b="1" baseline="-25000" dirty="0">
-                <a:latin typeface="Courier" pitchFamily="49" charset="0"/>
-              </a:rPr>
-              <a:t>1</a:t>
-            </a:r>
-            <a:r>
-              <a:rPr lang="en-GB" sz="1600" dirty="0">
-                <a:latin typeface="Courier" pitchFamily="49" charset="0"/>
-              </a:rPr>
-              <a:t>.value = </a:t>
-            </a:r>
-            <a:r>
-              <a:rPr lang="en-GB" sz="1600" b="1" dirty="0">
-                <a:latin typeface="Courier" pitchFamily="49" charset="0"/>
-              </a:rPr>
-              <a:t>Term</a:t>
-            </a:r>
-            <a:r>
-              <a:rPr lang="en-GB" sz="1600" b="1" baseline="-25000" dirty="0">
-                <a:latin typeface="Courier" pitchFamily="49" charset="0"/>
-              </a:rPr>
-              <a:t>2</a:t>
-            </a:r>
-            <a:r>
-              <a:rPr lang="en-GB" sz="1600" dirty="0">
-                <a:latin typeface="Courier" pitchFamily="49" charset="0"/>
-              </a:rPr>
-              <a:t>.value * </a:t>
-            </a:r>
-            <a:r>
-              <a:rPr lang="en-GB" sz="1600" b="1" dirty="0" err="1">
-                <a:latin typeface="Courier" pitchFamily="49" charset="0"/>
-              </a:rPr>
-              <a:t>Factor</a:t>
-            </a:r>
-            <a:r>
-              <a:rPr lang="en-GB" sz="1600" dirty="0" err="1">
-                <a:latin typeface="Courier" pitchFamily="49" charset="0"/>
-              </a:rPr>
-              <a:t>.value</a:t>
-            </a:r>
-            <a:r>
-              <a:rPr lang="en-GB" sz="1600" dirty="0">
-                <a:latin typeface="Courier" pitchFamily="49" charset="0"/>
-              </a:rPr>
-              <a:t> }</a:t>
-            </a:r>
-          </a:p>
-          <a:p>
-            <a:pPr marL="0" indent="0">
-              <a:buNone/>
-            </a:pPr>
-            <a:r>
-              <a:rPr lang="en-GB" sz="1600" b="1" dirty="0">
-                <a:latin typeface="Courier" pitchFamily="49" charset="0"/>
-              </a:rPr>
-              <a:t>Term</a:t>
-            </a:r>
-            <a:r>
-              <a:rPr lang="en-GB" sz="1600" dirty="0">
-                <a:latin typeface="Courier" pitchFamily="49" charset="0"/>
-              </a:rPr>
-              <a:t> → </a:t>
-            </a:r>
-            <a:r>
-              <a:rPr lang="en-GB" sz="1600" b="1" dirty="0">
-                <a:latin typeface="Courier" pitchFamily="49" charset="0"/>
-              </a:rPr>
-              <a:t>Factor</a:t>
-            </a:r>
-            <a:r>
-              <a:rPr lang="en-GB" sz="1600" dirty="0">
-                <a:latin typeface="Courier" pitchFamily="49" charset="0"/>
-              </a:rPr>
-              <a:t>		{ </a:t>
-            </a:r>
-            <a:r>
-              <a:rPr lang="en-GB" sz="1600" b="1" dirty="0" err="1">
-                <a:latin typeface="Courier" pitchFamily="49" charset="0"/>
-              </a:rPr>
-              <a:t>Term</a:t>
-            </a:r>
-            <a:r>
-              <a:rPr lang="en-GB" sz="1600" dirty="0" err="1">
-                <a:latin typeface="Courier" pitchFamily="49" charset="0"/>
-              </a:rPr>
-              <a:t>.value</a:t>
-            </a:r>
-            <a:r>
-              <a:rPr lang="en-GB" sz="1600" dirty="0">
-                <a:latin typeface="Courier" pitchFamily="49" charset="0"/>
-              </a:rPr>
-              <a:t> = </a:t>
-            </a:r>
-            <a:r>
-              <a:rPr lang="en-GB" sz="1600" b="1" dirty="0" err="1">
-                <a:latin typeface="Courier" pitchFamily="49" charset="0"/>
-              </a:rPr>
-              <a:t>Factor</a:t>
-            </a:r>
-            <a:r>
-              <a:rPr lang="en-GB" sz="1600" dirty="0" err="1">
-                <a:latin typeface="Courier" pitchFamily="49" charset="0"/>
-              </a:rPr>
-              <a:t>.value</a:t>
-            </a:r>
-            <a:r>
-              <a:rPr lang="en-GB" sz="1600" dirty="0">
-                <a:latin typeface="Courier" pitchFamily="49" charset="0"/>
-              </a:rPr>
-              <a:t> } </a:t>
-            </a:r>
-          </a:p>
-          <a:p>
-            <a:pPr marL="0" indent="0">
-              <a:buNone/>
-            </a:pPr>
-            <a:r>
-              <a:rPr lang="en-GB" sz="1600" b="1" dirty="0">
-                <a:latin typeface="Courier" pitchFamily="49" charset="0"/>
-              </a:rPr>
-              <a:t>Factor</a:t>
-            </a:r>
-            <a:r>
-              <a:rPr lang="en-GB" sz="1600" dirty="0">
-                <a:latin typeface="Courier" pitchFamily="49" charset="0"/>
-              </a:rPr>
-              <a:t> → "(" </a:t>
-            </a:r>
-            <a:r>
-              <a:rPr lang="en-GB" sz="1600" b="1" dirty="0">
-                <a:latin typeface="Courier" pitchFamily="49" charset="0"/>
-              </a:rPr>
-              <a:t>Expr</a:t>
-            </a:r>
-            <a:r>
-              <a:rPr lang="en-GB" sz="1600" dirty="0">
-                <a:latin typeface="Courier" pitchFamily="49" charset="0"/>
-              </a:rPr>
-              <a:t> ")	{ </a:t>
-            </a:r>
-            <a:r>
-              <a:rPr lang="en-GB" sz="1600" b="1" dirty="0" err="1">
-                <a:latin typeface="Courier" pitchFamily="49" charset="0"/>
-              </a:rPr>
-              <a:t>Factor</a:t>
-            </a:r>
-            <a:r>
-              <a:rPr lang="en-GB" sz="1600" dirty="0" err="1">
-                <a:latin typeface="Courier" pitchFamily="49" charset="0"/>
-              </a:rPr>
-              <a:t>.value</a:t>
-            </a:r>
-            <a:r>
-              <a:rPr lang="en-GB" sz="1600" dirty="0">
-                <a:latin typeface="Courier" pitchFamily="49" charset="0"/>
-              </a:rPr>
-              <a:t> = </a:t>
-            </a:r>
-            <a:r>
-              <a:rPr lang="en-GB" sz="1600" b="1" dirty="0" err="1">
-                <a:latin typeface="Courier" pitchFamily="49" charset="0"/>
-              </a:rPr>
-              <a:t>Expr</a:t>
-            </a:r>
-            <a:r>
-              <a:rPr lang="en-GB" sz="1600" dirty="0" err="1">
-                <a:latin typeface="Courier" pitchFamily="49" charset="0"/>
-              </a:rPr>
-              <a:t>.value</a:t>
-            </a:r>
-            <a:r>
-              <a:rPr lang="en-GB" sz="1600" dirty="0">
-                <a:latin typeface="Courier" pitchFamily="49" charset="0"/>
-              </a:rPr>
-              <a:t> } </a:t>
-            </a:r>
-          </a:p>
-          <a:p>
-            <a:pPr marL="0" indent="0">
-              <a:buNone/>
-            </a:pPr>
-            <a:r>
-              <a:rPr lang="en-GB" sz="1600" b="1" dirty="0">
-                <a:latin typeface="Courier" pitchFamily="49" charset="0"/>
-              </a:rPr>
-              <a:t>Factor</a:t>
-            </a:r>
-            <a:r>
-              <a:rPr lang="en-GB" sz="1600" dirty="0">
-                <a:latin typeface="Courier" pitchFamily="49" charset="0"/>
-              </a:rPr>
-              <a:t> → </a:t>
-            </a:r>
-            <a:r>
-              <a:rPr lang="en-GB" sz="1600" i="1" dirty="0">
-                <a:latin typeface="Courier" pitchFamily="49" charset="0"/>
-              </a:rPr>
-              <a:t>integer</a:t>
-            </a:r>
-            <a:r>
-              <a:rPr lang="en-GB" sz="1600" dirty="0">
-                <a:latin typeface="Courier" pitchFamily="49" charset="0"/>
-              </a:rPr>
-              <a:t> 	{ </a:t>
-            </a:r>
-            <a:r>
-              <a:rPr lang="en-GB" sz="1600" b="1" dirty="0" err="1">
-                <a:latin typeface="Courier" pitchFamily="49" charset="0"/>
-              </a:rPr>
-              <a:t>Factor</a:t>
-            </a:r>
-            <a:r>
-              <a:rPr lang="en-GB" sz="1600" dirty="0" err="1">
-                <a:latin typeface="Courier" pitchFamily="49" charset="0"/>
-              </a:rPr>
-              <a:t>.value</a:t>
-            </a:r>
-            <a:r>
-              <a:rPr lang="en-GB" sz="1600" dirty="0">
-                <a:latin typeface="Courier" pitchFamily="49" charset="0"/>
-              </a:rPr>
-              <a:t> = </a:t>
-            </a:r>
-            <a:r>
-              <a:rPr lang="en-GB" sz="1600" dirty="0" err="1">
-                <a:latin typeface="Courier" pitchFamily="49" charset="0"/>
-              </a:rPr>
-              <a:t>strToInt</a:t>
-            </a:r>
-            <a:r>
-              <a:rPr lang="en-GB" sz="1600" dirty="0">
-                <a:latin typeface="Courier" pitchFamily="49" charset="0"/>
-              </a:rPr>
-              <a:t>(</a:t>
-            </a:r>
-            <a:r>
-              <a:rPr lang="en-GB" sz="1600" i="1" dirty="0" err="1">
-                <a:latin typeface="Courier" pitchFamily="49" charset="0"/>
-              </a:rPr>
-              <a:t>integer</a:t>
-            </a:r>
-            <a:r>
-              <a:rPr lang="en-GB" sz="1600" dirty="0" err="1">
-                <a:latin typeface="Courier" pitchFamily="49" charset="0"/>
-              </a:rPr>
-              <a:t>.str</a:t>
-            </a:r>
-            <a:r>
-              <a:rPr lang="en-GB" sz="1600" dirty="0">
-                <a:latin typeface="Courier" pitchFamily="49" charset="0"/>
-              </a:rPr>
-              <a:t>) }</a:t>
-            </a:r>
-            <a:endParaRPr lang="en-GB" dirty="0"/>
-          </a:p>
         </p:txBody>
       </p:sp>
     </p:spTree>
-    <p:extLst>
-      <p:ext uri="{BB962C8B-B14F-4D97-AF65-F5344CB8AC3E}">
-        <p14:creationId xmlns:p14="http://schemas.microsoft.com/office/powerpoint/2010/main" val="3834245864"/>
-      </p:ext>
-    </p:extLst>
   </p:cSld>
   <p:clrMapOvr>
     <a:masterClrMapping/>
@@ -9641,31 +12441,6 @@
 </file>
 
 <file path=customXml/item1.xml><?xml version="1.0" encoding="utf-8"?>
-<p:properties xmlns:p="http://schemas.microsoft.com/office/2006/metadata/properties" xmlns:xsi="http://www.w3.org/2001/XMLSchema-instance">
-  <documentManagement>
-    <LivelinkID xmlns="A61FAE18-8535-4B11-B824-D5148346DDAA" xsi:nil="true"/>
-    <Description0 xmlns="A61FAE18-8535-4B11-B824-D5148346DDAA">Selectors overview.  AttributeValueSelector, GlewGenericValueSelector</Description0>
-    <TemplateUrl xmlns="http://schemas.microsoft.com/sharepoint/v3" xsi:nil="true"/>
-    <_SourceUrl xmlns="http://schemas.microsoft.com/sharepoint/v3" xsi:nil="true"/>
-    <xd_ProgID xmlns="http://schemas.microsoft.com/sharepoint/v3" xsi:nil="true"/>
-    <Order xmlns="http://schemas.microsoft.com/sharepoint/v3" xsi:nil="true"/>
-    <_SharedFileIndex xmlns="http://schemas.microsoft.com/sharepoint/v3" xsi:nil="true"/>
-    <MetaInfo xmlns="http://schemas.microsoft.com/sharepoint/v3" xsi:nil="true"/>
-    <ContentTypeId xmlns="http://schemas.microsoft.com/sharepoint/v3">0x01010018AE1FA63585114BB824D5148346DDAA</ContentTypeId>
-  </documentManagement>
-</p:properties>
-</file>
-
-<file path=customXml/item2.xml><?xml version="1.0" encoding="utf-8"?>
-<?mso-contentType ?>
-<FormTemplates xmlns="http://schemas.microsoft.com/sharepoint/v3/contenttype/forms">
-  <Display>DocumentLibraryForm</Display>
-  <Edit>DocumentLibraryForm</Edit>
-  <New>DocumentLibraryForm</New>
-</FormTemplates>
-</file>
-
-<file path=customXml/item3.xml><?xml version="1.0" encoding="utf-8"?>
 <ct:contentTypeSchema xmlns:ct="http://schemas.microsoft.com/office/2006/metadata/contentType" xmlns:ma="http://schemas.microsoft.com/office/2006/metadata/properties/metaAttributes" ct:_="" ma:_="" ma:contentTypeName="Document" ma:contentTypeID="0x01010018AE1FA63585114BB824D5148346DDAA" ma:contentTypeVersion="0" ma:contentTypeDescription="Create a new document." ma:contentTypeScope="" ma:versionID="5ccc8e48c5c4d6c60822c563fa9f3bd9">
   <xsd:schema xmlns:xsd="http://www.w3.org/2001/XMLSchema" xmlns:p="http://schemas.microsoft.com/office/2006/metadata/properties" xmlns:ns1="http://schemas.microsoft.com/sharepoint/v3" xmlns:ns2="A61FAE18-8535-4B11-B824-D5148346DDAA" targetNamespace="http://schemas.microsoft.com/office/2006/metadata/properties" ma:root="true" ma:fieldsID="4da5b6e686d7822af01b517a6a79cd21" ns1:_="" ns2:_="">
     <xsd:import namespace="http://schemas.microsoft.com/sharepoint/v3"/>
@@ -10037,25 +12812,32 @@
 </ct:contentTypeSchema>
 </file>
 
-<file path=customXml/itemProps1.xml><?xml version="1.0" encoding="utf-8"?>
-<ds:datastoreItem xmlns:ds="http://schemas.openxmlformats.org/officeDocument/2006/customXml" ds:itemID="{369C8868-14FF-4361-88F3-CAF5AB85686A}">
-  <ds:schemaRefs>
-    <ds:schemaRef ds:uri="http://schemas.microsoft.com/office/2006/metadata/properties"/>
-    <ds:schemaRef ds:uri="A61FAE18-8535-4B11-B824-D5148346DDAA"/>
-    <ds:schemaRef ds:uri="http://schemas.microsoft.com/sharepoint/v3"/>
-  </ds:schemaRefs>
-</ds:datastoreItem>
+<file path=customXml/item2.xml><?xml version="1.0" encoding="utf-8"?>
+<p:properties xmlns:p="http://schemas.microsoft.com/office/2006/metadata/properties" xmlns:xsi="http://www.w3.org/2001/XMLSchema-instance">
+  <documentManagement>
+    <LivelinkID xmlns="A61FAE18-8535-4B11-B824-D5148346DDAA" xsi:nil="true"/>
+    <Description0 xmlns="A61FAE18-8535-4B11-B824-D5148346DDAA">Selectors overview.  AttributeValueSelector, GlewGenericValueSelector</Description0>
+    <TemplateUrl xmlns="http://schemas.microsoft.com/sharepoint/v3" xsi:nil="true"/>
+    <_SourceUrl xmlns="http://schemas.microsoft.com/sharepoint/v3" xsi:nil="true"/>
+    <xd_ProgID xmlns="http://schemas.microsoft.com/sharepoint/v3" xsi:nil="true"/>
+    <Order xmlns="http://schemas.microsoft.com/sharepoint/v3" xsi:nil="true"/>
+    <_SharedFileIndex xmlns="http://schemas.microsoft.com/sharepoint/v3" xsi:nil="true"/>
+    <MetaInfo xmlns="http://schemas.microsoft.com/sharepoint/v3" xsi:nil="true"/>
+    <ContentTypeId xmlns="http://schemas.microsoft.com/sharepoint/v3">0x01010018AE1FA63585114BB824D5148346DDAA</ContentTypeId>
+  </documentManagement>
+</p:properties>
 </file>
 
-<file path=customXml/itemProps2.xml><?xml version="1.0" encoding="utf-8"?>
-<ds:datastoreItem xmlns:ds="http://schemas.openxmlformats.org/officeDocument/2006/customXml" ds:itemID="{51176EBF-7CE3-49D1-BAE9-ECDC6EE8EAD1}">
-  <ds:schemaRefs>
-    <ds:schemaRef ds:uri="http://schemas.microsoft.com/sharepoint/v3/contenttype/forms"/>
-  </ds:schemaRefs>
-</ds:datastoreItem>
+<file path=customXml/item3.xml><?xml version="1.0" encoding="utf-8"?>
+<?mso-contentType ?>
+<FormTemplates xmlns="http://schemas.microsoft.com/sharepoint/v3/contenttype/forms">
+  <Display>DocumentLibraryForm</Display>
+  <Edit>DocumentLibraryForm</Edit>
+  <New>DocumentLibraryForm</New>
+</FormTemplates>
 </file>
 
-<file path=customXml/itemProps3.xml><?xml version="1.0" encoding="utf-8"?>
+<file path=customXml/itemProps1.xml><?xml version="1.0" encoding="utf-8"?>
 <ds:datastoreItem xmlns:ds="http://schemas.openxmlformats.org/officeDocument/2006/customXml" ds:itemID="{A3805A6D-A26D-4163-B528-A30742F31130}">
   <ds:schemaRefs>
     <ds:schemaRef ds:uri="http://schemas.microsoft.com/office/2006/metadata/contentType"/>
@@ -10071,4 +12853,22 @@
     <ds:schemaRef ds:uri="http://schemas.microsoft.com/office/internal/2005/internalDocumentation"/>
   </ds:schemaRefs>
 </ds:datastoreItem>
+</file>
+
+<file path=customXml/itemProps2.xml><?xml version="1.0" encoding="utf-8"?>
+<ds:datastoreItem xmlns:ds="http://schemas.openxmlformats.org/officeDocument/2006/customXml" ds:itemID="{369C8868-14FF-4361-88F3-CAF5AB85686A}">
+  <ds:schemaRefs>
+    <ds:schemaRef ds:uri="http://schemas.microsoft.com/office/2006/metadata/properties"/>
+    <ds:schemaRef ds:uri="A61FAE18-8535-4B11-B824-D5148346DDAA"/>
+    <ds:schemaRef ds:uri="http://schemas.microsoft.com/sharepoint/v3"/>
+  </ds:schemaRefs>
+</ds:datastoreItem>
+</file>
+
+<file path=customXml/itemProps3.xml><?xml version="1.0" encoding="utf-8"?>
+<ds:datastoreItem xmlns:ds="http://schemas.openxmlformats.org/officeDocument/2006/customXml" ds:itemID="{51176EBF-7CE3-49D1-BAE9-ECDC6EE8EAD1}">
+  <ds:schemaRefs>
+    <ds:schemaRef ds:uri="http://schemas.microsoft.com/sharepoint/v3/contenttype/forms"/>
+  </ds:schemaRefs>
+</ds:datastoreItem>
 </file>